--- a/FaceDataAugmentationSurvey/Survey_Presentation.pptx
+++ b/FaceDataAugmentationSurvey/Survey_Presentation.pptx
@@ -2,16 +2,23 @@
 <file path=ppt/presentation.xml><?xml version="1.0" encoding="utf-8"?>
 <p:presentation xmlns:a="http://schemas.openxmlformats.org/drawingml/2006/main" xmlns:r="http://schemas.openxmlformats.org/officeDocument/2006/relationships" xmlns:p="http://schemas.openxmlformats.org/presentationml/2006/main" saveSubsetFonts="1">
   <p:sldMasterIdLst>
-    <p:sldMasterId id="2147483648" r:id="rId1"/>
+    <p:sldMasterId id="2147483672" r:id="rId1"/>
   </p:sldMasterIdLst>
   <p:notesMasterIdLst>
-    <p:notesMasterId r:id="rId6"/>
+    <p:notesMasterId r:id="rId13"/>
   </p:notesMasterIdLst>
   <p:sldIdLst>
     <p:sldId id="256" r:id="rId2"/>
     <p:sldId id="257" r:id="rId3"/>
     <p:sldId id="259" r:id="rId4"/>
-    <p:sldId id="258" r:id="rId5"/>
+    <p:sldId id="261" r:id="rId5"/>
+    <p:sldId id="262" r:id="rId6"/>
+    <p:sldId id="263" r:id="rId7"/>
+    <p:sldId id="260" r:id="rId8"/>
+    <p:sldId id="265" r:id="rId9"/>
+    <p:sldId id="264" r:id="rId10"/>
+    <p:sldId id="258" r:id="rId11"/>
+    <p:sldId id="266" r:id="rId12"/>
   </p:sldIdLst>
   <p:sldSz cx="9144000" cy="6858000" type="screen4x3"/>
   <p:notesSz cx="6858000" cy="9144000"/>
@@ -558,9 +565,9 @@
 </p:notes>
 </file>
 
-<file path=ppt/slideLayouts/slideLayout1.xml><?xml version="1.0" encoding="utf-8"?>
-<p:sldLayout xmlns:a="http://schemas.openxmlformats.org/drawingml/2006/main" xmlns:r="http://schemas.openxmlformats.org/officeDocument/2006/relationships" xmlns:p="http://schemas.openxmlformats.org/presentationml/2006/main" type="title" preserve="1">
-  <p:cSld name="Title Slide">
+<file path=ppt/notesSlides/notesSlide2.xml><?xml version="1.0" encoding="utf-8"?>
+<p:notes xmlns:a="http://schemas.openxmlformats.org/drawingml/2006/main" xmlns:r="http://schemas.openxmlformats.org/officeDocument/2006/relationships" xmlns:p="http://schemas.openxmlformats.org/presentationml/2006/main">
+  <p:cSld>
     <p:spTree>
       <p:nvGrpSpPr>
         <p:cNvPr id="1" name=""/>
@@ -577,6 +584,848 @@
       </p:grpSpPr>
       <p:sp>
         <p:nvSpPr>
+          <p:cNvPr id="2" name="Slide Image Placeholder 1"/>
+          <p:cNvSpPr>
+            <a:spLocks noGrp="1" noRot="1" noChangeAspect="1"/>
+          </p:cNvSpPr>
+          <p:nvPr>
+            <p:ph type="sldImg"/>
+          </p:nvPr>
+        </p:nvSpPr>
+        <p:spPr/>
+      </p:sp>
+      <p:sp>
+        <p:nvSpPr>
+          <p:cNvPr id="3" name="Notes Placeholder 2"/>
+          <p:cNvSpPr>
+            <a:spLocks noGrp="1"/>
+          </p:cNvSpPr>
+          <p:nvPr>
+            <p:ph type="body" idx="1"/>
+          </p:nvPr>
+        </p:nvSpPr>
+        <p:spPr/>
+        <p:txBody>
+          <a:bodyPr/>
+          <a:lstStyle/>
+          <a:p>
+            <a:r>
+              <a:rPr lang="en-US" sz="1200" b="0" i="0" u="none" strike="noStrike" kern="1200" baseline="0" dirty="0" smtClean="0">
+                <a:solidFill>
+                  <a:schemeClr val="tx1"/>
+                </a:solidFill>
+                <a:latin typeface="+mn-lt"/>
+                <a:ea typeface="+mn-ea"/>
+                <a:cs typeface="+mn-cs"/>
+              </a:rPr>
+              <a:t>- [18] transformed hair color using </a:t>
+            </a:r>
+            <a:r>
+              <a:rPr lang="en-US" sz="1200" b="0" i="0" u="none" strike="noStrike" kern="1200" baseline="0" dirty="0" err="1" smtClean="0">
+                <a:solidFill>
+                  <a:schemeClr val="tx1"/>
+                </a:solidFill>
+                <a:latin typeface="+mn-lt"/>
+                <a:ea typeface="+mn-ea"/>
+                <a:cs typeface="+mn-cs"/>
+              </a:rPr>
+              <a:t>DiscoGAN</a:t>
+            </a:r>
+            <a:r>
+              <a:rPr lang="en-US" sz="1200" b="0" i="0" u="none" strike="noStrike" kern="1200" baseline="0" dirty="0" smtClean="0">
+                <a:solidFill>
+                  <a:schemeClr val="tx1"/>
+                </a:solidFill>
+                <a:latin typeface="+mn-lt"/>
+                <a:ea typeface="+mn-ea"/>
+                <a:cs typeface="+mn-cs"/>
+              </a:rPr>
+              <a:t>, which was introduced to discover cross-domain relations with unpaired data.</a:t>
+            </a:r>
+          </a:p>
+          <a:p>
+            <a:pPr marL="171450" indent="-171450">
+              <a:buFontTx/>
+              <a:buChar char="-"/>
+            </a:pPr>
+            <a:r>
+              <a:rPr lang="en-US" sz="1200" b="0" i="0" u="none" strike="noStrike" kern="1200" baseline="0" dirty="0" smtClean="0">
+                <a:solidFill>
+                  <a:schemeClr val="tx1"/>
+                </a:solidFill>
+                <a:latin typeface="+mn-lt"/>
+                <a:ea typeface="+mn-ea"/>
+                <a:cs typeface="+mn-cs"/>
+              </a:rPr>
+              <a:t>same function was achieved by </a:t>
+            </a:r>
+            <a:r>
+              <a:rPr lang="en-US" sz="1200" b="0" i="0" u="none" strike="noStrike" kern="1200" baseline="0" dirty="0" err="1" smtClean="0">
+                <a:solidFill>
+                  <a:schemeClr val="tx1"/>
+                </a:solidFill>
+                <a:latin typeface="+mn-lt"/>
+                <a:ea typeface="+mn-ea"/>
+                <a:cs typeface="+mn-cs"/>
+              </a:rPr>
+              <a:t>StarGAN</a:t>
+            </a:r>
+            <a:r>
+              <a:rPr lang="en-US" sz="1200" b="0" i="0" u="none" strike="noStrike" kern="1200" baseline="0" dirty="0" smtClean="0">
+                <a:solidFill>
+                  <a:schemeClr val="tx1"/>
+                </a:solidFill>
+                <a:latin typeface="+mn-lt"/>
+                <a:ea typeface="+mn-ea"/>
+                <a:cs typeface="+mn-cs"/>
+              </a:rPr>
+              <a:t>[19], whereas it could perform multi-domain translations </a:t>
+            </a:r>
+            <a:r>
+              <a:rPr lang="en-US" sz="1200" b="0" i="0" u="none" strike="noStrike" kern="1200" baseline="0" dirty="0" err="1" smtClean="0">
+                <a:solidFill>
+                  <a:schemeClr val="tx1"/>
+                </a:solidFill>
+                <a:latin typeface="+mn-lt"/>
+                <a:ea typeface="+mn-ea"/>
+                <a:cs typeface="+mn-cs"/>
+              </a:rPr>
+              <a:t>usinga</a:t>
+            </a:r>
+            <a:r>
+              <a:rPr lang="en-US" sz="1200" b="0" i="0" u="none" strike="noStrike" kern="1200" baseline="0" dirty="0" smtClean="0">
+                <a:solidFill>
+                  <a:schemeClr val="tx1"/>
+                </a:solidFill>
+                <a:latin typeface="+mn-lt"/>
+                <a:ea typeface="+mn-ea"/>
+                <a:cs typeface="+mn-cs"/>
+              </a:rPr>
+              <a:t> single model.</a:t>
+            </a:r>
+          </a:p>
+          <a:p>
+            <a:pPr marL="171450" indent="-171450">
+              <a:buFontTx/>
+              <a:buChar char="-"/>
+            </a:pPr>
+            <a:endParaRPr lang="en-US" dirty="0"/>
+          </a:p>
+        </p:txBody>
+      </p:sp>
+      <p:sp>
+        <p:nvSpPr>
+          <p:cNvPr id="4" name="Slide Number Placeholder 3"/>
+          <p:cNvSpPr>
+            <a:spLocks noGrp="1"/>
+          </p:cNvSpPr>
+          <p:nvPr>
+            <p:ph type="sldNum" sz="quarter" idx="10"/>
+          </p:nvPr>
+        </p:nvSpPr>
+        <p:spPr/>
+        <p:txBody>
+          <a:bodyPr/>
+          <a:lstStyle/>
+          <a:p>
+            <a:fld id="{84E80095-47FC-4AFD-A95B-F742396F1458}" type="slidenum">
+              <a:rPr lang="en-US" smtClean="0"/>
+              <a:t>5</a:t>
+            </a:fld>
+            <a:endParaRPr lang="en-US"/>
+          </a:p>
+        </p:txBody>
+      </p:sp>
+    </p:spTree>
+    <p:extLst>
+      <p:ext uri="{BB962C8B-B14F-4D97-AF65-F5344CB8AC3E}">
+        <p14:creationId xmlns:p14="http://schemas.microsoft.com/office/powerpoint/2010/main" val="1470422710"/>
+      </p:ext>
+    </p:extLst>
+  </p:cSld>
+  <p:clrMapOvr>
+    <a:masterClrMapping/>
+  </p:clrMapOvr>
+</p:notes>
+</file>
+
+<file path=ppt/notesSlides/notesSlide3.xml><?xml version="1.0" encoding="utf-8"?>
+<p:notes xmlns:a="http://schemas.openxmlformats.org/drawingml/2006/main" xmlns:r="http://schemas.openxmlformats.org/officeDocument/2006/relationships" xmlns:p="http://schemas.openxmlformats.org/presentationml/2006/main">
+  <p:cSld>
+    <p:spTree>
+      <p:nvGrpSpPr>
+        <p:cNvPr id="1" name=""/>
+        <p:cNvGrpSpPr/>
+        <p:nvPr/>
+      </p:nvGrpSpPr>
+      <p:grpSpPr>
+        <a:xfrm>
+          <a:off x="0" y="0"/>
+          <a:ext cx="0" cy="0"/>
+          <a:chOff x="0" y="0"/>
+          <a:chExt cx="0" cy="0"/>
+        </a:xfrm>
+      </p:grpSpPr>
+      <p:sp>
+        <p:nvSpPr>
+          <p:cNvPr id="2" name="Slide Image Placeholder 1"/>
+          <p:cNvSpPr>
+            <a:spLocks noGrp="1" noRot="1" noChangeAspect="1"/>
+          </p:cNvSpPr>
+          <p:nvPr>
+            <p:ph type="sldImg"/>
+          </p:nvPr>
+        </p:nvSpPr>
+        <p:spPr/>
+      </p:sp>
+      <p:sp>
+        <p:nvSpPr>
+          <p:cNvPr id="3" name="Notes Placeholder 2"/>
+          <p:cNvSpPr>
+            <a:spLocks noGrp="1"/>
+          </p:cNvSpPr>
+          <p:nvPr>
+            <p:ph type="body" idx="1"/>
+          </p:nvPr>
+        </p:nvSpPr>
+        <p:spPr/>
+        <p:txBody>
+          <a:bodyPr/>
+          <a:lstStyle/>
+          <a:p>
+            <a:r>
+              <a:rPr lang="en-US" dirty="0" smtClean="0"/>
+              <a:t>UV-GAN: </a:t>
+            </a:r>
+            <a:r>
+              <a:rPr lang="en-US" sz="1200" b="0" i="0" u="none" strike="noStrike" kern="1200" baseline="0" dirty="0" smtClean="0">
+                <a:solidFill>
+                  <a:schemeClr val="tx1"/>
+                </a:solidFill>
+                <a:latin typeface="+mn-lt"/>
+                <a:ea typeface="+mn-ea"/>
+                <a:cs typeface="+mn-cs"/>
+              </a:rPr>
+              <a:t>to complete the facial UV map and recover the self-occluded regions. virtual instances under arbitrary poses were generated by attaching the completed UV map to the fitted 3D face mesh</a:t>
+            </a:r>
+          </a:p>
+          <a:p>
+            <a:r>
+              <a:rPr lang="en-US" sz="1200" b="0" i="0" u="none" strike="noStrike" kern="1200" baseline="0" dirty="0" smtClean="0">
+                <a:solidFill>
+                  <a:schemeClr val="tx1"/>
+                </a:solidFill>
+                <a:latin typeface="+mn-lt"/>
+                <a:ea typeface="+mn-ea"/>
+                <a:cs typeface="+mn-cs"/>
+              </a:rPr>
+              <a:t>CAPG-GAN (Couple-Agent Pose-Guided GAN) to realize flexible face rotation of arbitrary head poses from a single image in 2D space</a:t>
+            </a:r>
+          </a:p>
+          <a:p>
+            <a:r>
+              <a:rPr lang="en-US" dirty="0" smtClean="0"/>
+              <a:t>Other GANs that try to preserve the identity by</a:t>
+            </a:r>
+            <a:r>
+              <a:rPr lang="en-US" baseline="0" dirty="0" smtClean="0"/>
+              <a:t> saving facial features and recasting them onto a rotated canvas</a:t>
+            </a:r>
+          </a:p>
+          <a:p>
+            <a:endParaRPr lang="en-US" baseline="0" dirty="0" smtClean="0"/>
+          </a:p>
+          <a:p>
+            <a:endParaRPr lang="en-US" baseline="0" dirty="0" smtClean="0"/>
+          </a:p>
+          <a:p>
+            <a:r>
+              <a:rPr lang="en-US" baseline="0" dirty="0" smtClean="0"/>
+              <a:t>Expression</a:t>
+            </a:r>
+          </a:p>
+          <a:p>
+            <a:pPr marL="228600" indent="-228600">
+              <a:buAutoNum type="arabicParenR"/>
+            </a:pPr>
+            <a:r>
+              <a:rPr lang="en-US" baseline="0" dirty="0" smtClean="0"/>
+              <a:t>Based on reference and target images</a:t>
+            </a:r>
+          </a:p>
+          <a:p>
+            <a:pPr marL="0" indent="0">
+              <a:buNone/>
+            </a:pPr>
+            <a:r>
+              <a:rPr lang="en-US" baseline="0" dirty="0" smtClean="0"/>
+              <a:t>2) Variable generation of expression codes</a:t>
+            </a:r>
+          </a:p>
+          <a:p>
+            <a:pPr marL="0" indent="0">
+              <a:buNone/>
+            </a:pPr>
+            <a:r>
+              <a:rPr lang="en-US" baseline="0" dirty="0" smtClean="0"/>
+              <a:t>3) Continuous action unit coefficients.</a:t>
+            </a:r>
+          </a:p>
+          <a:p>
+            <a:pPr marL="0" indent="0">
+              <a:buNone/>
+            </a:pPr>
+            <a:r>
+              <a:rPr lang="en-US" baseline="0" dirty="0" smtClean="0"/>
+              <a:t>4) Preserving identity in images using Geometry-Guided GAN, etc.</a:t>
+            </a:r>
+          </a:p>
+          <a:p>
+            <a:endParaRPr lang="en-US" dirty="0"/>
+          </a:p>
+        </p:txBody>
+      </p:sp>
+      <p:sp>
+        <p:nvSpPr>
+          <p:cNvPr id="4" name="Slide Number Placeholder 3"/>
+          <p:cNvSpPr>
+            <a:spLocks noGrp="1"/>
+          </p:cNvSpPr>
+          <p:nvPr>
+            <p:ph type="sldNum" sz="quarter" idx="10"/>
+          </p:nvPr>
+        </p:nvSpPr>
+        <p:spPr/>
+        <p:txBody>
+          <a:bodyPr/>
+          <a:lstStyle/>
+          <a:p>
+            <a:fld id="{84E80095-47FC-4AFD-A95B-F742396F1458}" type="slidenum">
+              <a:rPr lang="en-US" smtClean="0"/>
+              <a:t>6</a:t>
+            </a:fld>
+            <a:endParaRPr lang="en-US"/>
+          </a:p>
+        </p:txBody>
+      </p:sp>
+    </p:spTree>
+    <p:extLst>
+      <p:ext uri="{BB962C8B-B14F-4D97-AF65-F5344CB8AC3E}">
+        <p14:creationId xmlns:p14="http://schemas.microsoft.com/office/powerpoint/2010/main" val="3644039855"/>
+      </p:ext>
+    </p:extLst>
+  </p:cSld>
+  <p:clrMapOvr>
+    <a:masterClrMapping/>
+  </p:clrMapOvr>
+</p:notes>
+</file>
+
+<file path=ppt/notesSlides/notesSlide4.xml><?xml version="1.0" encoding="utf-8"?>
+<p:notes xmlns:a="http://schemas.openxmlformats.org/drawingml/2006/main" xmlns:r="http://schemas.openxmlformats.org/officeDocument/2006/relationships" xmlns:p="http://schemas.openxmlformats.org/presentationml/2006/main">
+  <p:cSld>
+    <p:spTree>
+      <p:nvGrpSpPr>
+        <p:cNvPr id="1" name=""/>
+        <p:cNvGrpSpPr/>
+        <p:nvPr/>
+      </p:nvGrpSpPr>
+      <p:grpSpPr>
+        <a:xfrm>
+          <a:off x="0" y="0"/>
+          <a:ext cx="0" cy="0"/>
+          <a:chOff x="0" y="0"/>
+          <a:chExt cx="0" cy="0"/>
+        </a:xfrm>
+      </p:grpSpPr>
+      <p:sp>
+        <p:nvSpPr>
+          <p:cNvPr id="2" name="Slide Image Placeholder 1"/>
+          <p:cNvSpPr>
+            <a:spLocks noGrp="1" noRot="1" noChangeAspect="1"/>
+          </p:cNvSpPr>
+          <p:nvPr>
+            <p:ph type="sldImg"/>
+          </p:nvPr>
+        </p:nvSpPr>
+        <p:spPr/>
+      </p:sp>
+      <p:sp>
+        <p:nvSpPr>
+          <p:cNvPr id="3" name="Notes Placeholder 2"/>
+          <p:cNvSpPr>
+            <a:spLocks noGrp="1"/>
+          </p:cNvSpPr>
+          <p:nvPr>
+            <p:ph type="body" idx="1"/>
+          </p:nvPr>
+        </p:nvSpPr>
+        <p:spPr/>
+        <p:txBody>
+          <a:bodyPr/>
+          <a:lstStyle/>
+          <a:p>
+            <a:r>
+              <a:rPr lang="en-US" sz="1200" b="0" i="0" u="none" strike="noStrike" kern="1200" baseline="0" dirty="0" smtClean="0">
+                <a:solidFill>
+                  <a:schemeClr val="tx1"/>
+                </a:solidFill>
+                <a:latin typeface="+mn-lt"/>
+                <a:ea typeface="+mn-ea"/>
+                <a:cs typeface="+mn-cs"/>
+              </a:rPr>
+              <a:t>Augmented Reality (AR) is a technique which supplements the real word with virtual (computer-generated) objects that appear to coexist in the same space</a:t>
+            </a:r>
+          </a:p>
+          <a:p>
+            <a:endParaRPr lang="en-US" sz="1200" b="0" i="0" u="none" strike="noStrike" kern="1200" baseline="0" dirty="0" smtClean="0">
+              <a:solidFill>
+                <a:schemeClr val="tx1"/>
+              </a:solidFill>
+              <a:latin typeface="+mn-lt"/>
+              <a:ea typeface="+mn-ea"/>
+              <a:cs typeface="+mn-cs"/>
+            </a:endParaRPr>
+          </a:p>
+          <a:p>
+            <a:endParaRPr lang="en-US" dirty="0"/>
+          </a:p>
+        </p:txBody>
+      </p:sp>
+      <p:sp>
+        <p:nvSpPr>
+          <p:cNvPr id="4" name="Slide Number Placeholder 3"/>
+          <p:cNvSpPr>
+            <a:spLocks noGrp="1"/>
+          </p:cNvSpPr>
+          <p:nvPr>
+            <p:ph type="sldNum" sz="quarter" idx="10"/>
+          </p:nvPr>
+        </p:nvSpPr>
+        <p:spPr/>
+        <p:txBody>
+          <a:bodyPr/>
+          <a:lstStyle/>
+          <a:p>
+            <a:fld id="{84E80095-47FC-4AFD-A95B-F742396F1458}" type="slidenum">
+              <a:rPr lang="en-US" smtClean="0"/>
+              <a:t>7</a:t>
+            </a:fld>
+            <a:endParaRPr lang="en-US"/>
+          </a:p>
+        </p:txBody>
+      </p:sp>
+    </p:spTree>
+    <p:extLst>
+      <p:ext uri="{BB962C8B-B14F-4D97-AF65-F5344CB8AC3E}">
+        <p14:creationId xmlns:p14="http://schemas.microsoft.com/office/powerpoint/2010/main" val="4010140708"/>
+      </p:ext>
+    </p:extLst>
+  </p:cSld>
+  <p:clrMapOvr>
+    <a:masterClrMapping/>
+  </p:clrMapOvr>
+</p:notes>
+</file>
+
+<file path=ppt/notesSlides/notesSlide5.xml><?xml version="1.0" encoding="utf-8"?>
+<p:notes xmlns:a="http://schemas.openxmlformats.org/drawingml/2006/main" xmlns:r="http://schemas.openxmlformats.org/officeDocument/2006/relationships" xmlns:p="http://schemas.openxmlformats.org/presentationml/2006/main">
+  <p:cSld>
+    <p:spTree>
+      <p:nvGrpSpPr>
+        <p:cNvPr id="1" name=""/>
+        <p:cNvGrpSpPr/>
+        <p:nvPr/>
+      </p:nvGrpSpPr>
+      <p:grpSpPr>
+        <a:xfrm>
+          <a:off x="0" y="0"/>
+          <a:ext cx="0" cy="0"/>
+          <a:chOff x="0" y="0"/>
+          <a:chExt cx="0" cy="0"/>
+        </a:xfrm>
+      </p:grpSpPr>
+      <p:sp>
+        <p:nvSpPr>
+          <p:cNvPr id="2" name="Slide Image Placeholder 1"/>
+          <p:cNvSpPr>
+            <a:spLocks noGrp="1" noRot="1" noChangeAspect="1"/>
+          </p:cNvSpPr>
+          <p:nvPr>
+            <p:ph type="sldImg"/>
+          </p:nvPr>
+        </p:nvSpPr>
+        <p:spPr/>
+      </p:sp>
+      <p:sp>
+        <p:nvSpPr>
+          <p:cNvPr id="3" name="Notes Placeholder 2"/>
+          <p:cNvSpPr>
+            <a:spLocks noGrp="1"/>
+          </p:cNvSpPr>
+          <p:nvPr>
+            <p:ph type="body" idx="1"/>
+          </p:nvPr>
+        </p:nvSpPr>
+        <p:spPr/>
+        <p:txBody>
+          <a:bodyPr/>
+          <a:lstStyle/>
+          <a:p>
+            <a:r>
+              <a:rPr lang="en-US" sz="1200" b="0" i="0" u="none" strike="noStrike" kern="1200" baseline="0" dirty="0" smtClean="0">
+                <a:solidFill>
+                  <a:schemeClr val="tx1"/>
+                </a:solidFill>
+                <a:latin typeface="+mn-lt"/>
+                <a:ea typeface="+mn-ea"/>
+                <a:cs typeface="+mn-cs"/>
+              </a:rPr>
+              <a:t>The generative model maps a unit Gaussian distribution (grey) to another distribution ^p(x) (blue) through a neural network, which is a function with parameters .</a:t>
+            </a:r>
+          </a:p>
+          <a:p>
+            <a:endParaRPr lang="en-US" sz="1200" b="0" i="0" u="none" strike="noStrike" kern="1200" baseline="0" dirty="0" smtClean="0">
+              <a:solidFill>
+                <a:schemeClr val="tx1"/>
+              </a:solidFill>
+              <a:latin typeface="+mn-lt"/>
+              <a:ea typeface="+mn-ea"/>
+              <a:cs typeface="+mn-cs"/>
+            </a:endParaRPr>
+          </a:p>
+          <a:p>
+            <a:pPr marL="0" marR="0" lvl="1" indent="0" algn="l" defTabSz="914400" rtl="0" eaLnBrk="1" fontAlgn="auto" latinLnBrk="0" hangingPunct="1">
+              <a:lnSpc>
+                <a:spcPct val="100000"/>
+              </a:lnSpc>
+              <a:spcBef>
+                <a:spcPts val="0"/>
+              </a:spcBef>
+              <a:spcAft>
+                <a:spcPts val="0"/>
+              </a:spcAft>
+              <a:buClrTx/>
+              <a:buSzTx/>
+              <a:buFontTx/>
+              <a:buNone/>
+              <a:tabLst/>
+              <a:defRPr/>
+            </a:pPr>
+            <a:r>
+              <a:rPr lang="en-US" sz="1200" b="0" i="0" u="none" strike="noStrike" kern="1200" baseline="0" dirty="0" smtClean="0">
+                <a:solidFill>
+                  <a:schemeClr val="tx1"/>
+                </a:solidFill>
+                <a:latin typeface="+mn-lt"/>
+                <a:ea typeface="+mn-ea"/>
+                <a:cs typeface="+mn-cs"/>
+              </a:rPr>
+              <a:t>Autoregressive Gen </a:t>
+            </a:r>
+            <a:r>
+              <a:rPr lang="en-US" dirty="0" smtClean="0"/>
+              <a:t>model joint distribution by </a:t>
+            </a:r>
+            <a:r>
+              <a:rPr lang="en-US" dirty="0" err="1" smtClean="0"/>
+              <a:t>decomp</a:t>
+            </a:r>
+            <a:r>
+              <a:rPr lang="en-US" dirty="0" smtClean="0"/>
+              <a:t> into product of conditional individual</a:t>
+            </a:r>
+          </a:p>
+          <a:p>
+            <a:pPr marL="0" marR="0" lvl="1" indent="0" algn="l" defTabSz="914400" rtl="0" eaLnBrk="1" fontAlgn="auto" latinLnBrk="0" hangingPunct="1">
+              <a:lnSpc>
+                <a:spcPct val="100000"/>
+              </a:lnSpc>
+              <a:spcBef>
+                <a:spcPts val="0"/>
+              </a:spcBef>
+              <a:spcAft>
+                <a:spcPts val="0"/>
+              </a:spcAft>
+              <a:buClrTx/>
+              <a:buSzTx/>
+              <a:buFontTx/>
+              <a:buNone/>
+              <a:tabLst/>
+              <a:defRPr/>
+            </a:pPr>
+            <a:endParaRPr lang="en-US" dirty="0" smtClean="0"/>
+          </a:p>
+          <a:p>
+            <a:r>
+              <a:rPr lang="en-US" sz="1200" b="0" i="0" u="none" strike="noStrike" kern="1200" baseline="0" dirty="0" smtClean="0">
+                <a:solidFill>
+                  <a:schemeClr val="tx1"/>
+                </a:solidFill>
+                <a:latin typeface="+mn-lt"/>
+                <a:ea typeface="+mn-ea"/>
+                <a:cs typeface="+mn-cs"/>
+              </a:rPr>
+              <a:t>The idea of VAEs is to learn the latent variables, which are low-dimensional latent representations of the training data and reconstruct input based on those.</a:t>
+            </a:r>
+            <a:endParaRPr lang="en-US" dirty="0" smtClean="0"/>
+          </a:p>
+          <a:p>
+            <a:pPr marL="0" marR="0" lvl="1" indent="0" algn="l" defTabSz="914400" rtl="0" eaLnBrk="1" fontAlgn="auto" latinLnBrk="0" hangingPunct="1">
+              <a:lnSpc>
+                <a:spcPct val="100000"/>
+              </a:lnSpc>
+              <a:spcBef>
+                <a:spcPts val="0"/>
+              </a:spcBef>
+              <a:spcAft>
+                <a:spcPts val="0"/>
+              </a:spcAft>
+              <a:buClrTx/>
+              <a:buSzTx/>
+              <a:buFontTx/>
+              <a:buNone/>
+              <a:tabLst/>
+              <a:defRPr/>
+            </a:pPr>
+            <a:endParaRPr lang="en-US" dirty="0" smtClean="0"/>
+          </a:p>
+          <a:p>
+            <a:pPr marL="0" marR="0" lvl="1" indent="0" algn="l" defTabSz="914400" rtl="0" eaLnBrk="1" fontAlgn="auto" latinLnBrk="0" hangingPunct="1">
+              <a:lnSpc>
+                <a:spcPct val="100000"/>
+              </a:lnSpc>
+              <a:spcBef>
+                <a:spcPts val="0"/>
+              </a:spcBef>
+              <a:spcAft>
+                <a:spcPts val="0"/>
+              </a:spcAft>
+              <a:buClrTx/>
+              <a:buSzTx/>
+              <a:buFontTx/>
+              <a:buNone/>
+              <a:tabLst/>
+              <a:defRPr/>
+            </a:pPr>
+            <a:r>
+              <a:rPr lang="en-US" dirty="0" smtClean="0"/>
+              <a:t>GANs</a:t>
+            </a:r>
+            <a:r>
+              <a:rPr lang="en-US" baseline="0" dirty="0" smtClean="0"/>
+              <a:t> are trained to generate auxiliary data for imbalanced datasets after training on complete datasets. </a:t>
+            </a:r>
+            <a:r>
+              <a:rPr lang="en-US" baseline="0" dirty="0" err="1" smtClean="0"/>
+              <a:t>CycleGAN</a:t>
+            </a:r>
+            <a:r>
+              <a:rPr lang="en-US" baseline="0" dirty="0" smtClean="0"/>
+              <a:t> is a popular one because it learns mapping between two high dimensional data domains.</a:t>
+            </a:r>
+            <a:endParaRPr lang="en-US" dirty="0" smtClean="0"/>
+          </a:p>
+          <a:p>
+            <a:pPr marL="0" marR="0" lvl="1" indent="0" algn="l" defTabSz="914400" rtl="0" eaLnBrk="1" fontAlgn="auto" latinLnBrk="0" hangingPunct="1">
+              <a:lnSpc>
+                <a:spcPct val="100000"/>
+              </a:lnSpc>
+              <a:spcBef>
+                <a:spcPts val="0"/>
+              </a:spcBef>
+              <a:spcAft>
+                <a:spcPts val="0"/>
+              </a:spcAft>
+              <a:buClrTx/>
+              <a:buSzTx/>
+              <a:buFontTx/>
+              <a:buNone/>
+              <a:tabLst/>
+              <a:defRPr/>
+            </a:pPr>
+            <a:r>
+              <a:rPr lang="en-US" dirty="0" smtClean="0"/>
+              <a:t>Comparison</a:t>
+            </a:r>
+          </a:p>
+          <a:p>
+            <a:pPr marL="0" marR="0" lvl="1" indent="0" algn="l" defTabSz="914400" rtl="0" eaLnBrk="1" fontAlgn="auto" latinLnBrk="0" hangingPunct="1">
+              <a:lnSpc>
+                <a:spcPct val="100000"/>
+              </a:lnSpc>
+              <a:spcBef>
+                <a:spcPts val="0"/>
+              </a:spcBef>
+              <a:spcAft>
+                <a:spcPts val="0"/>
+              </a:spcAft>
+              <a:buClrTx/>
+              <a:buSzTx/>
+              <a:buFontTx/>
+              <a:buNone/>
+              <a:tabLst/>
+              <a:defRPr/>
+            </a:pPr>
+            <a:endParaRPr lang="en-US" dirty="0" smtClean="0"/>
+          </a:p>
+          <a:p>
+            <a:pPr marL="0" marR="0" lvl="1" indent="0" algn="l" defTabSz="914400" rtl="0" eaLnBrk="1" fontAlgn="auto" latinLnBrk="0" hangingPunct="1">
+              <a:lnSpc>
+                <a:spcPct val="100000"/>
+              </a:lnSpc>
+              <a:spcBef>
+                <a:spcPts val="0"/>
+              </a:spcBef>
+              <a:spcAft>
+                <a:spcPts val="0"/>
+              </a:spcAft>
+              <a:buClrTx/>
+              <a:buSzTx/>
+              <a:buFontTx/>
+              <a:buNone/>
+              <a:tabLst/>
+              <a:defRPr/>
+            </a:pPr>
+            <a:r>
+              <a:rPr lang="en-US" dirty="0" smtClean="0"/>
+              <a:t>Flow based generative models learn </a:t>
+            </a:r>
+            <a:r>
+              <a:rPr lang="en-US" sz="1200" b="0" i="0" kern="1200" dirty="0" smtClean="0">
+                <a:solidFill>
+                  <a:schemeClr val="tx1"/>
+                </a:solidFill>
+                <a:effectLst/>
+                <a:latin typeface="+mn-lt"/>
+                <a:ea typeface="+mn-ea"/>
+                <a:cs typeface="+mn-cs"/>
+              </a:rPr>
+              <a:t>probability density function of</a:t>
+            </a:r>
+            <a:r>
+              <a:rPr lang="en-US" sz="1200" b="0" i="0" kern="1200" baseline="0" dirty="0" smtClean="0">
+                <a:solidFill>
+                  <a:schemeClr val="tx1"/>
+                </a:solidFill>
+                <a:effectLst/>
+                <a:latin typeface="+mn-lt"/>
+                <a:ea typeface="+mn-ea"/>
+                <a:cs typeface="+mn-cs"/>
+              </a:rPr>
+              <a:t> data using normalizing flows.</a:t>
+            </a:r>
+            <a:endParaRPr lang="en-US" dirty="0" smtClean="0"/>
+          </a:p>
+        </p:txBody>
+      </p:sp>
+      <p:sp>
+        <p:nvSpPr>
+          <p:cNvPr id="4" name="Slide Number Placeholder 3"/>
+          <p:cNvSpPr>
+            <a:spLocks noGrp="1"/>
+          </p:cNvSpPr>
+          <p:nvPr>
+            <p:ph type="sldNum" sz="quarter" idx="10"/>
+          </p:nvPr>
+        </p:nvSpPr>
+        <p:spPr/>
+        <p:txBody>
+          <a:bodyPr/>
+          <a:lstStyle/>
+          <a:p>
+            <a:fld id="{84E80095-47FC-4AFD-A95B-F742396F1458}" type="slidenum">
+              <a:rPr lang="en-US" smtClean="0"/>
+              <a:t>8</a:t>
+            </a:fld>
+            <a:endParaRPr lang="en-US"/>
+          </a:p>
+        </p:txBody>
+      </p:sp>
+    </p:spTree>
+    <p:extLst>
+      <p:ext uri="{BB962C8B-B14F-4D97-AF65-F5344CB8AC3E}">
+        <p14:creationId xmlns:p14="http://schemas.microsoft.com/office/powerpoint/2010/main" val="3485731679"/>
+      </p:ext>
+    </p:extLst>
+  </p:cSld>
+  <p:clrMapOvr>
+    <a:masterClrMapping/>
+  </p:clrMapOvr>
+</p:notes>
+</file>
+
+<file path=ppt/slideLayouts/slideLayout1.xml><?xml version="1.0" encoding="utf-8"?>
+<p:sldLayout xmlns:a="http://schemas.openxmlformats.org/drawingml/2006/main" xmlns:r="http://schemas.openxmlformats.org/officeDocument/2006/relationships" xmlns:p="http://schemas.openxmlformats.org/presentationml/2006/main" showMasterSp="0" type="title" preserve="1">
+  <p:cSld name="Title Slide">
+    <p:bg>
+      <p:bgRef idx="1002">
+        <a:schemeClr val="bg2"/>
+      </p:bgRef>
+    </p:bg>
+    <p:spTree>
+      <p:nvGrpSpPr>
+        <p:cNvPr id="1" name=""/>
+        <p:cNvGrpSpPr/>
+        <p:nvPr/>
+      </p:nvGrpSpPr>
+      <p:grpSpPr>
+        <a:xfrm>
+          <a:off x="0" y="0"/>
+          <a:ext cx="0" cy="0"/>
+          <a:chOff x="0" y="0"/>
+          <a:chExt cx="0" cy="0"/>
+        </a:xfrm>
+      </p:grpSpPr>
+      <p:sp>
+        <p:nvSpPr>
+          <p:cNvPr id="9" name="Rectangle 8"/>
+          <p:cNvSpPr/>
+          <p:nvPr/>
+        </p:nvSpPr>
+        <p:spPr bwMode="ltGray">
+          <a:xfrm>
+            <a:off x="0" y="0"/>
+            <a:ext cx="9143999" cy="5135430"/>
+          </a:xfrm>
+          <a:prstGeom prst="rect">
+            <a:avLst/>
+          </a:prstGeom>
+          <a:solidFill>
+            <a:srgbClr val="000000"/>
+          </a:solidFill>
+          <a:ln w="48000" cap="flat" cmpd="thickThin" algn="ctr">
+            <a:noFill/>
+            <a:prstDash val="solid"/>
+          </a:ln>
+        </p:spPr>
+        <p:style>
+          <a:lnRef idx="2">
+            <a:schemeClr val="accent1"/>
+          </a:lnRef>
+          <a:fillRef idx="1">
+            <a:schemeClr val="accent1"/>
+          </a:fillRef>
+          <a:effectRef idx="0">
+            <a:schemeClr val="accent1"/>
+          </a:effectRef>
+          <a:fontRef idx="minor">
+            <a:schemeClr val="lt1"/>
+          </a:fontRef>
+        </p:style>
+        <p:txBody>
+          <a:bodyPr rtlCol="0" anchor="ctr"/>
+          <a:lstStyle>
+            <a:extLst/>
+          </a:lstStyle>
+          <a:p>
+            <a:pPr algn="ctr" eaLnBrk="1" latinLnBrk="0" hangingPunct="1"/>
+            <a:endParaRPr kumimoji="0" lang="en-US"/>
+          </a:p>
+        </p:txBody>
+      </p:sp>
+      <p:sp>
+        <p:nvSpPr>
           <p:cNvPr id="2" name="Title 1"/>
           <p:cNvSpPr>
             <a:spLocks noGrp="1"/>
@@ -587,19 +1436,35 @@
         </p:nvSpPr>
         <p:spPr>
           <a:xfrm>
-            <a:off x="685800" y="2130425"/>
-            <a:ext cx="7772400" cy="1470025"/>
+            <a:off x="685800" y="3355848"/>
+            <a:ext cx="8077200" cy="1673352"/>
           </a:xfrm>
         </p:spPr>
         <p:txBody>
-          <a:bodyPr/>
-          <a:lstStyle/>
-          <a:p>
-            <a:r>
-              <a:rPr lang="en-US" smtClean="0"/>
+          <a:bodyPr vert="horz" lIns="91440" tIns="0" rIns="45720" bIns="0" rtlCol="0" anchor="t">
+            <a:normAutofit/>
+            <a:scene3d>
+              <a:camera prst="orthographicFront"/>
+              <a:lightRig rig="threePt" dir="t">
+                <a:rot lat="0" lon="0" rev="4800000"/>
+              </a:lightRig>
+            </a:scene3d>
+            <a:sp3d prstMaterial="matte">
+              <a:bevelT w="50800" h="10160"/>
+            </a:sp3d>
+          </a:bodyPr>
+          <a:lstStyle>
+            <a:lvl1pPr algn="l">
+              <a:defRPr sz="4700" b="1"/>
+            </a:lvl1pPr>
+            <a:extLst/>
+          </a:lstStyle>
+          <a:p>
+            <a:r>
+              <a:rPr kumimoji="0" lang="en-US" smtClean="0"/>
               <a:t>Click to edit Master title style</a:t>
             </a:r>
-            <a:endParaRPr lang="en-US"/>
+            <a:endParaRPr kumimoji="0" lang="en-US"/>
           </a:p>
         </p:txBody>
       </p:sp>
@@ -615,20 +1480,18 @@
         </p:nvSpPr>
         <p:spPr>
           <a:xfrm>
-            <a:off x="1371600" y="3886200"/>
-            <a:ext cx="6400800" cy="1752600"/>
+            <a:off x="685800" y="1828800"/>
+            <a:ext cx="8077200" cy="1499616"/>
           </a:xfrm>
         </p:spPr>
         <p:txBody>
-          <a:bodyPr/>
+          <a:bodyPr lIns="118872" tIns="0" rIns="45720" bIns="0" anchor="b"/>
           <a:lstStyle>
-            <a:lvl1pPr marL="0" indent="0" algn="ctr">
+            <a:lvl1pPr marL="0" indent="0" algn="l">
               <a:buNone/>
-              <a:defRPr>
+              <a:defRPr sz="2000">
                 <a:solidFill>
-                  <a:schemeClr val="tx1">
-                    <a:tint val="75000"/>
-                  </a:schemeClr>
+                  <a:srgbClr val="FFFFFF"/>
                 </a:solidFill>
               </a:defRPr>
             </a:lvl1pPr>
@@ -712,13 +1575,14 @@
                 </a:solidFill>
               </a:defRPr>
             </a:lvl9pPr>
+            <a:extLst/>
           </a:lstStyle>
           <a:p>
             <a:r>
-              <a:rPr lang="en-US" smtClean="0"/>
+              <a:rPr kumimoji="0" lang="en-US" smtClean="0"/>
               <a:t>Click to edit Master subtitle style</a:t>
             </a:r>
-            <a:endParaRPr lang="en-US"/>
+            <a:endParaRPr kumimoji="0" lang="en-US"/>
           </a:p>
         </p:txBody>
       </p:sp>
@@ -787,15 +1651,64 @@
           </a:p>
         </p:txBody>
       </p:sp>
+      <p:sp>
+        <p:nvSpPr>
+          <p:cNvPr id="10" name="Rectangle 9"/>
+          <p:cNvSpPr/>
+          <p:nvPr/>
+        </p:nvSpPr>
+        <p:spPr bwMode="invGray">
+          <a:xfrm>
+            <a:off x="0" y="5128334"/>
+            <a:ext cx="9144000" cy="45720"/>
+          </a:xfrm>
+          <a:prstGeom prst="rect">
+            <a:avLst/>
+          </a:prstGeom>
+          <a:solidFill>
+            <a:srgbClr val="FFFFFF"/>
+          </a:solidFill>
+          <a:ln w="48000" cap="flat" cmpd="thickThin" algn="ctr">
+            <a:noFill/>
+            <a:prstDash val="solid"/>
+          </a:ln>
+          <a:effectLst>
+            <a:outerShdw blurRad="31750" dist="10160" dir="5400000" algn="tl" rotWithShape="0">
+              <a:srgbClr val="000000">
+                <a:alpha val="60000"/>
+              </a:srgbClr>
+            </a:outerShdw>
+          </a:effectLst>
+        </p:spPr>
+        <p:style>
+          <a:lnRef idx="2">
+            <a:schemeClr val="accent1"/>
+          </a:lnRef>
+          <a:fillRef idx="1">
+            <a:schemeClr val="accent1"/>
+          </a:fillRef>
+          <a:effectRef idx="0">
+            <a:schemeClr val="accent1"/>
+          </a:effectRef>
+          <a:fontRef idx="minor">
+            <a:schemeClr val="lt1"/>
+          </a:fontRef>
+        </p:style>
+        <p:txBody>
+          <a:bodyPr rtlCol="0" anchor="ctr"/>
+          <a:lstStyle>
+            <a:extLst/>
+          </a:lstStyle>
+          <a:p>
+            <a:pPr algn="ctr" eaLnBrk="1" latinLnBrk="0" hangingPunct="1"/>
+            <a:endParaRPr kumimoji="0" lang="en-US"/>
+          </a:p>
+        </p:txBody>
+      </p:sp>
     </p:spTree>
-    <p:extLst>
-      <p:ext uri="{BB962C8B-B14F-4D97-AF65-F5344CB8AC3E}">
-        <p14:creationId xmlns:p14="http://schemas.microsoft.com/office/powerpoint/2010/main" val="3553915264"/>
-      </p:ext>
-    </p:extLst>
   </p:cSld>
   <p:clrMapOvr>
-    <a:masterClrMapping/>
+    <a:overrideClrMapping bg1="dk1" tx1="lt1" bg2="dk2" tx2="lt2" accent1="accent1" accent2="accent2" accent3="accent3" accent4="accent4" accent5="accent5" accent6="accent6" hlink="hlink" folHlink="folHlink"/>
   </p:clrMapOvr>
 </p:sldLayout>
 </file>
@@ -830,13 +1743,15 @@
         <p:spPr/>
         <p:txBody>
           <a:bodyPr/>
-          <a:lstStyle/>
-          <a:p>
-            <a:r>
-              <a:rPr lang="en-US" smtClean="0"/>
+          <a:lstStyle>
+            <a:extLst/>
+          </a:lstStyle>
+          <a:p>
+            <a:r>
+              <a:rPr kumimoji="0" lang="en-US" smtClean="0"/>
               <a:t>Click to edit Master title style</a:t>
             </a:r>
-            <a:endParaRPr lang="en-US"/>
+            <a:endParaRPr kumimoji="0" lang="en-US"/>
           </a:p>
         </p:txBody>
       </p:sp>
@@ -853,42 +1768,44 @@
         <p:spPr/>
         <p:txBody>
           <a:bodyPr vert="eaVert"/>
-          <a:lstStyle/>
-          <a:p>
-            <a:pPr lvl="0"/>
+          <a:lstStyle>
+            <a:extLst/>
+          </a:lstStyle>
+          <a:p>
+            <a:pPr lvl="0" eaLnBrk="1" latinLnBrk="0" hangingPunct="1"/>
             <a:r>
               <a:rPr lang="en-US" smtClean="0"/>
               <a:t>Click to edit Master text styles</a:t>
             </a:r>
           </a:p>
           <a:p>
-            <a:pPr lvl="1"/>
+            <a:pPr lvl="1" eaLnBrk="1" latinLnBrk="0" hangingPunct="1"/>
             <a:r>
               <a:rPr lang="en-US" smtClean="0"/>
               <a:t>Second level</a:t>
             </a:r>
           </a:p>
           <a:p>
-            <a:pPr lvl="2"/>
+            <a:pPr lvl="2" eaLnBrk="1" latinLnBrk="0" hangingPunct="1"/>
             <a:r>
               <a:rPr lang="en-US" smtClean="0"/>
               <a:t>Third level</a:t>
             </a:r>
           </a:p>
           <a:p>
-            <a:pPr lvl="3"/>
+            <a:pPr lvl="3" eaLnBrk="1" latinLnBrk="0" hangingPunct="1"/>
             <a:r>
               <a:rPr lang="en-US" smtClean="0"/>
               <a:t>Fourth level</a:t>
             </a:r>
           </a:p>
           <a:p>
-            <a:pPr lvl="4"/>
+            <a:pPr lvl="4" eaLnBrk="1" latinLnBrk="0" hangingPunct="1"/>
             <a:r>
               <a:rPr lang="en-US" smtClean="0"/>
               <a:t>Fifth level</a:t>
             </a:r>
-            <a:endParaRPr lang="en-US"/>
+            <a:endParaRPr kumimoji="0" lang="en-US"/>
           </a:p>
         </p:txBody>
       </p:sp>
@@ -958,11 +1875,6 @@
         </p:txBody>
       </p:sp>
     </p:spTree>
-    <p:extLst>
-      <p:ext uri="{BB962C8B-B14F-4D97-AF65-F5344CB8AC3E}">
-        <p14:creationId xmlns:p14="http://schemas.microsoft.com/office/powerpoint/2010/main" val="2923060522"/>
-      </p:ext>
-    </p:extLst>
   </p:cSld>
   <p:clrMapOvr>
     <a:masterClrMapping/>
@@ -971,7 +1883,7 @@
 </file>
 
 <file path=ppt/slideLayouts/slideLayout11.xml><?xml version="1.0" encoding="utf-8"?>
-<p:sldLayout xmlns:a="http://schemas.openxmlformats.org/drawingml/2006/main" xmlns:r="http://schemas.openxmlformats.org/officeDocument/2006/relationships" xmlns:p="http://schemas.openxmlformats.org/presentationml/2006/main" type="vertTitleAndTx" preserve="1">
+<p:sldLayout xmlns:a="http://schemas.openxmlformats.org/drawingml/2006/main" xmlns:r="http://schemas.openxmlformats.org/officeDocument/2006/relationships" xmlns:p="http://schemas.openxmlformats.org/presentationml/2006/main" showMasterSp="0" type="vertTitleAndTx" preserve="1">
   <p:cSld name="Vertical Title and Text">
     <p:spTree>
       <p:nvGrpSpPr>
@@ -989,6 +1901,107 @@
       </p:grpSpPr>
       <p:sp>
         <p:nvSpPr>
+          <p:cNvPr id="9" name="Rectangle 8"/>
+          <p:cNvSpPr/>
+          <p:nvPr/>
+        </p:nvSpPr>
+        <p:spPr bwMode="invGray">
+          <a:xfrm>
+            <a:off x="6598920" y="0"/>
+            <a:ext cx="45720" cy="6858000"/>
+          </a:xfrm>
+          <a:prstGeom prst="rect">
+            <a:avLst/>
+          </a:prstGeom>
+          <a:solidFill>
+            <a:srgbClr val="FFFFFF"/>
+          </a:solidFill>
+          <a:ln w="48000" cap="flat" cmpd="thickThin" algn="ctr">
+            <a:noFill/>
+            <a:prstDash val="solid"/>
+          </a:ln>
+          <a:effectLst>
+            <a:outerShdw blurRad="31750" dist="10160" dir="10800000" algn="tl" rotWithShape="0">
+              <a:srgbClr val="000000">
+                <a:alpha val="60000"/>
+              </a:srgbClr>
+            </a:outerShdw>
+          </a:effectLst>
+        </p:spPr>
+        <p:style>
+          <a:lnRef idx="2">
+            <a:schemeClr val="accent1"/>
+          </a:lnRef>
+          <a:fillRef idx="1">
+            <a:schemeClr val="accent1"/>
+          </a:fillRef>
+          <a:effectRef idx="0">
+            <a:schemeClr val="accent1"/>
+          </a:effectRef>
+          <a:fontRef idx="minor">
+            <a:schemeClr val="lt1"/>
+          </a:fontRef>
+        </p:style>
+        <p:txBody>
+          <a:bodyPr rtlCol="0" anchor="ctr"/>
+          <a:lstStyle>
+            <a:extLst/>
+          </a:lstStyle>
+          <a:p>
+            <a:pPr algn="ctr" eaLnBrk="1" latinLnBrk="0" hangingPunct="1"/>
+            <a:endParaRPr kumimoji="0" lang="en-US"/>
+          </a:p>
+        </p:txBody>
+      </p:sp>
+      <p:sp>
+        <p:nvSpPr>
+          <p:cNvPr id="8" name="Rectangle 7"/>
+          <p:cNvSpPr/>
+          <p:nvPr/>
+        </p:nvSpPr>
+        <p:spPr bwMode="ltGray">
+          <a:xfrm>
+            <a:off x="6647687" y="0"/>
+            <a:ext cx="2514601" cy="6858000"/>
+          </a:xfrm>
+          <a:prstGeom prst="rect">
+            <a:avLst/>
+          </a:prstGeom>
+          <a:solidFill>
+            <a:srgbClr val="000000"/>
+          </a:solidFill>
+          <a:ln w="48000" cap="flat" cmpd="thickThin" algn="ctr">
+            <a:noFill/>
+            <a:prstDash val="solid"/>
+          </a:ln>
+        </p:spPr>
+        <p:style>
+          <a:lnRef idx="2">
+            <a:schemeClr val="accent1"/>
+          </a:lnRef>
+          <a:fillRef idx="1">
+            <a:schemeClr val="accent1"/>
+          </a:fillRef>
+          <a:effectRef idx="0">
+            <a:schemeClr val="accent1"/>
+          </a:effectRef>
+          <a:fontRef idx="minor">
+            <a:schemeClr val="lt1"/>
+          </a:fontRef>
+        </p:style>
+        <p:txBody>
+          <a:bodyPr rtlCol="0" anchor="ctr"/>
+          <a:lstStyle>
+            <a:extLst/>
+          </a:lstStyle>
+          <a:p>
+            <a:pPr algn="ctr" eaLnBrk="1" latinLnBrk="0" hangingPunct="1"/>
+            <a:endParaRPr kumimoji="0" lang="en-US"/>
+          </a:p>
+        </p:txBody>
+      </p:sp>
+      <p:sp>
+        <p:nvSpPr>
           <p:cNvPr id="2" name="Vertical Title 1"/>
           <p:cNvSpPr>
             <a:spLocks noGrp="1"/>
@@ -999,19 +2012,21 @@
         </p:nvSpPr>
         <p:spPr>
           <a:xfrm>
-            <a:off x="6629400" y="274638"/>
-            <a:ext cx="2057400" cy="5851525"/>
+            <a:off x="6781800" y="274640"/>
+            <a:ext cx="1905000" cy="5851525"/>
           </a:xfrm>
         </p:spPr>
         <p:txBody>
           <a:bodyPr vert="eaVert"/>
-          <a:lstStyle/>
-          <a:p>
-            <a:r>
-              <a:rPr lang="en-US" smtClean="0"/>
+          <a:lstStyle>
+            <a:extLst/>
+          </a:lstStyle>
+          <a:p>
+            <a:r>
+              <a:rPr kumimoji="0" lang="en-US" smtClean="0"/>
               <a:t>Click to edit Master title style</a:t>
             </a:r>
-            <a:endParaRPr lang="en-US"/>
+            <a:endParaRPr kumimoji="0" lang="en-US"/>
           </a:p>
         </p:txBody>
       </p:sp>
@@ -1027,48 +2042,50 @@
         </p:nvSpPr>
         <p:spPr>
           <a:xfrm>
-            <a:off x="457200" y="274638"/>
+            <a:off x="457200" y="304800"/>
             <a:ext cx="6019800" cy="5851525"/>
           </a:xfrm>
         </p:spPr>
         <p:txBody>
           <a:bodyPr vert="eaVert"/>
-          <a:lstStyle/>
-          <a:p>
-            <a:pPr lvl="0"/>
+          <a:lstStyle>
+            <a:extLst/>
+          </a:lstStyle>
+          <a:p>
+            <a:pPr lvl="0" eaLnBrk="1" latinLnBrk="0" hangingPunct="1"/>
             <a:r>
               <a:rPr lang="en-US" smtClean="0"/>
               <a:t>Click to edit Master text styles</a:t>
             </a:r>
           </a:p>
           <a:p>
-            <a:pPr lvl="1"/>
+            <a:pPr lvl="1" eaLnBrk="1" latinLnBrk="0" hangingPunct="1"/>
             <a:r>
               <a:rPr lang="en-US" smtClean="0"/>
               <a:t>Second level</a:t>
             </a:r>
           </a:p>
           <a:p>
-            <a:pPr lvl="2"/>
+            <a:pPr lvl="2" eaLnBrk="1" latinLnBrk="0" hangingPunct="1"/>
             <a:r>
               <a:rPr lang="en-US" smtClean="0"/>
               <a:t>Third level</a:t>
             </a:r>
           </a:p>
           <a:p>
-            <a:pPr lvl="3"/>
+            <a:pPr lvl="3" eaLnBrk="1" latinLnBrk="0" hangingPunct="1"/>
             <a:r>
               <a:rPr lang="en-US" smtClean="0"/>
               <a:t>Fourth level</a:t>
             </a:r>
           </a:p>
           <a:p>
-            <a:pPr lvl="4"/>
+            <a:pPr lvl="4" eaLnBrk="1" latinLnBrk="0" hangingPunct="1"/>
             <a:r>
               <a:rPr lang="en-US" smtClean="0"/>
               <a:t>Fifth level</a:t>
             </a:r>
-            <a:endParaRPr lang="en-US"/>
+            <a:endParaRPr kumimoji="0" lang="en-US"/>
           </a:p>
         </p:txBody>
       </p:sp>
@@ -1105,7 +2122,12 @@
             <p:ph type="ftr" sz="quarter" idx="11"/>
           </p:nvPr>
         </p:nvSpPr>
-        <p:spPr/>
+        <p:spPr>
+          <a:xfrm>
+            <a:off x="2640597" y="6377459"/>
+            <a:ext cx="3836404" cy="365125"/>
+          </a:xfrm>
+        </p:spPr>
         <p:txBody>
           <a:bodyPr/>
           <a:lstStyle/>
@@ -1138,11 +2160,6 @@
         </p:txBody>
       </p:sp>
     </p:spTree>
-    <p:extLst>
-      <p:ext uri="{BB962C8B-B14F-4D97-AF65-F5344CB8AC3E}">
-        <p14:creationId xmlns:p14="http://schemas.microsoft.com/office/powerpoint/2010/main" val="3447610167"/>
-      </p:ext>
-    </p:extLst>
   </p:cSld>
   <p:clrMapOvr>
     <a:masterClrMapping/>
@@ -1177,68 +2194,77 @@
             <p:ph type="title"/>
           </p:nvPr>
         </p:nvSpPr>
+        <p:spPr>
+          <a:xfrm>
+            <a:off x="457200" y="155448"/>
+            <a:ext cx="8229600" cy="1252728"/>
+          </a:xfrm>
+        </p:spPr>
+        <p:txBody>
+          <a:bodyPr/>
+          <a:lstStyle>
+            <a:extLst/>
+          </a:lstStyle>
+          <a:p>
+            <a:r>
+              <a:rPr kumimoji="0" lang="en-US" smtClean="0"/>
+              <a:t>Click to edit Master title style</a:t>
+            </a:r>
+            <a:endParaRPr kumimoji="0" lang="en-US"/>
+          </a:p>
+        </p:txBody>
+      </p:sp>
+      <p:sp>
+        <p:nvSpPr>
+          <p:cNvPr id="3" name="Content Placeholder 2"/>
+          <p:cNvSpPr>
+            <a:spLocks noGrp="1"/>
+          </p:cNvSpPr>
+          <p:nvPr>
+            <p:ph idx="1"/>
+          </p:nvPr>
+        </p:nvSpPr>
         <p:spPr/>
         <p:txBody>
           <a:bodyPr/>
-          <a:lstStyle/>
-          <a:p>
-            <a:r>
-              <a:rPr lang="en-US" smtClean="0"/>
-              <a:t>Click to edit Master title style</a:t>
-            </a:r>
-            <a:endParaRPr lang="en-US"/>
-          </a:p>
-        </p:txBody>
-      </p:sp>
-      <p:sp>
-        <p:nvSpPr>
-          <p:cNvPr id="3" name="Content Placeholder 2"/>
-          <p:cNvSpPr>
-            <a:spLocks noGrp="1"/>
-          </p:cNvSpPr>
-          <p:nvPr>
-            <p:ph idx="1"/>
-          </p:nvPr>
-        </p:nvSpPr>
-        <p:spPr/>
-        <p:txBody>
-          <a:bodyPr/>
-          <a:lstStyle/>
-          <a:p>
-            <a:pPr lvl="0"/>
+          <a:lstStyle>
+            <a:extLst/>
+          </a:lstStyle>
+          <a:p>
+            <a:pPr lvl="0" eaLnBrk="1" latinLnBrk="0" hangingPunct="1"/>
             <a:r>
               <a:rPr lang="en-US" smtClean="0"/>
               <a:t>Click to edit Master text styles</a:t>
             </a:r>
           </a:p>
           <a:p>
-            <a:pPr lvl="1"/>
+            <a:pPr lvl="1" eaLnBrk="1" latinLnBrk="0" hangingPunct="1"/>
             <a:r>
               <a:rPr lang="en-US" smtClean="0"/>
               <a:t>Second level</a:t>
             </a:r>
           </a:p>
           <a:p>
-            <a:pPr lvl="2"/>
+            <a:pPr lvl="2" eaLnBrk="1" latinLnBrk="0" hangingPunct="1"/>
             <a:r>
               <a:rPr lang="en-US" smtClean="0"/>
               <a:t>Third level</a:t>
             </a:r>
           </a:p>
           <a:p>
-            <a:pPr lvl="3"/>
+            <a:pPr lvl="3" eaLnBrk="1" latinLnBrk="0" hangingPunct="1"/>
             <a:r>
               <a:rPr lang="en-US" smtClean="0"/>
               <a:t>Fourth level</a:t>
             </a:r>
           </a:p>
           <a:p>
-            <a:pPr lvl="4"/>
+            <a:pPr lvl="4" eaLnBrk="1" latinLnBrk="0" hangingPunct="1"/>
             <a:r>
               <a:rPr lang="en-US" smtClean="0"/>
               <a:t>Fifth level</a:t>
             </a:r>
-            <a:endParaRPr lang="en-US"/>
+            <a:endParaRPr kumimoji="0" lang="en-US"/>
           </a:p>
         </p:txBody>
       </p:sp>
@@ -1308,11 +2334,6 @@
         </p:txBody>
       </p:sp>
     </p:spTree>
-    <p:extLst>
-      <p:ext uri="{BB962C8B-B14F-4D97-AF65-F5344CB8AC3E}">
-        <p14:creationId xmlns:p14="http://schemas.microsoft.com/office/powerpoint/2010/main" val="99221706"/>
-      </p:ext>
-    </p:extLst>
   </p:cSld>
   <p:clrMapOvr>
     <a:masterClrMapping/>
@@ -1321,8 +2342,13 @@
 </file>
 
 <file path=ppt/slideLayouts/slideLayout3.xml><?xml version="1.0" encoding="utf-8"?>
-<p:sldLayout xmlns:a="http://schemas.openxmlformats.org/drawingml/2006/main" xmlns:r="http://schemas.openxmlformats.org/officeDocument/2006/relationships" xmlns:p="http://schemas.openxmlformats.org/presentationml/2006/main" type="secHead" preserve="1">
+<p:sldLayout xmlns:a="http://schemas.openxmlformats.org/drawingml/2006/main" xmlns:r="http://schemas.openxmlformats.org/officeDocument/2006/relationships" xmlns:p="http://schemas.openxmlformats.org/presentationml/2006/main" showMasterSp="0" type="secHead" preserve="1">
   <p:cSld name="Section Header">
+    <p:bg>
+      <p:bgRef idx="1002">
+        <a:schemeClr val="bg2"/>
+      </p:bgRef>
+    </p:bg>
     <p:spTree>
       <p:nvGrpSpPr>
         <p:cNvPr id="1" name=""/>
@@ -1339,6 +2365,107 @@
       </p:grpSpPr>
       <p:sp>
         <p:nvSpPr>
+          <p:cNvPr id="9" name="Rectangle 8"/>
+          <p:cNvSpPr/>
+          <p:nvPr/>
+        </p:nvSpPr>
+        <p:spPr bwMode="ltGray">
+          <a:xfrm>
+            <a:off x="0" y="1"/>
+            <a:ext cx="9144000" cy="2602520"/>
+          </a:xfrm>
+          <a:prstGeom prst="rect">
+            <a:avLst/>
+          </a:prstGeom>
+          <a:solidFill>
+            <a:srgbClr val="000000"/>
+          </a:solidFill>
+          <a:ln w="48000" cap="flat" cmpd="thickThin" algn="ctr">
+            <a:noFill/>
+            <a:prstDash val="solid"/>
+          </a:ln>
+        </p:spPr>
+        <p:style>
+          <a:lnRef idx="2">
+            <a:schemeClr val="accent1"/>
+          </a:lnRef>
+          <a:fillRef idx="1">
+            <a:schemeClr val="accent1"/>
+          </a:fillRef>
+          <a:effectRef idx="0">
+            <a:schemeClr val="accent1"/>
+          </a:effectRef>
+          <a:fontRef idx="minor">
+            <a:schemeClr val="lt1"/>
+          </a:fontRef>
+        </p:style>
+        <p:txBody>
+          <a:bodyPr rtlCol="0" anchor="ctr"/>
+          <a:lstStyle>
+            <a:extLst/>
+          </a:lstStyle>
+          <a:p>
+            <a:pPr algn="ctr" eaLnBrk="1" latinLnBrk="0" hangingPunct="1"/>
+            <a:endParaRPr kumimoji="0" lang="en-US"/>
+          </a:p>
+        </p:txBody>
+      </p:sp>
+      <p:sp>
+        <p:nvSpPr>
+          <p:cNvPr id="12" name="Rectangle 11"/>
+          <p:cNvSpPr/>
+          <p:nvPr/>
+        </p:nvSpPr>
+        <p:spPr bwMode="invGray">
+          <a:xfrm>
+            <a:off x="0" y="2602520"/>
+            <a:ext cx="9144000" cy="45720"/>
+          </a:xfrm>
+          <a:prstGeom prst="rect">
+            <a:avLst/>
+          </a:prstGeom>
+          <a:solidFill>
+            <a:srgbClr val="FFFFFF"/>
+          </a:solidFill>
+          <a:ln w="48000" cap="flat" cmpd="thickThin" algn="ctr">
+            <a:noFill/>
+            <a:prstDash val="solid"/>
+          </a:ln>
+          <a:effectLst>
+            <a:outerShdw blurRad="31750" dist="10160" dir="5400000" algn="tl" rotWithShape="0">
+              <a:srgbClr val="000000">
+                <a:alpha val="60000"/>
+              </a:srgbClr>
+            </a:outerShdw>
+          </a:effectLst>
+        </p:spPr>
+        <p:style>
+          <a:lnRef idx="2">
+            <a:schemeClr val="accent1"/>
+          </a:lnRef>
+          <a:fillRef idx="1">
+            <a:schemeClr val="accent1"/>
+          </a:fillRef>
+          <a:effectRef idx="0">
+            <a:schemeClr val="accent1"/>
+          </a:effectRef>
+          <a:fontRef idx="minor">
+            <a:schemeClr val="lt1"/>
+          </a:fontRef>
+        </p:style>
+        <p:txBody>
+          <a:bodyPr rtlCol="0" anchor="ctr"/>
+          <a:lstStyle>
+            <a:extLst/>
+          </a:lstStyle>
+          <a:p>
+            <a:pPr algn="ctr" eaLnBrk="1" latinLnBrk="0" hangingPunct="1"/>
+            <a:endParaRPr kumimoji="0" lang="en-US"/>
+          </a:p>
+        </p:txBody>
+      </p:sp>
+      <p:sp>
+        <p:nvSpPr>
           <p:cNvPr id="2" name="Title 1"/>
           <p:cNvSpPr>
             <a:spLocks noGrp="1"/>
@@ -1349,23 +2476,35 @@
         </p:nvSpPr>
         <p:spPr>
           <a:xfrm>
-            <a:off x="722313" y="4406900"/>
-            <a:ext cx="7772400" cy="1362075"/>
+            <a:off x="749808" y="118872"/>
+            <a:ext cx="8013192" cy="1636776"/>
           </a:xfrm>
         </p:spPr>
         <p:txBody>
-          <a:bodyPr anchor="t"/>
+          <a:bodyPr vert="horz" lIns="91440" tIns="0" rIns="91440" bIns="0" rtlCol="0" anchor="b">
+            <a:normAutofit/>
+            <a:scene3d>
+              <a:camera prst="orthographicFront"/>
+              <a:lightRig rig="threePt" dir="t">
+                <a:rot lat="0" lon="0" rev="4800000"/>
+              </a:lightRig>
+            </a:scene3d>
+            <a:sp3d prstMaterial="matte">
+              <a:bevelT w="50800" h="10160"/>
+            </a:sp3d>
+          </a:bodyPr>
           <a:lstStyle>
             <a:lvl1pPr algn="l">
-              <a:defRPr sz="4000" b="1" cap="all"/>
+              <a:defRPr sz="4700" b="1" cap="none" baseline="0"/>
             </a:lvl1pPr>
+            <a:extLst/>
           </a:lstStyle>
           <a:p>
             <a:r>
-              <a:rPr lang="en-US" smtClean="0"/>
+              <a:rPr kumimoji="0" lang="en-US" smtClean="0"/>
               <a:t>Click to edit Master title style</a:t>
             </a:r>
-            <a:endParaRPr lang="en-US"/>
+            <a:endParaRPr kumimoji="0" lang="en-US"/>
           </a:p>
         </p:txBody>
       </p:sp>
@@ -1381,20 +2520,18 @@
         </p:nvSpPr>
         <p:spPr>
           <a:xfrm>
-            <a:off x="722313" y="2906713"/>
-            <a:ext cx="7772400" cy="1500187"/>
+            <a:off x="740664" y="1828800"/>
+            <a:ext cx="8022336" cy="685800"/>
           </a:xfrm>
         </p:spPr>
         <p:txBody>
-          <a:bodyPr anchor="b"/>
+          <a:bodyPr lIns="146304" tIns="0" rIns="45720" bIns="0" anchor="t"/>
           <a:lstStyle>
             <a:lvl1pPr marL="0" indent="0">
               <a:buNone/>
               <a:defRPr sz="2000">
                 <a:solidFill>
-                  <a:schemeClr val="tx1">
-                    <a:tint val="75000"/>
-                  </a:schemeClr>
+                  <a:srgbClr val="FFFFFF"/>
                 </a:solidFill>
               </a:defRPr>
             </a:lvl1pPr>
@@ -1478,11 +2615,12 @@
                 </a:solidFill>
               </a:defRPr>
             </a:lvl9pPr>
+            <a:extLst/>
           </a:lstStyle>
           <a:p>
-            <a:pPr lvl="0"/>
-            <a:r>
-              <a:rPr lang="en-US" smtClean="0"/>
+            <a:pPr lvl="0" eaLnBrk="1" latinLnBrk="0" hangingPunct="1"/>
+            <a:r>
+              <a:rPr kumimoji="0" lang="en-US" smtClean="0"/>
               <a:t>Click to edit Master text styles</a:t>
             </a:r>
           </a:p>
@@ -1554,14 +2692,9 @@
         </p:txBody>
       </p:sp>
     </p:spTree>
-    <p:extLst>
-      <p:ext uri="{BB962C8B-B14F-4D97-AF65-F5344CB8AC3E}">
-        <p14:creationId xmlns:p14="http://schemas.microsoft.com/office/powerpoint/2010/main" val="625749912"/>
-      </p:ext>
-    </p:extLst>
   </p:cSld>
   <p:clrMapOvr>
-    <a:masterClrMapping/>
+    <a:overrideClrMapping bg1="dk1" tx1="lt1" bg2="dk2" tx2="lt2" accent1="accent1" accent2="accent2" accent3="accent3" accent4="accent4" accent5="accent5" accent6="accent6" hlink="hlink" folHlink="folHlink"/>
   </p:clrMapOvr>
 </p:sldLayout>
 </file>
@@ -1596,13 +2729,15 @@
         <p:spPr/>
         <p:txBody>
           <a:bodyPr/>
-          <a:lstStyle/>
-          <a:p>
-            <a:r>
-              <a:rPr lang="en-US" smtClean="0"/>
+          <a:lstStyle>
+            <a:extLst/>
+          </a:lstStyle>
+          <a:p>
+            <a:r>
+              <a:rPr kumimoji="0" lang="en-US" smtClean="0"/>
               <a:t>Click to edit Master title style</a:t>
             </a:r>
-            <a:endParaRPr lang="en-US"/>
+            <a:endParaRPr kumimoji="0" lang="en-US"/>
           </a:p>
         </p:txBody>
       </p:sp>
@@ -1618,8 +2753,94 @@
         </p:nvSpPr>
         <p:spPr>
           <a:xfrm>
-            <a:off x="457200" y="1600200"/>
-            <a:ext cx="4038600" cy="4525963"/>
+            <a:off x="457200" y="1773936"/>
+            <a:ext cx="4038600" cy="4623816"/>
+          </a:xfrm>
+        </p:spPr>
+        <p:txBody>
+          <a:bodyPr lIns="91440"/>
+          <a:lstStyle>
+            <a:lvl1pPr>
+              <a:defRPr sz="2800"/>
+            </a:lvl1pPr>
+            <a:lvl2pPr>
+              <a:defRPr sz="2400"/>
+            </a:lvl2pPr>
+            <a:lvl3pPr>
+              <a:defRPr sz="2000"/>
+            </a:lvl3pPr>
+            <a:lvl4pPr>
+              <a:defRPr sz="1800"/>
+            </a:lvl4pPr>
+            <a:lvl5pPr>
+              <a:defRPr sz="1800"/>
+            </a:lvl5pPr>
+            <a:lvl6pPr>
+              <a:defRPr sz="1800"/>
+            </a:lvl6pPr>
+            <a:lvl7pPr>
+              <a:defRPr sz="1800"/>
+            </a:lvl7pPr>
+            <a:lvl8pPr>
+              <a:defRPr sz="1800"/>
+            </a:lvl8pPr>
+            <a:lvl9pPr>
+              <a:defRPr sz="1800"/>
+            </a:lvl9pPr>
+            <a:extLst/>
+          </a:lstStyle>
+          <a:p>
+            <a:pPr lvl="0" eaLnBrk="1" latinLnBrk="0" hangingPunct="1"/>
+            <a:r>
+              <a:rPr lang="en-US" smtClean="0"/>
+              <a:t>Click to edit Master text styles</a:t>
+            </a:r>
+          </a:p>
+          <a:p>
+            <a:pPr lvl="1" eaLnBrk="1" latinLnBrk="0" hangingPunct="1"/>
+            <a:r>
+              <a:rPr lang="en-US" smtClean="0"/>
+              <a:t>Second level</a:t>
+            </a:r>
+          </a:p>
+          <a:p>
+            <a:pPr lvl="2" eaLnBrk="1" latinLnBrk="0" hangingPunct="1"/>
+            <a:r>
+              <a:rPr lang="en-US" smtClean="0"/>
+              <a:t>Third level</a:t>
+            </a:r>
+          </a:p>
+          <a:p>
+            <a:pPr lvl="3" eaLnBrk="1" latinLnBrk="0" hangingPunct="1"/>
+            <a:r>
+              <a:rPr lang="en-US" smtClean="0"/>
+              <a:t>Fourth level</a:t>
+            </a:r>
+          </a:p>
+          <a:p>
+            <a:pPr lvl="4" eaLnBrk="1" latinLnBrk="0" hangingPunct="1"/>
+            <a:r>
+              <a:rPr lang="en-US" smtClean="0"/>
+              <a:t>Fifth level</a:t>
+            </a:r>
+            <a:endParaRPr kumimoji="0" lang="en-US"/>
+          </a:p>
+        </p:txBody>
+      </p:sp>
+      <p:sp>
+        <p:nvSpPr>
+          <p:cNvPr id="4" name="Content Placeholder 3"/>
+          <p:cNvSpPr>
+            <a:spLocks noGrp="1"/>
+          </p:cNvSpPr>
+          <p:nvPr>
+            <p:ph sz="half" idx="2"/>
+          </p:nvPr>
+        </p:nvSpPr>
+        <p:spPr>
+          <a:xfrm>
+            <a:off x="4648200" y="1773936"/>
+            <a:ext cx="4038600" cy="4623816"/>
           </a:xfrm>
         </p:spPr>
         <p:txBody>
@@ -1652,127 +2873,43 @@
             <a:lvl9pPr>
               <a:defRPr sz="1800"/>
             </a:lvl9pPr>
+            <a:extLst/>
           </a:lstStyle>
           <a:p>
-            <a:pPr lvl="0"/>
+            <a:pPr lvl="0" eaLnBrk="1" latinLnBrk="0" hangingPunct="1"/>
             <a:r>
               <a:rPr lang="en-US" smtClean="0"/>
               <a:t>Click to edit Master text styles</a:t>
             </a:r>
           </a:p>
           <a:p>
-            <a:pPr lvl="1"/>
+            <a:pPr lvl="1" eaLnBrk="1" latinLnBrk="0" hangingPunct="1"/>
             <a:r>
               <a:rPr lang="en-US" smtClean="0"/>
               <a:t>Second level</a:t>
             </a:r>
           </a:p>
           <a:p>
-            <a:pPr lvl="2"/>
+            <a:pPr lvl="2" eaLnBrk="1" latinLnBrk="0" hangingPunct="1"/>
             <a:r>
               <a:rPr lang="en-US" smtClean="0"/>
               <a:t>Third level</a:t>
             </a:r>
           </a:p>
           <a:p>
-            <a:pPr lvl="3"/>
+            <a:pPr lvl="3" eaLnBrk="1" latinLnBrk="0" hangingPunct="1"/>
             <a:r>
               <a:rPr lang="en-US" smtClean="0"/>
               <a:t>Fourth level</a:t>
             </a:r>
           </a:p>
           <a:p>
-            <a:pPr lvl="4"/>
+            <a:pPr lvl="4" eaLnBrk="1" latinLnBrk="0" hangingPunct="1"/>
             <a:r>
               <a:rPr lang="en-US" smtClean="0"/>
               <a:t>Fifth level</a:t>
             </a:r>
-            <a:endParaRPr lang="en-US"/>
-          </a:p>
-        </p:txBody>
-      </p:sp>
-      <p:sp>
-        <p:nvSpPr>
-          <p:cNvPr id="4" name="Content Placeholder 3"/>
-          <p:cNvSpPr>
-            <a:spLocks noGrp="1"/>
-          </p:cNvSpPr>
-          <p:nvPr>
-            <p:ph sz="half" idx="2"/>
-          </p:nvPr>
-        </p:nvSpPr>
-        <p:spPr>
-          <a:xfrm>
-            <a:off x="4648200" y="1600200"/>
-            <a:ext cx="4038600" cy="4525963"/>
-          </a:xfrm>
-        </p:spPr>
-        <p:txBody>
-          <a:bodyPr/>
-          <a:lstStyle>
-            <a:lvl1pPr>
-              <a:defRPr sz="2800"/>
-            </a:lvl1pPr>
-            <a:lvl2pPr>
-              <a:defRPr sz="2400"/>
-            </a:lvl2pPr>
-            <a:lvl3pPr>
-              <a:defRPr sz="2000"/>
-            </a:lvl3pPr>
-            <a:lvl4pPr>
-              <a:defRPr sz="1800"/>
-            </a:lvl4pPr>
-            <a:lvl5pPr>
-              <a:defRPr sz="1800"/>
-            </a:lvl5pPr>
-            <a:lvl6pPr>
-              <a:defRPr sz="1800"/>
-            </a:lvl6pPr>
-            <a:lvl7pPr>
-              <a:defRPr sz="1800"/>
-            </a:lvl7pPr>
-            <a:lvl8pPr>
-              <a:defRPr sz="1800"/>
-            </a:lvl8pPr>
-            <a:lvl9pPr>
-              <a:defRPr sz="1800"/>
-            </a:lvl9pPr>
-          </a:lstStyle>
-          <a:p>
-            <a:pPr lvl="0"/>
-            <a:r>
-              <a:rPr lang="en-US" smtClean="0"/>
-              <a:t>Click to edit Master text styles</a:t>
-            </a:r>
-          </a:p>
-          <a:p>
-            <a:pPr lvl="1"/>
-            <a:r>
-              <a:rPr lang="en-US" smtClean="0"/>
-              <a:t>Second level</a:t>
-            </a:r>
-          </a:p>
-          <a:p>
-            <a:pPr lvl="2"/>
-            <a:r>
-              <a:rPr lang="en-US" smtClean="0"/>
-              <a:t>Third level</a:t>
-            </a:r>
-          </a:p>
-          <a:p>
-            <a:pPr lvl="3"/>
-            <a:r>
-              <a:rPr lang="en-US" smtClean="0"/>
-              <a:t>Fourth level</a:t>
-            </a:r>
-          </a:p>
-          <a:p>
-            <a:pPr lvl="4"/>
-            <a:r>
-              <a:rPr lang="en-US" smtClean="0"/>
-              <a:t>Fifth level</a:t>
-            </a:r>
-            <a:endParaRPr lang="en-US"/>
+            <a:endParaRPr kumimoji="0" lang="en-US"/>
           </a:p>
         </p:txBody>
       </p:sp>
@@ -1842,11 +2979,6 @@
         </p:txBody>
       </p:sp>
     </p:spTree>
-    <p:extLst>
-      <p:ext uri="{BB962C8B-B14F-4D97-AF65-F5344CB8AC3E}">
-        <p14:creationId xmlns:p14="http://schemas.microsoft.com/office/powerpoint/2010/main" val="1031723727"/>
-      </p:ext>
-    </p:extLst>
   </p:cSld>
   <p:clrMapOvr>
     <a:masterClrMapping/>
@@ -1888,13 +3020,14 @@
             <a:lvl1pPr>
               <a:defRPr/>
             </a:lvl1pPr>
+            <a:extLst/>
           </a:lstStyle>
           <a:p>
             <a:r>
-              <a:rPr lang="en-US" smtClean="0"/>
+              <a:rPr kumimoji="0" lang="en-US" smtClean="0"/>
               <a:t>Click to edit Master title style</a:t>
             </a:r>
-            <a:endParaRPr lang="en-US"/>
+            <a:endParaRPr kumimoji="0" lang="en-US"/>
           </a:p>
         </p:txBody>
       </p:sp>
@@ -1910,16 +3043,16 @@
         </p:nvSpPr>
         <p:spPr>
           <a:xfrm>
-            <a:off x="457200" y="1535113"/>
-            <a:ext cx="4040188" cy="639762"/>
+            <a:off x="457200" y="1698987"/>
+            <a:ext cx="4040188" cy="715355"/>
           </a:xfrm>
         </p:spPr>
         <p:txBody>
-          <a:bodyPr anchor="b"/>
+          <a:bodyPr lIns="146304" anchor="ctr"/>
           <a:lstStyle>
             <a:lvl1pPr marL="0" indent="0">
               <a:buNone/>
-              <a:defRPr sz="2400" b="1"/>
+              <a:defRPr sz="2300" b="1" cap="all" baseline="0"/>
             </a:lvl1pPr>
             <a:lvl2pPr marL="457200" indent="0">
               <a:buNone/>
@@ -1953,11 +3086,12 @@
               <a:buNone/>
               <a:defRPr sz="1600" b="1"/>
             </a:lvl9pPr>
+            <a:extLst/>
           </a:lstStyle>
           <a:p>
-            <a:pPr lvl="0"/>
-            <a:r>
-              <a:rPr lang="en-US" smtClean="0"/>
+            <a:pPr lvl="0" eaLnBrk="1" latinLnBrk="0" hangingPunct="1"/>
+            <a:r>
+              <a:rPr kumimoji="0" lang="en-US" smtClean="0"/>
               <a:t>Click to edit Master text styles</a:t>
             </a:r>
           </a:p>
@@ -1975,7 +3109,7 @@
         </p:nvSpPr>
         <p:spPr>
           <a:xfrm>
-            <a:off x="457200" y="2174875"/>
+            <a:off x="457200" y="2449512"/>
             <a:ext cx="4040188" cy="3951288"/>
           </a:xfrm>
         </p:spPr>
@@ -2009,42 +3143,43 @@
             <a:lvl9pPr>
               <a:defRPr sz="1600"/>
             </a:lvl9pPr>
+            <a:extLst/>
           </a:lstStyle>
           <a:p>
-            <a:pPr lvl="0"/>
+            <a:pPr lvl="0" eaLnBrk="1" latinLnBrk="0" hangingPunct="1"/>
             <a:r>
               <a:rPr lang="en-US" smtClean="0"/>
               <a:t>Click to edit Master text styles</a:t>
             </a:r>
           </a:p>
           <a:p>
-            <a:pPr lvl="1"/>
+            <a:pPr lvl="1" eaLnBrk="1" latinLnBrk="0" hangingPunct="1"/>
             <a:r>
               <a:rPr lang="en-US" smtClean="0"/>
               <a:t>Second level</a:t>
             </a:r>
           </a:p>
           <a:p>
-            <a:pPr lvl="2"/>
+            <a:pPr lvl="2" eaLnBrk="1" latinLnBrk="0" hangingPunct="1"/>
             <a:r>
               <a:rPr lang="en-US" smtClean="0"/>
               <a:t>Third level</a:t>
             </a:r>
           </a:p>
           <a:p>
-            <a:pPr lvl="3"/>
+            <a:pPr lvl="3" eaLnBrk="1" latinLnBrk="0" hangingPunct="1"/>
             <a:r>
               <a:rPr lang="en-US" smtClean="0"/>
               <a:t>Fourth level</a:t>
             </a:r>
           </a:p>
           <a:p>
-            <a:pPr lvl="4"/>
+            <a:pPr lvl="4" eaLnBrk="1" latinLnBrk="0" hangingPunct="1"/>
             <a:r>
               <a:rPr lang="en-US" smtClean="0"/>
               <a:t>Fifth level</a:t>
             </a:r>
-            <a:endParaRPr lang="en-US"/>
+            <a:endParaRPr kumimoji="0" lang="en-US"/>
           </a:p>
         </p:txBody>
       </p:sp>
@@ -2060,16 +3195,16 @@
         </p:nvSpPr>
         <p:spPr>
           <a:xfrm>
-            <a:off x="4645025" y="1535113"/>
-            <a:ext cx="4041775" cy="639762"/>
+            <a:off x="4645025" y="1698987"/>
+            <a:ext cx="4041775" cy="715355"/>
           </a:xfrm>
         </p:spPr>
         <p:txBody>
-          <a:bodyPr anchor="b"/>
+          <a:bodyPr lIns="146304" anchor="ctr"/>
           <a:lstStyle>
             <a:lvl1pPr marL="0" indent="0">
               <a:buNone/>
-              <a:defRPr sz="2400" b="1"/>
+              <a:defRPr sz="2300" b="1" cap="all" baseline="0"/>
             </a:lvl1pPr>
             <a:lvl2pPr marL="457200" indent="0">
               <a:buNone/>
@@ -2103,11 +3238,12 @@
               <a:buNone/>
               <a:defRPr sz="1600" b="1"/>
             </a:lvl9pPr>
+            <a:extLst/>
           </a:lstStyle>
           <a:p>
-            <a:pPr lvl="0"/>
-            <a:r>
-              <a:rPr lang="en-US" smtClean="0"/>
+            <a:pPr lvl="0" eaLnBrk="1" latinLnBrk="0" hangingPunct="1"/>
+            <a:r>
+              <a:rPr kumimoji="0" lang="en-US" smtClean="0"/>
               <a:t>Click to edit Master text styles</a:t>
             </a:r>
           </a:p>
@@ -2125,7 +3261,7 @@
         </p:nvSpPr>
         <p:spPr>
           <a:xfrm>
-            <a:off x="4645025" y="2174875"/>
+            <a:off x="4645025" y="2449512"/>
             <a:ext cx="4041775" cy="3951288"/>
           </a:xfrm>
         </p:spPr>
@@ -2159,42 +3295,43 @@
             <a:lvl9pPr>
               <a:defRPr sz="1600"/>
             </a:lvl9pPr>
+            <a:extLst/>
           </a:lstStyle>
           <a:p>
-            <a:pPr lvl="0"/>
+            <a:pPr lvl="0" eaLnBrk="1" latinLnBrk="0" hangingPunct="1"/>
             <a:r>
               <a:rPr lang="en-US" smtClean="0"/>
               <a:t>Click to edit Master text styles</a:t>
             </a:r>
           </a:p>
           <a:p>
-            <a:pPr lvl="1"/>
+            <a:pPr lvl="1" eaLnBrk="1" latinLnBrk="0" hangingPunct="1"/>
             <a:r>
               <a:rPr lang="en-US" smtClean="0"/>
               <a:t>Second level</a:t>
             </a:r>
           </a:p>
           <a:p>
-            <a:pPr lvl="2"/>
+            <a:pPr lvl="2" eaLnBrk="1" latinLnBrk="0" hangingPunct="1"/>
             <a:r>
               <a:rPr lang="en-US" smtClean="0"/>
               <a:t>Third level</a:t>
             </a:r>
           </a:p>
           <a:p>
-            <a:pPr lvl="3"/>
+            <a:pPr lvl="3" eaLnBrk="1" latinLnBrk="0" hangingPunct="1"/>
             <a:r>
               <a:rPr lang="en-US" smtClean="0"/>
               <a:t>Fourth level</a:t>
             </a:r>
           </a:p>
           <a:p>
-            <a:pPr lvl="4"/>
+            <a:pPr lvl="4" eaLnBrk="1" latinLnBrk="0" hangingPunct="1"/>
             <a:r>
               <a:rPr lang="en-US" smtClean="0"/>
               <a:t>Fifth level</a:t>
             </a:r>
-            <a:endParaRPr lang="en-US"/>
+            <a:endParaRPr kumimoji="0" lang="en-US"/>
           </a:p>
         </p:txBody>
       </p:sp>
@@ -2264,11 +3401,6 @@
         </p:txBody>
       </p:sp>
     </p:spTree>
-    <p:extLst>
-      <p:ext uri="{BB962C8B-B14F-4D97-AF65-F5344CB8AC3E}">
-        <p14:creationId xmlns:p14="http://schemas.microsoft.com/office/powerpoint/2010/main" val="306994396"/>
-      </p:ext>
-    </p:extLst>
   </p:cSld>
   <p:clrMapOvr>
     <a:masterClrMapping/>
@@ -2306,13 +3438,15 @@
         <p:spPr/>
         <p:txBody>
           <a:bodyPr/>
-          <a:lstStyle/>
-          <a:p>
-            <a:r>
-              <a:rPr lang="en-US" smtClean="0"/>
+          <a:lstStyle>
+            <a:extLst/>
+          </a:lstStyle>
+          <a:p>
+            <a:r>
+              <a:rPr kumimoji="0" lang="en-US" smtClean="0"/>
               <a:t>Click to edit Master title style</a:t>
             </a:r>
-            <a:endParaRPr lang="en-US"/>
+            <a:endParaRPr kumimoji="0" lang="en-US"/>
           </a:p>
         </p:txBody>
       </p:sp>
@@ -2382,11 +3516,6 @@
         </p:txBody>
       </p:sp>
     </p:spTree>
-    <p:extLst>
-      <p:ext uri="{BB962C8B-B14F-4D97-AF65-F5344CB8AC3E}">
-        <p14:creationId xmlns:p14="http://schemas.microsoft.com/office/powerpoint/2010/main" val="1704570475"/>
-      </p:ext>
-    </p:extLst>
   </p:cSld>
   <p:clrMapOvr>
     <a:masterClrMapping/>
@@ -2395,7 +3524,7 @@
 </file>
 
 <file path=ppt/slideLayouts/slideLayout7.xml><?xml version="1.0" encoding="utf-8"?>
-<p:sldLayout xmlns:a="http://schemas.openxmlformats.org/drawingml/2006/main" xmlns:r="http://schemas.openxmlformats.org/officeDocument/2006/relationships" xmlns:p="http://schemas.openxmlformats.org/presentationml/2006/main" type="blank" preserve="1">
+<p:sldLayout xmlns:a="http://schemas.openxmlformats.org/drawingml/2006/main" xmlns:r="http://schemas.openxmlformats.org/officeDocument/2006/relationships" xmlns:p="http://schemas.openxmlformats.org/presentationml/2006/main" showMasterSp="0" type="blank" preserve="1">
   <p:cSld name="Blank">
     <p:spTree>
       <p:nvGrpSpPr>
@@ -2477,11 +3606,6 @@
         </p:txBody>
       </p:sp>
     </p:spTree>
-    <p:extLst>
-      <p:ext uri="{BB962C8B-B14F-4D97-AF65-F5344CB8AC3E}">
-        <p14:creationId xmlns:p14="http://schemas.microsoft.com/office/powerpoint/2010/main" val="287113010"/>
-      </p:ext>
-    </p:extLst>
   </p:cSld>
   <p:clrMapOvr>
     <a:masterClrMapping/>
@@ -2518,23 +3642,27 @@
         </p:nvSpPr>
         <p:spPr>
           <a:xfrm>
-            <a:off x="457200" y="273050"/>
-            <a:ext cx="3008313" cy="1162050"/>
+            <a:off x="167838" y="152400"/>
+            <a:ext cx="2523744" cy="978408"/>
           </a:xfrm>
         </p:spPr>
         <p:txBody>
-          <a:bodyPr anchor="b"/>
+          <a:bodyPr vert="horz" lIns="73152" rIns="45720" bIns="0" rtlCol="0" anchor="b">
+            <a:normAutofit/>
+            <a:sp3d prstMaterial="matte"/>
+          </a:bodyPr>
           <a:lstStyle>
             <a:lvl1pPr algn="l">
-              <a:defRPr sz="2000" b="1"/>
+              <a:defRPr sz="2000" b="0"/>
             </a:lvl1pPr>
+            <a:extLst/>
           </a:lstStyle>
           <a:p>
             <a:r>
-              <a:rPr lang="en-US" smtClean="0"/>
+              <a:rPr kumimoji="0" lang="en-US" smtClean="0"/>
               <a:t>Click to edit Master title style</a:t>
             </a:r>
-            <a:endParaRPr lang="en-US"/>
+            <a:endParaRPr kumimoji="0" lang="en-US"/>
           </a:p>
         </p:txBody>
       </p:sp>
@@ -2550,8 +3678,8 @@
         </p:nvSpPr>
         <p:spPr>
           <a:xfrm>
-            <a:off x="3575050" y="273050"/>
-            <a:ext cx="5111750" cy="5853113"/>
+            <a:off x="3019377" y="1743133"/>
+            <a:ext cx="5920641" cy="4558885"/>
           </a:xfrm>
         </p:spPr>
         <p:txBody>
@@ -2584,42 +3712,43 @@
             <a:lvl9pPr>
               <a:defRPr sz="2000"/>
             </a:lvl9pPr>
+            <a:extLst/>
           </a:lstStyle>
           <a:p>
-            <a:pPr lvl="0"/>
+            <a:pPr lvl="0" eaLnBrk="1" latinLnBrk="0" hangingPunct="1"/>
             <a:r>
               <a:rPr lang="en-US" smtClean="0"/>
               <a:t>Click to edit Master text styles</a:t>
             </a:r>
           </a:p>
           <a:p>
-            <a:pPr lvl="1"/>
+            <a:pPr lvl="1" eaLnBrk="1" latinLnBrk="0" hangingPunct="1"/>
             <a:r>
               <a:rPr lang="en-US" smtClean="0"/>
               <a:t>Second level</a:t>
             </a:r>
           </a:p>
           <a:p>
-            <a:pPr lvl="2"/>
+            <a:pPr lvl="2" eaLnBrk="1" latinLnBrk="0" hangingPunct="1"/>
             <a:r>
               <a:rPr lang="en-US" smtClean="0"/>
               <a:t>Third level</a:t>
             </a:r>
           </a:p>
           <a:p>
-            <a:pPr lvl="3"/>
+            <a:pPr lvl="3" eaLnBrk="1" latinLnBrk="0" hangingPunct="1"/>
             <a:r>
               <a:rPr lang="en-US" smtClean="0"/>
               <a:t>Fourth level</a:t>
             </a:r>
           </a:p>
           <a:p>
-            <a:pPr lvl="4"/>
+            <a:pPr lvl="4" eaLnBrk="1" latinLnBrk="0" hangingPunct="1"/>
             <a:r>
               <a:rPr lang="en-US" smtClean="0"/>
               <a:t>Fifth level</a:t>
             </a:r>
-            <a:endParaRPr lang="en-US"/>
+            <a:endParaRPr kumimoji="0" lang="en-US"/>
           </a:p>
         </p:txBody>
       </p:sp>
@@ -2635,8 +3764,8 @@
         </p:nvSpPr>
         <p:spPr>
           <a:xfrm>
-            <a:off x="457200" y="1435100"/>
-            <a:ext cx="3008313" cy="4691063"/>
+            <a:off x="167838" y="1730018"/>
+            <a:ext cx="2468880" cy="4572000"/>
           </a:xfrm>
         </p:spPr>
         <p:txBody>
@@ -2678,11 +3807,12 @@
               <a:buNone/>
               <a:defRPr sz="900"/>
             </a:lvl9pPr>
+            <a:extLst/>
           </a:lstStyle>
           <a:p>
-            <a:pPr lvl="0"/>
-            <a:r>
-              <a:rPr lang="en-US" smtClean="0"/>
+            <a:pPr lvl="0" eaLnBrk="1" latinLnBrk="0" hangingPunct="1"/>
+            <a:r>
+              <a:rPr kumimoji="0" lang="en-US" smtClean="0"/>
               <a:t>Click to edit Master text styles</a:t>
             </a:r>
           </a:p>
@@ -2753,12 +3883,101 @@
           </a:p>
         </p:txBody>
       </p:sp>
+      <p:sp>
+        <p:nvSpPr>
+          <p:cNvPr id="12" name="Rectangle 11"/>
+          <p:cNvSpPr/>
+          <p:nvPr/>
+        </p:nvSpPr>
+        <p:spPr bwMode="invGray">
+          <a:xfrm>
+            <a:off x="2855737" y="0"/>
+            <a:ext cx="45720" cy="1453896"/>
+          </a:xfrm>
+          <a:prstGeom prst="rect">
+            <a:avLst/>
+          </a:prstGeom>
+          <a:solidFill>
+            <a:srgbClr val="FFFFFF"/>
+          </a:solidFill>
+          <a:ln w="48000" cap="flat" cmpd="thickThin" algn="ctr">
+            <a:noFill/>
+            <a:prstDash val="solid"/>
+          </a:ln>
+        </p:spPr>
+        <p:style>
+          <a:lnRef idx="2">
+            <a:schemeClr val="accent1"/>
+          </a:lnRef>
+          <a:fillRef idx="1">
+            <a:schemeClr val="accent1"/>
+          </a:fillRef>
+          <a:effectRef idx="0">
+            <a:schemeClr val="accent1"/>
+          </a:effectRef>
+          <a:fontRef idx="minor">
+            <a:schemeClr val="lt1"/>
+          </a:fontRef>
+        </p:style>
+        <p:txBody>
+          <a:bodyPr rtlCol="0" anchor="ctr"/>
+          <a:lstStyle>
+            <a:extLst/>
+          </a:lstStyle>
+          <a:p>
+            <a:pPr algn="ctr" eaLnBrk="1" latinLnBrk="0" hangingPunct="1"/>
+            <a:endParaRPr kumimoji="0" lang="en-US"/>
+          </a:p>
+        </p:txBody>
+      </p:sp>
+      <p:sp>
+        <p:nvSpPr>
+          <p:cNvPr id="9" name="Rectangle 8"/>
+          <p:cNvSpPr/>
+          <p:nvPr/>
+        </p:nvSpPr>
+        <p:spPr bwMode="invGray">
+          <a:xfrm>
+            <a:off x="2855737" y="0"/>
+            <a:ext cx="45720" cy="1453896"/>
+          </a:xfrm>
+          <a:prstGeom prst="rect">
+            <a:avLst/>
+          </a:prstGeom>
+          <a:solidFill>
+            <a:srgbClr val="FFFFFF"/>
+          </a:solidFill>
+          <a:ln w="48000" cap="flat" cmpd="thickThin" algn="ctr">
+            <a:noFill/>
+            <a:prstDash val="solid"/>
+          </a:ln>
+        </p:spPr>
+        <p:style>
+          <a:lnRef idx="2">
+            <a:schemeClr val="accent1"/>
+          </a:lnRef>
+          <a:fillRef idx="1">
+            <a:schemeClr val="accent1"/>
+          </a:fillRef>
+          <a:effectRef idx="0">
+            <a:schemeClr val="accent1"/>
+          </a:effectRef>
+          <a:fontRef idx="minor">
+            <a:schemeClr val="lt1"/>
+          </a:fontRef>
+        </p:style>
+        <p:txBody>
+          <a:bodyPr rtlCol="0" anchor="ctr"/>
+          <a:lstStyle>
+            <a:extLst/>
+          </a:lstStyle>
+          <a:p>
+            <a:pPr algn="ctr" eaLnBrk="1" latinLnBrk="0" hangingPunct="1"/>
+            <a:endParaRPr kumimoji="0" lang="en-US"/>
+          </a:p>
+        </p:txBody>
+      </p:sp>
     </p:spTree>
-    <p:extLst>
-      <p:ext uri="{BB962C8B-B14F-4D97-AF65-F5344CB8AC3E}">
-        <p14:creationId xmlns:p14="http://schemas.microsoft.com/office/powerpoint/2010/main" val="70957051"/>
-      </p:ext>
-    </p:extLst>
   </p:cSld>
   <p:clrMapOvr>
     <a:masterClrMapping/>
@@ -2769,6 +3988,11 @@
 <file path=ppt/slideLayouts/slideLayout9.xml><?xml version="1.0" encoding="utf-8"?>
 <p:sldLayout xmlns:a="http://schemas.openxmlformats.org/drawingml/2006/main" xmlns:r="http://schemas.openxmlformats.org/officeDocument/2006/relationships" xmlns:p="http://schemas.openxmlformats.org/presentationml/2006/main" type="picTx" preserve="1">
   <p:cSld name="Picture with Caption">
+    <p:bg>
+      <p:bgRef idx="1001">
+        <a:schemeClr val="bg2"/>
+      </p:bgRef>
+    </p:bg>
     <p:spTree>
       <p:nvGrpSpPr>
         <p:cNvPr id="1" name=""/>
@@ -2795,23 +4019,26 @@
         </p:nvSpPr>
         <p:spPr>
           <a:xfrm>
-            <a:off x="1792288" y="4800600"/>
-            <a:ext cx="5486400" cy="566738"/>
+            <a:off x="164592" y="155448"/>
+            <a:ext cx="2525150" cy="978408"/>
           </a:xfrm>
         </p:spPr>
         <p:txBody>
-          <a:bodyPr anchor="b"/>
+          <a:bodyPr lIns="73152" bIns="0" anchor="b">
+            <a:sp3d prstMaterial="matte"/>
+          </a:bodyPr>
           <a:lstStyle>
             <a:lvl1pPr algn="l">
-              <a:defRPr sz="2000" b="1"/>
+              <a:defRPr sz="2000" b="0"/>
             </a:lvl1pPr>
+            <a:extLst/>
           </a:lstStyle>
           <a:p>
             <a:r>
-              <a:rPr lang="en-US" smtClean="0"/>
+              <a:rPr kumimoji="0" lang="en-US" smtClean="0"/>
               <a:t>Click to edit Master title style</a:t>
             </a:r>
-            <a:endParaRPr lang="en-US"/>
+            <a:endParaRPr kumimoji="0" lang="en-US"/>
           </a:p>
         </p:txBody>
       </p:sp>
@@ -2827,9 +4054,14 @@
         </p:nvSpPr>
         <p:spPr>
           <a:xfrm>
-            <a:off x="1792288" y="612775"/>
-            <a:ext cx="5486400" cy="4114800"/>
+            <a:off x="2903805" y="1484808"/>
+            <a:ext cx="6247397" cy="5373192"/>
           </a:xfrm>
+          <a:solidFill>
+            <a:schemeClr val="bg2">
+              <a:shade val="75000"/>
+            </a:schemeClr>
+          </a:solidFill>
         </p:spPr>
         <p:txBody>
           <a:bodyPr/>
@@ -2870,9 +4102,14 @@
               <a:buNone/>
               <a:defRPr sz="2000"/>
             </a:lvl9pPr>
+            <a:extLst/>
           </a:lstStyle>
           <a:p>
-            <a:endParaRPr lang="en-US"/>
+            <a:r>
+              <a:rPr kumimoji="0" lang="en-US" smtClean="0"/>
+              <a:t>Click icon to add picture</a:t>
+            </a:r>
+            <a:endParaRPr kumimoji="0" lang="en-US" dirty="0"/>
           </a:p>
         </p:txBody>
       </p:sp>
@@ -2888,8 +4125,8 @@
         </p:nvSpPr>
         <p:spPr>
           <a:xfrm>
-            <a:off x="1792288" y="5367338"/>
-            <a:ext cx="5486400" cy="804862"/>
+            <a:off x="164592" y="1728216"/>
+            <a:ext cx="2468880" cy="4572000"/>
           </a:xfrm>
         </p:spPr>
         <p:txBody>
@@ -2931,11 +4168,12 @@
               <a:buNone/>
               <a:defRPr sz="900"/>
             </a:lvl9pPr>
+            <a:extLst/>
           </a:lstStyle>
           <a:p>
-            <a:pPr lvl="0"/>
-            <a:r>
-              <a:rPr lang="en-US" smtClean="0"/>
+            <a:pPr lvl="0" eaLnBrk="1" latinLnBrk="0" hangingPunct="1"/>
+            <a:r>
+              <a:rPr kumimoji="0" lang="en-US" smtClean="0"/>
               <a:t>Click to edit Master text styles</a:t>
             </a:r>
           </a:p>
@@ -2951,7 +4189,12 @@
             <p:ph type="dt" sz="half" idx="10"/>
           </p:nvPr>
         </p:nvSpPr>
-        <p:spPr/>
+        <p:spPr>
+          <a:xfrm>
+            <a:off x="164592" y="1170432"/>
+            <a:ext cx="2523744" cy="201168"/>
+          </a:xfrm>
+        </p:spPr>
         <p:txBody>
           <a:bodyPr/>
           <a:lstStyle/>
@@ -2966,6 +4209,100 @@
       </p:sp>
       <p:sp>
         <p:nvSpPr>
+          <p:cNvPr id="11" name="Rectangle 10"/>
+          <p:cNvSpPr/>
+          <p:nvPr/>
+        </p:nvSpPr>
+        <p:spPr>
+          <a:xfrm>
+            <a:off x="2855737" y="0"/>
+            <a:ext cx="45720" cy="6858000"/>
+          </a:xfrm>
+          <a:prstGeom prst="rect">
+            <a:avLst/>
+          </a:prstGeom>
+          <a:solidFill>
+            <a:srgbClr val="FFFFFF"/>
+          </a:solidFill>
+          <a:ln w="48000" cap="flat" cmpd="thickThin" algn="ctr">
+            <a:noFill/>
+            <a:prstDash val="solid"/>
+          </a:ln>
+        </p:spPr>
+        <p:style>
+          <a:lnRef idx="2">
+            <a:schemeClr val="accent1"/>
+          </a:lnRef>
+          <a:fillRef idx="1">
+            <a:schemeClr val="accent1"/>
+          </a:fillRef>
+          <a:effectRef idx="0">
+            <a:schemeClr val="accent1"/>
+          </a:effectRef>
+          <a:fontRef idx="minor">
+            <a:schemeClr val="lt1"/>
+          </a:fontRef>
+        </p:style>
+        <p:txBody>
+          <a:bodyPr rtlCol="0" anchor="ctr"/>
+          <a:lstStyle>
+            <a:extLst/>
+          </a:lstStyle>
+          <a:p>
+            <a:pPr algn="ctr" eaLnBrk="1" latinLnBrk="0" hangingPunct="1"/>
+            <a:endParaRPr kumimoji="0" lang="en-US"/>
+          </a:p>
+        </p:txBody>
+      </p:sp>
+      <p:sp>
+        <p:nvSpPr>
+          <p:cNvPr id="9" name="Rectangle 8"/>
+          <p:cNvSpPr/>
+          <p:nvPr/>
+        </p:nvSpPr>
+        <p:spPr bwMode="invGray">
+          <a:xfrm>
+            <a:off x="2855737" y="0"/>
+            <a:ext cx="45720" cy="6858000"/>
+          </a:xfrm>
+          <a:prstGeom prst="rect">
+            <a:avLst/>
+          </a:prstGeom>
+          <a:solidFill>
+            <a:srgbClr val="FFFFFF"/>
+          </a:solidFill>
+          <a:ln w="48000" cap="flat" cmpd="thickThin" algn="ctr">
+            <a:noFill/>
+            <a:prstDash val="solid"/>
+          </a:ln>
+        </p:spPr>
+        <p:style>
+          <a:lnRef idx="2">
+            <a:schemeClr val="accent1"/>
+          </a:lnRef>
+          <a:fillRef idx="1">
+            <a:schemeClr val="accent1"/>
+          </a:fillRef>
+          <a:effectRef idx="0">
+            <a:schemeClr val="accent1"/>
+          </a:effectRef>
+          <a:fontRef idx="minor">
+            <a:schemeClr val="lt1"/>
+          </a:fontRef>
+        </p:style>
+        <p:txBody>
+          <a:bodyPr rtlCol="0" anchor="ctr"/>
+          <a:lstStyle>
+            <a:extLst/>
+          </a:lstStyle>
+          <a:p>
+            <a:pPr algn="ctr" eaLnBrk="1" latinLnBrk="0" hangingPunct="1"/>
+            <a:endParaRPr kumimoji="0" lang="en-US"/>
+          </a:p>
+        </p:txBody>
+      </p:sp>
+      <p:sp>
+        <p:nvSpPr>
           <p:cNvPr id="6" name="Footer Placeholder 5"/>
           <p:cNvSpPr>
             <a:spLocks noGrp="1"/>
@@ -2974,10 +4311,25 @@
             <p:ph type="ftr" sz="quarter" idx="11"/>
           </p:nvPr>
         </p:nvSpPr>
-        <p:spPr/>
+        <p:spPr>
+          <a:xfrm>
+            <a:off x="3035808" y="1170432"/>
+            <a:ext cx="5193792" cy="201168"/>
+          </a:xfrm>
+        </p:spPr>
         <p:txBody>
           <a:bodyPr/>
-          <a:lstStyle/>
+          <a:lstStyle>
+            <a:lvl1pPr>
+              <a:defRPr>
+                <a:solidFill>
+                  <a:schemeClr val="bg1">
+                    <a:shade val="50000"/>
+                  </a:schemeClr>
+                </a:solidFill>
+              </a:defRPr>
+            </a:lvl1pPr>
+          </a:lstStyle>
           <a:p>
             <a:endParaRPr lang="en-US"/>
           </a:p>
@@ -2993,7 +4345,12 @@
             <p:ph type="sldNum" sz="quarter" idx="12"/>
           </p:nvPr>
         </p:nvSpPr>
-        <p:spPr/>
+        <p:spPr>
+          <a:xfrm>
+            <a:off x="8339328" y="1170432"/>
+            <a:ext cx="733864" cy="201168"/>
+          </a:xfrm>
+        </p:spPr>
         <p:txBody>
           <a:bodyPr/>
           <a:lstStyle/>
@@ -3007,14 +4364,9 @@
         </p:txBody>
       </p:sp>
     </p:spTree>
-    <p:extLst>
-      <p:ext uri="{BB962C8B-B14F-4D97-AF65-F5344CB8AC3E}">
-        <p14:creationId xmlns:p14="http://schemas.microsoft.com/office/powerpoint/2010/main" val="2371450811"/>
-      </p:ext>
-    </p:extLst>
   </p:cSld>
   <p:clrMapOvr>
-    <a:masterClrMapping/>
+    <a:overrideClrMapping bg1="lt1" tx1="dk1" bg2="lt2" tx2="dk2" accent1="accent1" accent2="accent2" accent3="accent3" accent4="accent4" accent5="accent5" accent6="accent6" hlink="hlink" folHlink="folHlink"/>
   </p:clrMapOvr>
 </p:sldLayout>
 </file>
@@ -3043,6 +4395,107 @@
       </p:grpSpPr>
       <p:sp>
         <p:nvSpPr>
+          <p:cNvPr id="10" name="Rectangle 9"/>
+          <p:cNvSpPr/>
+          <p:nvPr/>
+        </p:nvSpPr>
+        <p:spPr bwMode="invGray">
+          <a:xfrm>
+            <a:off x="0" y="1435895"/>
+            <a:ext cx="9144000" cy="45720"/>
+          </a:xfrm>
+          <a:prstGeom prst="rect">
+            <a:avLst/>
+          </a:prstGeom>
+          <a:solidFill>
+            <a:srgbClr val="FFFFFF"/>
+          </a:solidFill>
+          <a:ln w="48000" cap="flat" cmpd="thickThin" algn="ctr">
+            <a:noFill/>
+            <a:prstDash val="solid"/>
+          </a:ln>
+          <a:effectLst>
+            <a:outerShdw blurRad="31750" dist="10160" dir="5400000" algn="tl" rotWithShape="0">
+              <a:srgbClr val="000000">
+                <a:alpha val="60000"/>
+              </a:srgbClr>
+            </a:outerShdw>
+          </a:effectLst>
+        </p:spPr>
+        <p:style>
+          <a:lnRef idx="2">
+            <a:schemeClr val="accent1"/>
+          </a:lnRef>
+          <a:fillRef idx="1">
+            <a:schemeClr val="accent1"/>
+          </a:fillRef>
+          <a:effectRef idx="0">
+            <a:schemeClr val="accent1"/>
+          </a:effectRef>
+          <a:fontRef idx="minor">
+            <a:schemeClr val="lt1"/>
+          </a:fontRef>
+        </p:style>
+        <p:txBody>
+          <a:bodyPr rtlCol="0" anchor="ctr"/>
+          <a:lstStyle>
+            <a:extLst/>
+          </a:lstStyle>
+          <a:p>
+            <a:pPr algn="ctr" eaLnBrk="1" latinLnBrk="0" hangingPunct="1"/>
+            <a:endParaRPr kumimoji="0" lang="en-US"/>
+          </a:p>
+        </p:txBody>
+      </p:sp>
+      <p:sp>
+        <p:nvSpPr>
+          <p:cNvPr id="7" name="Rectangle 6"/>
+          <p:cNvSpPr/>
+          <p:nvPr/>
+        </p:nvSpPr>
+        <p:spPr bwMode="ltGray">
+          <a:xfrm>
+            <a:off x="0" y="0"/>
+            <a:ext cx="9143999" cy="1433733"/>
+          </a:xfrm>
+          <a:prstGeom prst="rect">
+            <a:avLst/>
+          </a:prstGeom>
+          <a:solidFill>
+            <a:srgbClr val="000000"/>
+          </a:solidFill>
+          <a:ln w="48000" cap="flat" cmpd="thickThin" algn="ctr">
+            <a:noFill/>
+            <a:prstDash val="solid"/>
+          </a:ln>
+        </p:spPr>
+        <p:style>
+          <a:lnRef idx="2">
+            <a:schemeClr val="accent1"/>
+          </a:lnRef>
+          <a:fillRef idx="1">
+            <a:schemeClr val="accent1"/>
+          </a:fillRef>
+          <a:effectRef idx="0">
+            <a:schemeClr val="accent1"/>
+          </a:effectRef>
+          <a:fontRef idx="minor">
+            <a:schemeClr val="lt1"/>
+          </a:fontRef>
+        </p:style>
+        <p:txBody>
+          <a:bodyPr rtlCol="0" anchor="ctr"/>
+          <a:lstStyle>
+            <a:extLst/>
+          </a:lstStyle>
+          <a:p>
+            <a:pPr algn="ctr" eaLnBrk="1" latinLnBrk="0" hangingPunct="1"/>
+            <a:endParaRPr kumimoji="0" lang="en-US"/>
+          </a:p>
+        </p:txBody>
+      </p:sp>
+      <p:sp>
+        <p:nvSpPr>
           <p:cNvPr id="2" name="Title Placeholder 1"/>
           <p:cNvSpPr>
             <a:spLocks noGrp="1"/>
@@ -3053,24 +4506,35 @@
         </p:nvSpPr>
         <p:spPr>
           <a:xfrm>
-            <a:off x="457200" y="274638"/>
-            <a:ext cx="8229600" cy="1143000"/>
+            <a:off x="457200" y="152400"/>
+            <a:ext cx="8229600" cy="1251062"/>
           </a:xfrm>
           <a:prstGeom prst="rect">
             <a:avLst/>
           </a:prstGeom>
         </p:spPr>
         <p:txBody>
-          <a:bodyPr vert="horz" lIns="91440" tIns="45720" rIns="91440" bIns="45720" rtlCol="0" anchor="ctr">
+          <a:bodyPr vert="horz" lIns="91440" rIns="45720" rtlCol="0" anchor="ctr">
             <a:normAutofit/>
+            <a:scene3d>
+              <a:camera prst="orthographicFront"/>
+              <a:lightRig rig="threePt" dir="t">
+                <a:rot lat="0" lon="0" rev="4800000"/>
+              </a:lightRig>
+            </a:scene3d>
+            <a:sp3d prstMaterial="matte">
+              <a:bevelT w="50800" h="10160"/>
+            </a:sp3d>
           </a:bodyPr>
-          <a:lstStyle/>
-          <a:p>
-            <a:r>
-              <a:rPr lang="en-US" smtClean="0"/>
+          <a:lstStyle>
+            <a:extLst/>
+          </a:lstStyle>
+          <a:p>
+            <a:r>
+              <a:rPr kumimoji="0" lang="en-US" smtClean="0"/>
               <a:t>Click to edit Master title style</a:t>
             </a:r>
-            <a:endParaRPr lang="en-US"/>
+            <a:endParaRPr kumimoji="0" lang="en-US"/>
           </a:p>
         </p:txBody>
       </p:sp>
@@ -3086,53 +4550,55 @@
         </p:nvSpPr>
         <p:spPr>
           <a:xfrm>
-            <a:off x="457200" y="1600200"/>
-            <a:ext cx="8229600" cy="4525963"/>
+            <a:off x="457200" y="1775191"/>
+            <a:ext cx="8229600" cy="4625609"/>
           </a:xfrm>
           <a:prstGeom prst="rect">
             <a:avLst/>
           </a:prstGeom>
         </p:spPr>
         <p:txBody>
-          <a:bodyPr vert="horz" lIns="91440" tIns="45720" rIns="91440" bIns="45720" rtlCol="0">
+          <a:bodyPr vert="horz" lIns="54864" tIns="91440" rtlCol="0">
             <a:normAutofit/>
           </a:bodyPr>
-          <a:lstStyle/>
-          <a:p>
-            <a:pPr lvl="0"/>
-            <a:r>
-              <a:rPr lang="en-US" smtClean="0"/>
+          <a:lstStyle>
+            <a:extLst/>
+          </a:lstStyle>
+          <a:p>
+            <a:pPr lvl="0" eaLnBrk="1" latinLnBrk="0" hangingPunct="1"/>
+            <a:r>
+              <a:rPr kumimoji="0" lang="en-US" smtClean="0"/>
               <a:t>Click to edit Master text styles</a:t>
             </a:r>
           </a:p>
           <a:p>
-            <a:pPr lvl="1"/>
-            <a:r>
-              <a:rPr lang="en-US" smtClean="0"/>
+            <a:pPr lvl="1" eaLnBrk="1" latinLnBrk="0" hangingPunct="1"/>
+            <a:r>
+              <a:rPr kumimoji="0" lang="en-US" smtClean="0"/>
               <a:t>Second level</a:t>
             </a:r>
           </a:p>
           <a:p>
-            <a:pPr lvl="2"/>
-            <a:r>
-              <a:rPr lang="en-US" smtClean="0"/>
+            <a:pPr lvl="2" eaLnBrk="1" latinLnBrk="0" hangingPunct="1"/>
+            <a:r>
+              <a:rPr kumimoji="0" lang="en-US" smtClean="0"/>
               <a:t>Third level</a:t>
             </a:r>
           </a:p>
           <a:p>
-            <a:pPr lvl="3"/>
-            <a:r>
-              <a:rPr lang="en-US" smtClean="0"/>
+            <a:pPr lvl="3" eaLnBrk="1" latinLnBrk="0" hangingPunct="1"/>
+            <a:r>
+              <a:rPr kumimoji="0" lang="en-US" smtClean="0"/>
               <a:t>Fourth level</a:t>
             </a:r>
           </a:p>
           <a:p>
-            <a:pPr lvl="4"/>
-            <a:r>
-              <a:rPr lang="en-US" smtClean="0"/>
+            <a:pPr lvl="4" eaLnBrk="1" latinLnBrk="0" hangingPunct="1"/>
+            <a:r>
+              <a:rPr kumimoji="0" lang="en-US" smtClean="0"/>
               <a:t>Fifth level</a:t>
             </a:r>
-            <a:endParaRPr lang="en-US"/>
+            <a:endParaRPr kumimoji="0" lang="en-US"/>
           </a:p>
         </p:txBody>
       </p:sp>
@@ -3148,25 +4614,26 @@
         </p:nvSpPr>
         <p:spPr>
           <a:xfrm>
-            <a:off x="457200" y="6356350"/>
-            <a:ext cx="2133600" cy="365125"/>
+            <a:off x="457200" y="6476999"/>
+            <a:ext cx="2133600" cy="274320"/>
           </a:xfrm>
           <a:prstGeom prst="rect">
             <a:avLst/>
           </a:prstGeom>
         </p:spPr>
         <p:txBody>
-          <a:bodyPr vert="horz" lIns="91440" tIns="45720" rIns="91440" bIns="45720" rtlCol="0" anchor="ctr"/>
+          <a:bodyPr vert="horz" lIns="109728" rIns="45720" bIns="0" rtlCol="0" anchor="b"/>
           <a:lstStyle>
-            <a:lvl1pPr algn="l">
-              <a:defRPr sz="1200">
+            <a:lvl1pPr algn="l" eaLnBrk="1" latinLnBrk="0" hangingPunct="1">
+              <a:defRPr kumimoji="0" sz="1200">
                 <a:solidFill>
                   <a:schemeClr val="tx1">
-                    <a:tint val="75000"/>
+                    <a:tint val="95000"/>
                   </a:schemeClr>
                 </a:solidFill>
               </a:defRPr>
             </a:lvl1pPr>
+            <a:extLst/>
           </a:lstStyle>
           <a:p>
             <a:fld id="{DDF62B28-C43A-4ECD-962A-82DE28300634}" type="datetimeFigureOut">
@@ -3189,25 +4656,26 @@
         </p:nvSpPr>
         <p:spPr>
           <a:xfrm>
-            <a:off x="3124200" y="6356350"/>
-            <a:ext cx="2895600" cy="365125"/>
+            <a:off x="2640596" y="6476999"/>
+            <a:ext cx="5507719" cy="274320"/>
           </a:xfrm>
           <a:prstGeom prst="rect">
             <a:avLst/>
           </a:prstGeom>
         </p:spPr>
         <p:txBody>
-          <a:bodyPr vert="horz" lIns="91440" tIns="45720" rIns="91440" bIns="45720" rtlCol="0" anchor="ctr"/>
+          <a:bodyPr vert="horz" lIns="45720" rIns="45720" bIns="0" rtlCol="0" anchor="b"/>
           <a:lstStyle>
-            <a:lvl1pPr algn="ctr">
-              <a:defRPr sz="1200">
+            <a:lvl1pPr algn="l" eaLnBrk="1" latinLnBrk="0" hangingPunct="1">
+              <a:defRPr kumimoji="0" sz="1200">
                 <a:solidFill>
                   <a:schemeClr val="tx1">
-                    <a:tint val="75000"/>
+                    <a:tint val="95000"/>
                   </a:schemeClr>
                 </a:solidFill>
               </a:defRPr>
             </a:lvl1pPr>
+            <a:extLst/>
           </a:lstStyle>
           <a:p>
             <a:endParaRPr lang="en-US"/>
@@ -3226,25 +4694,26 @@
         </p:nvSpPr>
         <p:spPr>
           <a:xfrm>
-            <a:off x="6553200" y="6356350"/>
-            <a:ext cx="2133600" cy="365125"/>
+            <a:off x="8204396" y="6476999"/>
+            <a:ext cx="733864" cy="274320"/>
           </a:xfrm>
           <a:prstGeom prst="rect">
             <a:avLst/>
           </a:prstGeom>
         </p:spPr>
         <p:txBody>
-          <a:bodyPr vert="horz" lIns="91440" tIns="45720" rIns="91440" bIns="45720" rtlCol="0" anchor="ctr"/>
+          <a:bodyPr vert="horz" bIns="0" rtlCol="0" anchor="b"/>
           <a:lstStyle>
-            <a:lvl1pPr algn="r">
-              <a:defRPr sz="1200">
+            <a:lvl1pPr algn="r" eaLnBrk="1" latinLnBrk="0" hangingPunct="1">
+              <a:defRPr kumimoji="0" sz="1200">
                 <a:solidFill>
                   <a:schemeClr val="tx1">
-                    <a:tint val="75000"/>
+                    <a:tint val="95000"/>
                   </a:schemeClr>
                 </a:solidFill>
               </a:defRPr>
             </a:lvl1pPr>
+            <a:extLst/>
           </a:lstStyle>
           <a:p>
             <a:fld id="{5372F2E3-2A3F-4570-BA8C-BB8A9D70A870}" type="slidenum">
@@ -3256,51 +4725,54 @@
         </p:txBody>
       </p:sp>
     </p:spTree>
-    <p:extLst>
-      <p:ext uri="{BB962C8B-B14F-4D97-AF65-F5344CB8AC3E}">
-        <p14:creationId xmlns:p14="http://schemas.microsoft.com/office/powerpoint/2010/main" val="2190576953"/>
-      </p:ext>
-    </p:extLst>
   </p:cSld>
   <p:clrMap bg1="lt1" tx1="dk1" bg2="lt2" tx2="dk2" accent1="accent1" accent2="accent2" accent3="accent3" accent4="accent4" accent5="accent5" accent6="accent6" hlink="hlink" folHlink="folHlink"/>
   <p:sldLayoutIdLst>
-    <p:sldLayoutId id="2147483649" r:id="rId1"/>
-    <p:sldLayoutId id="2147483650" r:id="rId2"/>
-    <p:sldLayoutId id="2147483651" r:id="rId3"/>
-    <p:sldLayoutId id="2147483652" r:id="rId4"/>
-    <p:sldLayoutId id="2147483653" r:id="rId5"/>
-    <p:sldLayoutId id="2147483654" r:id="rId6"/>
-    <p:sldLayoutId id="2147483655" r:id="rId7"/>
-    <p:sldLayoutId id="2147483656" r:id="rId8"/>
-    <p:sldLayoutId id="2147483657" r:id="rId9"/>
-    <p:sldLayoutId id="2147483658" r:id="rId10"/>
-    <p:sldLayoutId id="2147483659" r:id="rId11"/>
+    <p:sldLayoutId id="2147483673" r:id="rId1"/>
+    <p:sldLayoutId id="2147483674" r:id="rId2"/>
+    <p:sldLayoutId id="2147483675" r:id="rId3"/>
+    <p:sldLayoutId id="2147483676" r:id="rId4"/>
+    <p:sldLayoutId id="2147483677" r:id="rId5"/>
+    <p:sldLayoutId id="2147483678" r:id="rId6"/>
+    <p:sldLayoutId id="2147483679" r:id="rId7"/>
+    <p:sldLayoutId id="2147483680" r:id="rId8"/>
+    <p:sldLayoutId id="2147483681" r:id="rId9"/>
+    <p:sldLayoutId id="2147483682" r:id="rId10"/>
+    <p:sldLayoutId id="2147483683" r:id="rId11"/>
   </p:sldLayoutIdLst>
   <p:txStyles>
     <p:titleStyle>
-      <a:lvl1pPr algn="ctr" defTabSz="914400" rtl="0" eaLnBrk="1" latinLnBrk="0" hangingPunct="1">
+      <a:lvl1pPr algn="l" rtl="0" eaLnBrk="1" latinLnBrk="0" hangingPunct="1">
         <a:spcBef>
           <a:spcPct val="0"/>
         </a:spcBef>
         <a:buNone/>
-        <a:defRPr sz="4400" kern="1200">
+        <a:defRPr kumimoji="0" sz="4500" b="1" kern="1200">
           <a:solidFill>
-            <a:schemeClr val="tx1"/>
+            <a:schemeClr val="accent1">
+              <a:satMod val="150000"/>
+            </a:schemeClr>
           </a:solidFill>
+          <a:effectLst/>
           <a:latin typeface="+mj-lt"/>
           <a:ea typeface="+mj-ea"/>
           <a:cs typeface="+mj-cs"/>
         </a:defRPr>
       </a:lvl1pPr>
+      <a:extLst/>
     </p:titleStyle>
     <p:bodyStyle>
-      <a:lvl1pPr marL="342900" indent="-342900" algn="l" defTabSz="914400" rtl="0" eaLnBrk="1" latinLnBrk="0" hangingPunct="1">
+      <a:lvl1pPr marL="438912" indent="-320040" algn="l" rtl="0" eaLnBrk="1" latinLnBrk="0" hangingPunct="1">
         <a:spcBef>
-          <a:spcPct val="20000"/>
+          <a:spcPts val="0"/>
         </a:spcBef>
-        <a:buFont typeface="Arial" pitchFamily="34" charset="0"/>
-        <a:buChar char="•"/>
-        <a:defRPr sz="3200" kern="1200">
+        <a:buClr>
+          <a:schemeClr val="accent1"/>
+        </a:buClr>
+        <a:buSzPct val="80000"/>
+        <a:buFont typeface="Wingdings 2"/>
+        <a:buChar char=""/>
+        <a:defRPr kumimoji="0" sz="3200" kern="1200">
           <a:solidFill>
             <a:schemeClr val="tx1"/>
           </a:solidFill>
@@ -3309,13 +4781,17 @@
           <a:cs typeface="+mn-cs"/>
         </a:defRPr>
       </a:lvl1pPr>
-      <a:lvl2pPr marL="742950" indent="-285750" algn="l" defTabSz="914400" rtl="0" eaLnBrk="1" latinLnBrk="0" hangingPunct="1">
+      <a:lvl2pPr marL="731520" indent="-274320" algn="l" rtl="0" eaLnBrk="1" latinLnBrk="0" hangingPunct="1">
         <a:spcBef>
           <a:spcPct val="20000"/>
         </a:spcBef>
-        <a:buFont typeface="Arial" pitchFamily="34" charset="0"/>
-        <a:buChar char="–"/>
-        <a:defRPr sz="2800" kern="1200">
+        <a:buClr>
+          <a:schemeClr val="accent2"/>
+        </a:buClr>
+        <a:buSzPct val="90000"/>
+        <a:buFont typeface="Wingdings"/>
+        <a:buChar char=""/>
+        <a:defRPr kumimoji="0" sz="2800" kern="1200">
           <a:solidFill>
             <a:schemeClr val="tx1"/>
           </a:solidFill>
@@ -3324,13 +4800,16 @@
           <a:cs typeface="+mn-cs"/>
         </a:defRPr>
       </a:lvl2pPr>
-      <a:lvl3pPr marL="1143000" indent="-228600" algn="l" defTabSz="914400" rtl="0" eaLnBrk="1" latinLnBrk="0" hangingPunct="1">
+      <a:lvl3pPr marL="996696" indent="-228600" algn="l" rtl="0" eaLnBrk="1" latinLnBrk="0" hangingPunct="1">
         <a:spcBef>
           <a:spcPct val="20000"/>
         </a:spcBef>
-        <a:buFont typeface="Arial" pitchFamily="34" charset="0"/>
-        <a:buChar char="•"/>
-        <a:defRPr sz="2400" kern="1200">
+        <a:buClr>
+          <a:schemeClr val="accent3"/>
+        </a:buClr>
+        <a:buFont typeface="Arial"/>
+        <a:buChar char="▪"/>
+        <a:defRPr kumimoji="0" sz="2400" kern="1200">
           <a:solidFill>
             <a:schemeClr val="tx1"/>
           </a:solidFill>
@@ -3339,13 +4818,16 @@
           <a:cs typeface="+mn-cs"/>
         </a:defRPr>
       </a:lvl3pPr>
-      <a:lvl4pPr marL="1600200" indent="-228600" algn="l" defTabSz="914400" rtl="0" eaLnBrk="1" latinLnBrk="0" hangingPunct="1">
+      <a:lvl4pPr marL="1216152" indent="-182880" algn="l" rtl="0" eaLnBrk="1" latinLnBrk="0" hangingPunct="1">
         <a:spcBef>
           <a:spcPct val="20000"/>
         </a:spcBef>
-        <a:buFont typeface="Arial" pitchFamily="34" charset="0"/>
-        <a:buChar char="–"/>
-        <a:defRPr sz="2000" kern="1200">
+        <a:buClr>
+          <a:schemeClr val="accent4"/>
+        </a:buClr>
+        <a:buFont typeface="Arial"/>
+        <a:buChar char="▪"/>
+        <a:defRPr kumimoji="0" sz="2000" kern="1200">
           <a:solidFill>
             <a:schemeClr val="tx1"/>
           </a:solidFill>
@@ -3354,13 +4836,16 @@
           <a:cs typeface="+mn-cs"/>
         </a:defRPr>
       </a:lvl4pPr>
-      <a:lvl5pPr marL="2057400" indent="-228600" algn="l" defTabSz="914400" rtl="0" eaLnBrk="1" latinLnBrk="0" hangingPunct="1">
+      <a:lvl5pPr marL="1426464" indent="-182880" algn="l" rtl="0" eaLnBrk="1" latinLnBrk="0" hangingPunct="1">
         <a:spcBef>
           <a:spcPct val="20000"/>
         </a:spcBef>
-        <a:buFont typeface="Arial" pitchFamily="34" charset="0"/>
-        <a:buChar char="»"/>
-        <a:defRPr sz="2000" kern="1200">
+        <a:buClr>
+          <a:schemeClr val="accent5"/>
+        </a:buClr>
+        <a:buFont typeface="Wingdings 3"/>
+        <a:buChar char=""/>
+        <a:defRPr kumimoji="0" lang="en-US" sz="2000" kern="1200" smtClean="0">
           <a:solidFill>
             <a:schemeClr val="tx1"/>
           </a:solidFill>
@@ -3369,13 +4854,17 @@
           <a:cs typeface="+mn-cs"/>
         </a:defRPr>
       </a:lvl5pPr>
-      <a:lvl6pPr marL="2514600" indent="-228600" algn="l" defTabSz="914400" rtl="0" eaLnBrk="1" latinLnBrk="0" hangingPunct="1">
+      <a:lvl6pPr marL="1627632" indent="-182880" algn="l" rtl="0" eaLnBrk="1" latinLnBrk="0" hangingPunct="1">
         <a:spcBef>
           <a:spcPct val="20000"/>
         </a:spcBef>
-        <a:buFont typeface="Arial" pitchFamily="34" charset="0"/>
-        <a:buChar char="•"/>
-        <a:defRPr sz="2000" kern="1200">
+        <a:buClr>
+          <a:schemeClr val="accent6"/>
+        </a:buClr>
+        <a:buSzPct val="100000"/>
+        <a:buFont typeface="Wingdings 2"/>
+        <a:buChar char=""/>
+        <a:defRPr kumimoji="0" sz="2000" kern="1200">
           <a:solidFill>
             <a:schemeClr val="tx1"/>
           </a:solidFill>
@@ -3384,13 +4873,17 @@
           <a:cs typeface="+mn-cs"/>
         </a:defRPr>
       </a:lvl6pPr>
-      <a:lvl7pPr marL="2971800" indent="-228600" algn="l" defTabSz="914400" rtl="0" eaLnBrk="1" latinLnBrk="0" hangingPunct="1">
+      <a:lvl7pPr marL="1828800" indent="-182880" algn="l" rtl="0" eaLnBrk="1" latinLnBrk="0" hangingPunct="1">
         <a:spcBef>
           <a:spcPct val="20000"/>
         </a:spcBef>
-        <a:buFont typeface="Arial" pitchFamily="34" charset="0"/>
-        <a:buChar char="•"/>
-        <a:defRPr sz="2000" kern="1200">
+        <a:buClr>
+          <a:schemeClr val="accent1"/>
+        </a:buClr>
+        <a:buSzPct val="100000"/>
+        <a:buFont typeface="Wingdings 2"/>
+        <a:buChar char=""/>
+        <a:defRPr kumimoji="0" sz="1800" kern="1200">
           <a:solidFill>
             <a:schemeClr val="tx1"/>
           </a:solidFill>
@@ -3399,13 +4892,16 @@
           <a:cs typeface="+mn-cs"/>
         </a:defRPr>
       </a:lvl7pPr>
-      <a:lvl8pPr marL="3429000" indent="-228600" algn="l" defTabSz="914400" rtl="0" eaLnBrk="1" latinLnBrk="0" hangingPunct="1">
+      <a:lvl8pPr marL="2029968" indent="-182880" algn="l" rtl="0" eaLnBrk="1" latinLnBrk="0" hangingPunct="1">
         <a:spcBef>
           <a:spcPct val="20000"/>
         </a:spcBef>
-        <a:buFont typeface="Arial" pitchFamily="34" charset="0"/>
-        <a:buChar char="•"/>
-        <a:defRPr sz="2000" kern="1200">
+        <a:buClr>
+          <a:schemeClr val="accent2"/>
+        </a:buClr>
+        <a:buFont typeface="Wingdings 2" pitchFamily="18" charset="2"/>
+        <a:buChar char=""/>
+        <a:defRPr kumimoji="0" sz="1800" kern="1200">
           <a:solidFill>
             <a:schemeClr val="tx1"/>
           </a:solidFill>
@@ -3414,13 +4910,16 @@
           <a:cs typeface="+mn-cs"/>
         </a:defRPr>
       </a:lvl8pPr>
-      <a:lvl9pPr marL="3886200" indent="-228600" algn="l" defTabSz="914400" rtl="0" eaLnBrk="1" latinLnBrk="0" hangingPunct="1">
+      <a:lvl9pPr marL="2231136" indent="-182880" algn="l" rtl="0" eaLnBrk="1" latinLnBrk="0" hangingPunct="1">
         <a:spcBef>
           <a:spcPct val="20000"/>
         </a:spcBef>
-        <a:buFont typeface="Arial" pitchFamily="34" charset="0"/>
-        <a:buChar char="•"/>
-        <a:defRPr sz="2000" kern="1200">
+        <a:buClr>
+          <a:schemeClr val="accent3"/>
+        </a:buClr>
+        <a:buFont typeface="Wingdings 2" pitchFamily="18" charset="2"/>
+        <a:buChar char=""/>
+        <a:defRPr kumimoji="0" sz="1800" kern="1200" baseline="0">
           <a:solidFill>
             <a:schemeClr val="tx1"/>
           </a:solidFill>
@@ -3429,13 +4928,11 @@
           <a:cs typeface="+mn-cs"/>
         </a:defRPr>
       </a:lvl9pPr>
+      <a:extLst/>
     </p:bodyStyle>
     <p:otherStyle>
-      <a:defPPr>
-        <a:defRPr lang="en-US"/>
-      </a:defPPr>
-      <a:lvl1pPr marL="0" algn="l" defTabSz="914400" rtl="0" eaLnBrk="1" latinLnBrk="0" hangingPunct="1">
-        <a:defRPr sz="1800" kern="1200">
+      <a:lvl1pPr marL="0" algn="l" rtl="0" eaLnBrk="1" latinLnBrk="0" hangingPunct="1">
+        <a:defRPr kumimoji="0" kern="1200">
           <a:solidFill>
             <a:schemeClr val="tx1"/>
           </a:solidFill>
@@ -3444,8 +4941,8 @@
           <a:cs typeface="+mn-cs"/>
         </a:defRPr>
       </a:lvl1pPr>
-      <a:lvl2pPr marL="457200" algn="l" defTabSz="914400" rtl="0" eaLnBrk="1" latinLnBrk="0" hangingPunct="1">
-        <a:defRPr sz="1800" kern="1200">
+      <a:lvl2pPr marL="457200" algn="l" rtl="0" eaLnBrk="1" latinLnBrk="0" hangingPunct="1">
+        <a:defRPr kumimoji="0" kern="1200">
           <a:solidFill>
             <a:schemeClr val="tx1"/>
           </a:solidFill>
@@ -3454,8 +4951,8 @@
           <a:cs typeface="+mn-cs"/>
         </a:defRPr>
       </a:lvl2pPr>
-      <a:lvl3pPr marL="914400" algn="l" defTabSz="914400" rtl="0" eaLnBrk="1" latinLnBrk="0" hangingPunct="1">
-        <a:defRPr sz="1800" kern="1200">
+      <a:lvl3pPr marL="914400" algn="l" rtl="0" eaLnBrk="1" latinLnBrk="0" hangingPunct="1">
+        <a:defRPr kumimoji="0" kern="1200">
           <a:solidFill>
             <a:schemeClr val="tx1"/>
           </a:solidFill>
@@ -3464,8 +4961,8 @@
           <a:cs typeface="+mn-cs"/>
         </a:defRPr>
       </a:lvl3pPr>
-      <a:lvl4pPr marL="1371600" algn="l" defTabSz="914400" rtl="0" eaLnBrk="1" latinLnBrk="0" hangingPunct="1">
-        <a:defRPr sz="1800" kern="1200">
+      <a:lvl4pPr marL="1371600" algn="l" rtl="0" eaLnBrk="1" latinLnBrk="0" hangingPunct="1">
+        <a:defRPr kumimoji="0" kern="1200">
           <a:solidFill>
             <a:schemeClr val="tx1"/>
           </a:solidFill>
@@ -3474,8 +4971,8 @@
           <a:cs typeface="+mn-cs"/>
         </a:defRPr>
       </a:lvl4pPr>
-      <a:lvl5pPr marL="1828800" algn="l" defTabSz="914400" rtl="0" eaLnBrk="1" latinLnBrk="0" hangingPunct="1">
-        <a:defRPr sz="1800" kern="1200">
+      <a:lvl5pPr marL="1828800" algn="l" rtl="0" eaLnBrk="1" latinLnBrk="0" hangingPunct="1">
+        <a:defRPr kumimoji="0" kern="1200">
           <a:solidFill>
             <a:schemeClr val="tx1"/>
           </a:solidFill>
@@ -3484,8 +4981,8 @@
           <a:cs typeface="+mn-cs"/>
         </a:defRPr>
       </a:lvl5pPr>
-      <a:lvl6pPr marL="2286000" algn="l" defTabSz="914400" rtl="0" eaLnBrk="1" latinLnBrk="0" hangingPunct="1">
-        <a:defRPr sz="1800" kern="1200">
+      <a:lvl6pPr marL="2286000" algn="l" rtl="0" eaLnBrk="1" latinLnBrk="0" hangingPunct="1">
+        <a:defRPr kumimoji="0" kern="1200">
           <a:solidFill>
             <a:schemeClr val="tx1"/>
           </a:solidFill>
@@ -3494,8 +4991,8 @@
           <a:cs typeface="+mn-cs"/>
         </a:defRPr>
       </a:lvl6pPr>
-      <a:lvl7pPr marL="2743200" algn="l" defTabSz="914400" rtl="0" eaLnBrk="1" latinLnBrk="0" hangingPunct="1">
-        <a:defRPr sz="1800" kern="1200">
+      <a:lvl7pPr marL="2743200" algn="l" rtl="0" eaLnBrk="1" latinLnBrk="0" hangingPunct="1">
+        <a:defRPr kumimoji="0" kern="1200">
           <a:solidFill>
             <a:schemeClr val="tx1"/>
           </a:solidFill>
@@ -3504,8 +5001,8 @@
           <a:cs typeface="+mn-cs"/>
         </a:defRPr>
       </a:lvl7pPr>
-      <a:lvl8pPr marL="3200400" algn="l" defTabSz="914400" rtl="0" eaLnBrk="1" latinLnBrk="0" hangingPunct="1">
-        <a:defRPr sz="1800" kern="1200">
+      <a:lvl8pPr marL="3200400" algn="l" rtl="0" eaLnBrk="1" latinLnBrk="0" hangingPunct="1">
+        <a:defRPr kumimoji="0" kern="1200">
           <a:solidFill>
             <a:schemeClr val="tx1"/>
           </a:solidFill>
@@ -3514,8 +5011,8 @@
           <a:cs typeface="+mn-cs"/>
         </a:defRPr>
       </a:lvl8pPr>
-      <a:lvl9pPr marL="3657600" algn="l" defTabSz="914400" rtl="0" eaLnBrk="1" latinLnBrk="0" hangingPunct="1">
-        <a:defRPr sz="1800" kern="1200">
+      <a:lvl9pPr marL="3657600" algn="l" rtl="0" eaLnBrk="1" latinLnBrk="0" hangingPunct="1">
+        <a:defRPr kumimoji="0" kern="1200">
           <a:solidFill>
             <a:schemeClr val="tx1"/>
           </a:solidFill>
@@ -3524,6 +5021,7 @@
           <a:cs typeface="+mn-cs"/>
         </a:defRPr>
       </a:lvl9pPr>
+      <a:extLst/>
     </p:otherStyle>
   </p:txStyles>
 </p:sldMaster>
@@ -3556,7 +5054,12 @@
             <p:ph type="ctrTitle"/>
           </p:nvPr>
         </p:nvSpPr>
-        <p:spPr/>
+        <p:spPr>
+          <a:xfrm>
+            <a:off x="685800" y="1447800"/>
+            <a:ext cx="8077200" cy="1673352"/>
+          </a:xfrm>
+        </p:spPr>
         <p:txBody>
           <a:bodyPr/>
           <a:lstStyle/>
@@ -3579,20 +5082,29 @@
             <p:ph type="subTitle" idx="1"/>
           </p:nvPr>
         </p:nvSpPr>
-        <p:spPr/>
+        <p:spPr>
+          <a:xfrm>
+            <a:off x="685800" y="2438400"/>
+            <a:ext cx="8077200" cy="1499616"/>
+          </a:xfrm>
+        </p:spPr>
         <p:txBody>
           <a:bodyPr/>
           <a:lstStyle/>
           <a:p>
             <a:r>
               <a:rPr lang="en-US" dirty="0" smtClean="0"/>
-              <a:t>Original Paper by Want, et al.</a:t>
-            </a:r>
-          </a:p>
-          <a:p>
+              <a:t>By Manmeet Singh</a:t>
+            </a:r>
+          </a:p>
+          <a:p>
+            <a:r>
+              <a:rPr lang="en-US" dirty="0"/>
+              <a:t>Original Paper by Wang, et al</a:t>
+            </a:r>
             <a:r>
               <a:rPr lang="en-US" dirty="0" smtClean="0"/>
-              <a:t>Presentation by Manmeet Singh</a:t>
+              <a:t>.</a:t>
             </a:r>
             <a:endParaRPr lang="en-US" dirty="0"/>
           </a:p>
@@ -3602,6 +5114,198 @@
     <p:extLst>
       <p:ext uri="{BB962C8B-B14F-4D97-AF65-F5344CB8AC3E}">
         <p14:creationId xmlns:p14="http://schemas.microsoft.com/office/powerpoint/2010/main" val="1924832212"/>
+      </p:ext>
+    </p:extLst>
+  </p:cSld>
+  <p:clrMapOvr>
+    <a:masterClrMapping/>
+  </p:clrMapOvr>
+  <p:timing>
+    <p:tnLst>
+      <p:par>
+        <p:cTn id="1" dur="indefinite" restart="never" nodeType="tmRoot"/>
+      </p:par>
+    </p:tnLst>
+  </p:timing>
+</p:sld>
+</file>
+
+<file path=ppt/slides/slide10.xml><?xml version="1.0" encoding="utf-8"?>
+<p:sld xmlns:a="http://schemas.openxmlformats.org/drawingml/2006/main" xmlns:r="http://schemas.openxmlformats.org/officeDocument/2006/relationships" xmlns:p="http://schemas.openxmlformats.org/presentationml/2006/main">
+  <p:cSld>
+    <p:spTree>
+      <p:nvGrpSpPr>
+        <p:cNvPr id="1" name=""/>
+        <p:cNvGrpSpPr/>
+        <p:nvPr/>
+      </p:nvGrpSpPr>
+      <p:grpSpPr>
+        <a:xfrm>
+          <a:off x="0" y="0"/>
+          <a:ext cx="0" cy="0"/>
+          <a:chOff x="0" y="0"/>
+          <a:chExt cx="0" cy="0"/>
+        </a:xfrm>
+      </p:grpSpPr>
+      <p:sp>
+        <p:nvSpPr>
+          <p:cNvPr id="2" name="Title 1"/>
+          <p:cNvSpPr>
+            <a:spLocks noGrp="1"/>
+          </p:cNvSpPr>
+          <p:nvPr>
+            <p:ph type="title"/>
+          </p:nvPr>
+        </p:nvSpPr>
+        <p:spPr/>
+        <p:txBody>
+          <a:bodyPr/>
+          <a:lstStyle/>
+          <a:p>
+            <a:r>
+              <a:rPr lang="en-US" dirty="0" smtClean="0"/>
+              <a:t>Challenges and Opportunities</a:t>
+            </a:r>
+            <a:endParaRPr lang="en-US" dirty="0"/>
+          </a:p>
+        </p:txBody>
+      </p:sp>
+      <p:sp>
+        <p:nvSpPr>
+          <p:cNvPr id="3" name="Content Placeholder 2"/>
+          <p:cNvSpPr>
+            <a:spLocks noGrp="1"/>
+          </p:cNvSpPr>
+          <p:nvPr>
+            <p:ph idx="1"/>
+          </p:nvPr>
+        </p:nvSpPr>
+        <p:spPr/>
+        <p:txBody>
+          <a:bodyPr/>
+          <a:lstStyle/>
+          <a:p>
+            <a:r>
+              <a:rPr lang="en-US" dirty="0" smtClean="0"/>
+              <a:t>Identity Preservation</a:t>
+            </a:r>
+          </a:p>
+          <a:p>
+            <a:pPr lvl="1"/>
+            <a:r>
+              <a:rPr lang="en-US" dirty="0" smtClean="0"/>
+              <a:t>Lack realistic variations of make-up, hair color, etc.</a:t>
+            </a:r>
+          </a:p>
+          <a:p>
+            <a:r>
+              <a:rPr lang="en-US" dirty="0" smtClean="0"/>
+              <a:t>Disentangled Representation</a:t>
+            </a:r>
+          </a:p>
+          <a:p>
+            <a:r>
+              <a:rPr lang="en-US" dirty="0" smtClean="0"/>
+              <a:t>Unsupervised Data Augmentation</a:t>
+            </a:r>
+          </a:p>
+          <a:p>
+            <a:r>
+              <a:rPr lang="en-US" dirty="0" smtClean="0"/>
+              <a:t>Improvement of GANs</a:t>
+            </a:r>
+          </a:p>
+        </p:txBody>
+      </p:sp>
+    </p:spTree>
+    <p:extLst>
+      <p:ext uri="{BB962C8B-B14F-4D97-AF65-F5344CB8AC3E}">
+        <p14:creationId xmlns:p14="http://schemas.microsoft.com/office/powerpoint/2010/main" val="213164452"/>
+      </p:ext>
+    </p:extLst>
+  </p:cSld>
+  <p:clrMapOvr>
+    <a:masterClrMapping/>
+  </p:clrMapOvr>
+  <p:timing>
+    <p:tnLst>
+      <p:par>
+        <p:cTn id="1" dur="indefinite" restart="never" nodeType="tmRoot"/>
+      </p:par>
+    </p:tnLst>
+  </p:timing>
+</p:sld>
+</file>
+
+<file path=ppt/slides/slide11.xml><?xml version="1.0" encoding="utf-8"?>
+<p:sld xmlns:a="http://schemas.openxmlformats.org/drawingml/2006/main" xmlns:r="http://schemas.openxmlformats.org/officeDocument/2006/relationships" xmlns:p="http://schemas.openxmlformats.org/presentationml/2006/main">
+  <p:cSld>
+    <p:spTree>
+      <p:nvGrpSpPr>
+        <p:cNvPr id="1" name=""/>
+        <p:cNvGrpSpPr/>
+        <p:nvPr/>
+      </p:nvGrpSpPr>
+      <p:grpSpPr>
+        <a:xfrm>
+          <a:off x="0" y="0"/>
+          <a:ext cx="0" cy="0"/>
+          <a:chOff x="0" y="0"/>
+          <a:chExt cx="0" cy="0"/>
+        </a:xfrm>
+      </p:grpSpPr>
+      <p:sp>
+        <p:nvSpPr>
+          <p:cNvPr id="2" name="Title 1"/>
+          <p:cNvSpPr txBox="1">
+            <a:spLocks/>
+          </p:cNvSpPr>
+          <p:nvPr/>
+        </p:nvSpPr>
+        <p:spPr>
+          <a:xfrm>
+            <a:off x="3048000" y="2667000"/>
+            <a:ext cx="8229600" cy="1252728"/>
+          </a:xfrm>
+          <a:prstGeom prst="rect">
+            <a:avLst/>
+          </a:prstGeom>
+        </p:spPr>
+        <p:txBody>
+          <a:bodyPr/>
+          <a:lstStyle>
+            <a:lvl1pPr algn="l" rtl="0" eaLnBrk="1" latinLnBrk="0" hangingPunct="1">
+              <a:spcBef>
+                <a:spcPct val="0"/>
+              </a:spcBef>
+              <a:buNone/>
+              <a:defRPr kumimoji="0" sz="4500" b="1" kern="1200">
+                <a:solidFill>
+                  <a:schemeClr val="accent1">
+                    <a:satMod val="150000"/>
+                  </a:schemeClr>
+                </a:solidFill>
+                <a:effectLst/>
+                <a:latin typeface="+mj-lt"/>
+                <a:ea typeface="+mj-ea"/>
+                <a:cs typeface="+mj-cs"/>
+              </a:defRPr>
+            </a:lvl1pPr>
+            <a:extLst/>
+          </a:lstStyle>
+          <a:p>
+            <a:r>
+              <a:rPr lang="en-US" dirty="0" smtClean="0"/>
+              <a:t>Thank You</a:t>
+            </a:r>
+            <a:endParaRPr lang="en-US" dirty="0"/>
+          </a:p>
+        </p:txBody>
+      </p:sp>
+    </p:spTree>
+    <p:extLst>
+      <p:ext uri="{BB962C8B-B14F-4D97-AF65-F5344CB8AC3E}">
+        <p14:creationId xmlns:p14="http://schemas.microsoft.com/office/powerpoint/2010/main" val="87726331"/>
       </p:ext>
     </p:extLst>
   </p:cSld>
@@ -3776,6 +5480,13 @@
   <p:clrMapOvr>
     <a:masterClrMapping/>
   </p:clrMapOvr>
+  <p:timing>
+    <p:tnLst>
+      <p:par>
+        <p:cTn id="1" dur="indefinite" restart="never" nodeType="tmRoot"/>
+      </p:par>
+    </p:tnLst>
+  </p:timing>
 </p:sld>
 </file>
 
@@ -3831,7 +5542,7 @@
         </p:nvSpPr>
         <p:spPr>
           <a:xfrm>
-            <a:off x="342900" y="1331605"/>
+            <a:off x="228600" y="1676400"/>
             <a:ext cx="8229600" cy="4525963"/>
           </a:xfrm>
         </p:spPr>
@@ -3847,17 +5558,16 @@
           <a:p>
             <a:pPr lvl="1"/>
             <a:r>
-              <a:rPr lang="en-US" sz="1400" dirty="0" smtClean="0"/>
+              <a:rPr lang="en-US" sz="1800" dirty="0" smtClean="0"/>
               <a:t>Geometric</a:t>
             </a:r>
           </a:p>
           <a:p>
             <a:pPr lvl="1"/>
             <a:r>
-              <a:rPr lang="en-US" sz="1400" dirty="0" smtClean="0"/>
+              <a:rPr lang="en-US" sz="1800" dirty="0" smtClean="0"/>
               <a:t>Photometric</a:t>
             </a:r>
-            <a:endParaRPr lang="en-US" dirty="0" smtClean="0"/>
           </a:p>
           <a:p>
             <a:r>
@@ -3868,21 +5578,21 @@
           <a:p>
             <a:pPr lvl="1"/>
             <a:r>
-              <a:rPr lang="en-US" sz="1400" dirty="0" smtClean="0"/>
+              <a:rPr lang="en-US" sz="1800" dirty="0" smtClean="0"/>
               <a:t>Hairstyle</a:t>
             </a:r>
           </a:p>
           <a:p>
             <a:pPr lvl="1"/>
             <a:r>
-              <a:rPr lang="en-US" sz="1400" dirty="0" smtClean="0"/>
+              <a:rPr lang="en-US" sz="1800" dirty="0" smtClean="0"/>
               <a:t>Makeup</a:t>
             </a:r>
           </a:p>
           <a:p>
             <a:pPr lvl="1"/>
             <a:r>
-              <a:rPr lang="en-US" sz="1400" dirty="0" smtClean="0"/>
+              <a:rPr lang="en-US" sz="1800" dirty="0" smtClean="0"/>
               <a:t>Accessory</a:t>
             </a:r>
           </a:p>
@@ -3895,24 +5605,24 @@
           <a:p>
             <a:pPr lvl="1"/>
             <a:r>
-              <a:rPr lang="en-US" sz="1400" dirty="0" smtClean="0"/>
-              <a:t>Post </a:t>
+              <a:rPr lang="en-US" sz="1800" dirty="0" smtClean="0"/>
+              <a:t>Pose</a:t>
             </a:r>
           </a:p>
           <a:p>
             <a:pPr lvl="1"/>
             <a:r>
-              <a:rPr lang="en-US" sz="1400" dirty="0" smtClean="0"/>
+              <a:rPr lang="en-US" sz="1800" dirty="0" smtClean="0"/>
               <a:t>Expression</a:t>
             </a:r>
           </a:p>
           <a:p>
             <a:pPr lvl="1"/>
             <a:r>
-              <a:rPr lang="en-US" sz="1400" dirty="0" smtClean="0"/>
+              <a:rPr lang="en-US" sz="1800" dirty="0" smtClean="0"/>
               <a:t>Age</a:t>
             </a:r>
-            <a:endParaRPr lang="en-US" sz="1400" dirty="0"/>
+            <a:endParaRPr lang="en-US" sz="1800" dirty="0"/>
           </a:p>
         </p:txBody>
       </p:sp>
@@ -3939,7 +5649,7 @@
         </p:blipFill>
         <p:spPr bwMode="auto">
           <a:xfrm>
-            <a:off x="3249506" y="1371600"/>
+            <a:off x="3249506" y="1524000"/>
             <a:ext cx="3166534" cy="1295400"/>
           </a:xfrm>
           <a:prstGeom prst="rect">
@@ -4003,7 +5713,7 @@
         </p:blipFill>
         <p:spPr bwMode="auto">
           <a:xfrm>
-            <a:off x="6142504" y="2819400"/>
+            <a:off x="6142504" y="2895600"/>
             <a:ext cx="2808692" cy="1524000"/>
           </a:xfrm>
           <a:prstGeom prst="rect">
@@ -4067,8 +5777,8 @@
         </p:blipFill>
         <p:spPr bwMode="auto">
           <a:xfrm>
-            <a:off x="3249506" y="4343400"/>
-            <a:ext cx="3282462" cy="1905000"/>
+            <a:off x="3683846" y="4419600"/>
+            <a:ext cx="2694094" cy="1563536"/>
           </a:xfrm>
           <a:prstGeom prst="rect">
             <a:avLst/>
@@ -4118,6 +5828,13 @@
   <p:clrMapOvr>
     <a:masterClrMapping/>
   </p:clrMapOvr>
+  <p:timing>
+    <p:tnLst>
+      <p:par>
+        <p:cTn id="1" dur="indefinite" restart="never" nodeType="tmRoot"/>
+      </p:par>
+    </p:tnLst>
+  </p:timing>
 </p:sld>
 </file>
 
@@ -4155,7 +5872,7 @@
           <a:p>
             <a:r>
               <a:rPr lang="en-US" dirty="0" smtClean="0"/>
-              <a:t>Limitations</a:t>
+              <a:t>Generic Transformations</a:t>
             </a:r>
             <a:endParaRPr lang="en-US" dirty="0"/>
           </a:p>
@@ -4171,30 +5888,1329 @@
             <p:ph idx="1"/>
           </p:nvPr>
         </p:nvSpPr>
-        <p:spPr/>
+        <p:spPr>
+          <a:xfrm>
+            <a:off x="266235" y="1828800"/>
+            <a:ext cx="5410200" cy="4525963"/>
+          </a:xfrm>
+        </p:spPr>
         <p:txBody>
           <a:bodyPr/>
           <a:lstStyle/>
           <a:p>
             <a:r>
               <a:rPr lang="en-US" dirty="0" smtClean="0"/>
-              <a:t>Lack realistic variations</a:t>
+              <a:t>Geometric</a:t>
             </a:r>
           </a:p>
           <a:p>
             <a:pPr lvl="1"/>
             <a:r>
+              <a:rPr lang="en-US" sz="2000" dirty="0" smtClean="0"/>
+              <a:t>Flip orientation</a:t>
+            </a:r>
+          </a:p>
+          <a:p>
+            <a:pPr lvl="1"/>
+            <a:r>
+              <a:rPr lang="en-US" sz="2000" dirty="0" smtClean="0"/>
+              <a:t>Crop and pad</a:t>
+            </a:r>
+          </a:p>
+          <a:p>
+            <a:endParaRPr lang="en-US" dirty="0" smtClean="0"/>
+          </a:p>
+          <a:p>
+            <a:r>
               <a:rPr lang="en-US" dirty="0" smtClean="0"/>
-              <a:t>Make-up, hair color, occlusion, etc.</a:t>
-            </a:r>
+              <a:t>Photometric</a:t>
+            </a:r>
+          </a:p>
+          <a:p>
+            <a:pPr lvl="1"/>
+            <a:r>
+              <a:rPr lang="en-US" sz="2000" dirty="0" smtClean="0"/>
+              <a:t>Alter RGB channels</a:t>
+            </a:r>
+          </a:p>
+          <a:p>
+            <a:pPr lvl="1"/>
+            <a:r>
+              <a:rPr lang="en-US" sz="2000" dirty="0" smtClean="0"/>
+              <a:t>Edge enhancement, blurring, etc.</a:t>
+            </a:r>
+          </a:p>
+          <a:p>
+            <a:pPr lvl="1"/>
             <a:endParaRPr lang="en-US" dirty="0"/>
           </a:p>
         </p:txBody>
       </p:sp>
+      <p:pic>
+        <p:nvPicPr>
+          <p:cNvPr id="5122" name="Picture 2"/>
+          <p:cNvPicPr>
+            <a:picLocks noChangeAspect="1" noChangeArrowheads="1"/>
+          </p:cNvPicPr>
+          <p:nvPr/>
+        </p:nvPicPr>
+        <p:blipFill>
+          <a:blip r:embed="rId2" cstate="print">
+            <a:extLst>
+              <a:ext uri="{28A0092B-C50C-407E-A947-70E740481C1C}">
+                <a14:useLocalDpi xmlns:a14="http://schemas.microsoft.com/office/drawing/2010/main" val="0"/>
+              </a:ext>
+            </a:extLst>
+          </a:blip>
+          <a:srcRect/>
+          <a:stretch>
+            <a:fillRect/>
+          </a:stretch>
+        </p:blipFill>
+        <p:spPr bwMode="auto">
+          <a:xfrm>
+            <a:off x="5791200" y="1600200"/>
+            <a:ext cx="2981312" cy="1219200"/>
+          </a:xfrm>
+          <a:prstGeom prst="rect">
+            <a:avLst/>
+          </a:prstGeom>
+          <a:noFill/>
+          <a:ln>
+            <a:noFill/>
+          </a:ln>
+          <a:effectLst/>
+          <a:extLst>
+            <a:ext uri="{909E8E84-426E-40DD-AFC4-6F175D3DCCD1}">
+              <a14:hiddenFill xmlns:a14="http://schemas.microsoft.com/office/drawing/2010/main">
+                <a:solidFill>
+                  <a:schemeClr val="accent1"/>
+                </a:solidFill>
+              </a14:hiddenFill>
+            </a:ext>
+            <a:ext uri="{91240B29-F687-4F45-9708-019B960494DF}">
+              <a14:hiddenLine xmlns:a14="http://schemas.microsoft.com/office/drawing/2010/main" w="9525">
+                <a:solidFill>
+                  <a:schemeClr val="tx1"/>
+                </a:solidFill>
+                <a:miter lim="800000"/>
+                <a:headEnd/>
+                <a:tailEnd/>
+              </a14:hiddenLine>
+            </a:ext>
+            <a:ext uri="{AF507438-7753-43E0-B8FC-AC1667EBCBE1}">
+              <a14:hiddenEffects xmlns:a14="http://schemas.microsoft.com/office/drawing/2010/main">
+                <a:effectLst>
+                  <a:outerShdw dist="35921" dir="2700000" algn="ctr" rotWithShape="0">
+                    <a:schemeClr val="bg2"/>
+                  </a:outerShdw>
+                </a:effectLst>
+              </a14:hiddenEffects>
+            </a:ext>
+          </a:extLst>
+        </p:spPr>
+      </p:pic>
+      <p:pic>
+        <p:nvPicPr>
+          <p:cNvPr id="5123" name="Picture 3"/>
+          <p:cNvPicPr>
+            <a:picLocks noChangeAspect="1" noChangeArrowheads="1"/>
+          </p:cNvPicPr>
+          <p:nvPr/>
+        </p:nvPicPr>
+        <p:blipFill>
+          <a:blip r:embed="rId3" cstate="print">
+            <a:extLst>
+              <a:ext uri="{28A0092B-C50C-407E-A947-70E740481C1C}">
+                <a14:useLocalDpi xmlns:a14="http://schemas.microsoft.com/office/drawing/2010/main" val="0"/>
+              </a:ext>
+            </a:extLst>
+          </a:blip>
+          <a:srcRect/>
+          <a:stretch>
+            <a:fillRect/>
+          </a:stretch>
+        </p:blipFill>
+        <p:spPr bwMode="auto">
+          <a:xfrm>
+            <a:off x="5676435" y="3962400"/>
+            <a:ext cx="3210841" cy="1126331"/>
+          </a:xfrm>
+          <a:prstGeom prst="rect">
+            <a:avLst/>
+          </a:prstGeom>
+          <a:noFill/>
+          <a:ln>
+            <a:noFill/>
+          </a:ln>
+          <a:effectLst/>
+          <a:extLst>
+            <a:ext uri="{909E8E84-426E-40DD-AFC4-6F175D3DCCD1}">
+              <a14:hiddenFill xmlns:a14="http://schemas.microsoft.com/office/drawing/2010/main">
+                <a:solidFill>
+                  <a:schemeClr val="accent1"/>
+                </a:solidFill>
+              </a14:hiddenFill>
+            </a:ext>
+            <a:ext uri="{91240B29-F687-4F45-9708-019B960494DF}">
+              <a14:hiddenLine xmlns:a14="http://schemas.microsoft.com/office/drawing/2010/main" w="9525">
+                <a:solidFill>
+                  <a:schemeClr val="tx1"/>
+                </a:solidFill>
+                <a:miter lim="800000"/>
+                <a:headEnd/>
+                <a:tailEnd/>
+              </a14:hiddenLine>
+            </a:ext>
+            <a:ext uri="{AF507438-7753-43E0-B8FC-AC1667EBCBE1}">
+              <a14:hiddenEffects xmlns:a14="http://schemas.microsoft.com/office/drawing/2010/main">
+                <a:effectLst>
+                  <a:outerShdw dist="35921" dir="2700000" algn="ctr" rotWithShape="0">
+                    <a:schemeClr val="bg2"/>
+                  </a:outerShdw>
+                </a:effectLst>
+              </a14:hiddenEffects>
+            </a:ext>
+          </a:extLst>
+        </p:spPr>
+      </p:pic>
     </p:spTree>
     <p:extLst>
       <p:ext uri="{BB962C8B-B14F-4D97-AF65-F5344CB8AC3E}">
-        <p14:creationId xmlns:p14="http://schemas.microsoft.com/office/powerpoint/2010/main" val="213164452"/>
+        <p14:creationId xmlns:p14="http://schemas.microsoft.com/office/powerpoint/2010/main" val="2612606264"/>
+      </p:ext>
+    </p:extLst>
+  </p:cSld>
+  <p:clrMapOvr>
+    <a:masterClrMapping/>
+  </p:clrMapOvr>
+  <p:timing>
+    <p:tnLst>
+      <p:par>
+        <p:cTn id="1" dur="indefinite" restart="never" nodeType="tmRoot"/>
+      </p:par>
+    </p:tnLst>
+  </p:timing>
+</p:sld>
+</file>
+
+<file path=ppt/slides/slide5.xml><?xml version="1.0" encoding="utf-8"?>
+<p:sld xmlns:a="http://schemas.openxmlformats.org/drawingml/2006/main" xmlns:r="http://schemas.openxmlformats.org/officeDocument/2006/relationships" xmlns:p="http://schemas.openxmlformats.org/presentationml/2006/main">
+  <p:cSld>
+    <p:spTree>
+      <p:nvGrpSpPr>
+        <p:cNvPr id="1" name=""/>
+        <p:cNvGrpSpPr/>
+        <p:nvPr/>
+      </p:nvGrpSpPr>
+      <p:grpSpPr>
+        <a:xfrm>
+          <a:off x="0" y="0"/>
+          <a:ext cx="0" cy="0"/>
+          <a:chOff x="0" y="0"/>
+          <a:chExt cx="0" cy="0"/>
+        </a:xfrm>
+      </p:grpSpPr>
+      <p:sp>
+        <p:nvSpPr>
+          <p:cNvPr id="2" name="Title 1"/>
+          <p:cNvSpPr>
+            <a:spLocks noGrp="1"/>
+          </p:cNvSpPr>
+          <p:nvPr>
+            <p:ph type="title"/>
+          </p:nvPr>
+        </p:nvSpPr>
+        <p:spPr/>
+        <p:txBody>
+          <a:bodyPr/>
+          <a:lstStyle/>
+          <a:p>
+            <a:r>
+              <a:rPr lang="en-US" dirty="0" smtClean="0"/>
+              <a:t>Component Transformations</a:t>
+            </a:r>
+            <a:endParaRPr lang="en-US" dirty="0"/>
+          </a:p>
+        </p:txBody>
+      </p:sp>
+      <p:sp>
+        <p:nvSpPr>
+          <p:cNvPr id="3" name="Content Placeholder 2"/>
+          <p:cNvSpPr>
+            <a:spLocks noGrp="1"/>
+          </p:cNvSpPr>
+          <p:nvPr>
+            <p:ph idx="1"/>
+          </p:nvPr>
+        </p:nvSpPr>
+        <p:spPr>
+          <a:xfrm>
+            <a:off x="260350" y="1638300"/>
+            <a:ext cx="3733800" cy="4625609"/>
+          </a:xfrm>
+        </p:spPr>
+        <p:txBody>
+          <a:bodyPr/>
+          <a:lstStyle/>
+          <a:p>
+            <a:r>
+              <a:rPr lang="en-US" dirty="0" smtClean="0"/>
+              <a:t>Hairstyle Transfer</a:t>
+            </a:r>
+          </a:p>
+          <a:p>
+            <a:pPr lvl="1"/>
+            <a:r>
+              <a:rPr lang="en-US" sz="1800" dirty="0" err="1" smtClean="0"/>
+              <a:t>DiscoGAN</a:t>
+            </a:r>
+            <a:endParaRPr lang="en-US" sz="1800" dirty="0" smtClean="0"/>
+          </a:p>
+          <a:p>
+            <a:pPr lvl="1"/>
+            <a:r>
+              <a:rPr lang="en-US" sz="1800" dirty="0" err="1" smtClean="0"/>
+              <a:t>StarGAN</a:t>
+            </a:r>
+            <a:endParaRPr lang="en-US" sz="1800" dirty="0" smtClean="0"/>
+          </a:p>
+          <a:p>
+            <a:pPr lvl="1"/>
+            <a:endParaRPr lang="en-US" sz="1800" dirty="0" smtClean="0"/>
+          </a:p>
+          <a:p>
+            <a:r>
+              <a:rPr lang="en-US" dirty="0"/>
+              <a:t>Makeup </a:t>
+            </a:r>
+            <a:r>
+              <a:rPr lang="en-US" dirty="0" smtClean="0"/>
+              <a:t>Transfer</a:t>
+            </a:r>
+          </a:p>
+          <a:p>
+            <a:pPr lvl="1"/>
+            <a:r>
+              <a:rPr lang="en-US" sz="1800" dirty="0" smtClean="0"/>
+              <a:t>Traditional image processing</a:t>
+            </a:r>
+          </a:p>
+          <a:p>
+            <a:pPr lvl="1"/>
+            <a:r>
+              <a:rPr lang="en-US" sz="1800" dirty="0" err="1" smtClean="0"/>
+              <a:t>BeautyGAN</a:t>
+            </a:r>
+            <a:endParaRPr lang="en-US" sz="1800" dirty="0" smtClean="0"/>
+          </a:p>
+          <a:p>
+            <a:pPr lvl="1"/>
+            <a:endParaRPr lang="en-US" sz="1800" dirty="0"/>
+          </a:p>
+          <a:p>
+            <a:r>
+              <a:rPr lang="en-US" dirty="0" smtClean="0"/>
+              <a:t>Accessory Transfer</a:t>
+            </a:r>
+          </a:p>
+          <a:p>
+            <a:pPr lvl="1"/>
+            <a:r>
+              <a:rPr lang="en-US" sz="1800" dirty="0" smtClean="0"/>
+              <a:t>Info-GAN</a:t>
+            </a:r>
+            <a:endParaRPr lang="en-US" sz="1800" dirty="0"/>
+          </a:p>
+        </p:txBody>
+      </p:sp>
+      <p:pic>
+        <p:nvPicPr>
+          <p:cNvPr id="6146" name="Picture 2"/>
+          <p:cNvPicPr>
+            <a:picLocks noChangeAspect="1" noChangeArrowheads="1"/>
+          </p:cNvPicPr>
+          <p:nvPr/>
+        </p:nvPicPr>
+        <p:blipFill>
+          <a:blip r:embed="rId3">
+            <a:extLst>
+              <a:ext uri="{28A0092B-C50C-407E-A947-70E740481C1C}">
+                <a14:useLocalDpi xmlns:a14="http://schemas.microsoft.com/office/drawing/2010/main" val="0"/>
+              </a:ext>
+            </a:extLst>
+          </a:blip>
+          <a:srcRect/>
+          <a:stretch>
+            <a:fillRect/>
+          </a:stretch>
+        </p:blipFill>
+        <p:spPr bwMode="auto">
+          <a:xfrm>
+            <a:off x="4019550" y="1600200"/>
+            <a:ext cx="4972050" cy="1266825"/>
+          </a:xfrm>
+          <a:prstGeom prst="rect">
+            <a:avLst/>
+          </a:prstGeom>
+          <a:noFill/>
+          <a:ln>
+            <a:noFill/>
+          </a:ln>
+          <a:effectLst/>
+          <a:extLst>
+            <a:ext uri="{909E8E84-426E-40DD-AFC4-6F175D3DCCD1}">
+              <a14:hiddenFill xmlns:a14="http://schemas.microsoft.com/office/drawing/2010/main">
+                <a:solidFill>
+                  <a:schemeClr val="accent1"/>
+                </a:solidFill>
+              </a14:hiddenFill>
+            </a:ext>
+            <a:ext uri="{91240B29-F687-4F45-9708-019B960494DF}">
+              <a14:hiddenLine xmlns:a14="http://schemas.microsoft.com/office/drawing/2010/main" w="9525">
+                <a:solidFill>
+                  <a:schemeClr val="tx1"/>
+                </a:solidFill>
+                <a:miter lim="800000"/>
+                <a:headEnd/>
+                <a:tailEnd/>
+              </a14:hiddenLine>
+            </a:ext>
+            <a:ext uri="{AF507438-7753-43E0-B8FC-AC1667EBCBE1}">
+              <a14:hiddenEffects xmlns:a14="http://schemas.microsoft.com/office/drawing/2010/main">
+                <a:effectLst>
+                  <a:outerShdw dist="35921" dir="2700000" algn="ctr" rotWithShape="0">
+                    <a:schemeClr val="bg2"/>
+                  </a:outerShdw>
+                </a:effectLst>
+              </a14:hiddenEffects>
+            </a:ext>
+          </a:extLst>
+        </p:spPr>
+      </p:pic>
+      <p:pic>
+        <p:nvPicPr>
+          <p:cNvPr id="6147" name="Picture 3"/>
+          <p:cNvPicPr>
+            <a:picLocks noChangeAspect="1" noChangeArrowheads="1"/>
+          </p:cNvPicPr>
+          <p:nvPr/>
+        </p:nvPicPr>
+        <p:blipFill>
+          <a:blip r:embed="rId4">
+            <a:extLst>
+              <a:ext uri="{28A0092B-C50C-407E-A947-70E740481C1C}">
+                <a14:useLocalDpi xmlns:a14="http://schemas.microsoft.com/office/drawing/2010/main" val="0"/>
+              </a:ext>
+            </a:extLst>
+          </a:blip>
+          <a:srcRect/>
+          <a:stretch>
+            <a:fillRect/>
+          </a:stretch>
+        </p:blipFill>
+        <p:spPr bwMode="auto">
+          <a:xfrm>
+            <a:off x="5410200" y="4724400"/>
+            <a:ext cx="3362325" cy="1733550"/>
+          </a:xfrm>
+          <a:prstGeom prst="rect">
+            <a:avLst/>
+          </a:prstGeom>
+          <a:noFill/>
+          <a:ln>
+            <a:noFill/>
+          </a:ln>
+          <a:effectLst/>
+          <a:extLst>
+            <a:ext uri="{909E8E84-426E-40DD-AFC4-6F175D3DCCD1}">
+              <a14:hiddenFill xmlns:a14="http://schemas.microsoft.com/office/drawing/2010/main">
+                <a:solidFill>
+                  <a:schemeClr val="accent1"/>
+                </a:solidFill>
+              </a14:hiddenFill>
+            </a:ext>
+            <a:ext uri="{91240B29-F687-4F45-9708-019B960494DF}">
+              <a14:hiddenLine xmlns:a14="http://schemas.microsoft.com/office/drawing/2010/main" w="9525">
+                <a:solidFill>
+                  <a:schemeClr val="tx1"/>
+                </a:solidFill>
+                <a:miter lim="800000"/>
+                <a:headEnd/>
+                <a:tailEnd/>
+              </a14:hiddenLine>
+            </a:ext>
+            <a:ext uri="{AF507438-7753-43E0-B8FC-AC1667EBCBE1}">
+              <a14:hiddenEffects xmlns:a14="http://schemas.microsoft.com/office/drawing/2010/main">
+                <a:effectLst>
+                  <a:outerShdw dist="35921" dir="2700000" algn="ctr" rotWithShape="0">
+                    <a:schemeClr val="bg2"/>
+                  </a:outerShdw>
+                </a:effectLst>
+              </a14:hiddenEffects>
+            </a:ext>
+          </a:extLst>
+        </p:spPr>
+      </p:pic>
+      <p:pic>
+        <p:nvPicPr>
+          <p:cNvPr id="6148" name="Picture 4"/>
+          <p:cNvPicPr>
+            <a:picLocks noChangeAspect="1" noChangeArrowheads="1"/>
+          </p:cNvPicPr>
+          <p:nvPr/>
+        </p:nvPicPr>
+        <p:blipFill>
+          <a:blip r:embed="rId5">
+            <a:extLst>
+              <a:ext uri="{28A0092B-C50C-407E-A947-70E740481C1C}">
+                <a14:useLocalDpi xmlns:a14="http://schemas.microsoft.com/office/drawing/2010/main" val="0"/>
+              </a:ext>
+            </a:extLst>
+          </a:blip>
+          <a:srcRect/>
+          <a:stretch>
+            <a:fillRect/>
+          </a:stretch>
+        </p:blipFill>
+        <p:spPr bwMode="auto">
+          <a:xfrm>
+            <a:off x="4178300" y="3124200"/>
+            <a:ext cx="4762500" cy="1162050"/>
+          </a:xfrm>
+          <a:prstGeom prst="rect">
+            <a:avLst/>
+          </a:prstGeom>
+          <a:noFill/>
+          <a:ln>
+            <a:noFill/>
+          </a:ln>
+          <a:effectLst/>
+          <a:extLst>
+            <a:ext uri="{909E8E84-426E-40DD-AFC4-6F175D3DCCD1}">
+              <a14:hiddenFill xmlns:a14="http://schemas.microsoft.com/office/drawing/2010/main">
+                <a:solidFill>
+                  <a:schemeClr val="accent1"/>
+                </a:solidFill>
+              </a14:hiddenFill>
+            </a:ext>
+            <a:ext uri="{91240B29-F687-4F45-9708-019B960494DF}">
+              <a14:hiddenLine xmlns:a14="http://schemas.microsoft.com/office/drawing/2010/main" w="9525">
+                <a:solidFill>
+                  <a:schemeClr val="tx1"/>
+                </a:solidFill>
+                <a:miter lim="800000"/>
+                <a:headEnd/>
+                <a:tailEnd/>
+              </a14:hiddenLine>
+            </a:ext>
+            <a:ext uri="{AF507438-7753-43E0-B8FC-AC1667EBCBE1}">
+              <a14:hiddenEffects xmlns:a14="http://schemas.microsoft.com/office/drawing/2010/main">
+                <a:effectLst>
+                  <a:outerShdw dist="35921" dir="2700000" algn="ctr" rotWithShape="0">
+                    <a:schemeClr val="bg2"/>
+                  </a:outerShdw>
+                </a:effectLst>
+              </a14:hiddenEffects>
+            </a:ext>
+          </a:extLst>
+        </p:spPr>
+      </p:pic>
+    </p:spTree>
+    <p:extLst>
+      <p:ext uri="{BB962C8B-B14F-4D97-AF65-F5344CB8AC3E}">
+        <p14:creationId xmlns:p14="http://schemas.microsoft.com/office/powerpoint/2010/main" val="2850030855"/>
+      </p:ext>
+    </p:extLst>
+  </p:cSld>
+  <p:clrMapOvr>
+    <a:masterClrMapping/>
+  </p:clrMapOvr>
+  <p:timing>
+    <p:tnLst>
+      <p:par>
+        <p:cTn id="1" dur="indefinite" restart="never" nodeType="tmRoot"/>
+      </p:par>
+    </p:tnLst>
+  </p:timing>
+</p:sld>
+</file>
+
+<file path=ppt/slides/slide6.xml><?xml version="1.0" encoding="utf-8"?>
+<p:sld xmlns:a="http://schemas.openxmlformats.org/drawingml/2006/main" xmlns:r="http://schemas.openxmlformats.org/officeDocument/2006/relationships" xmlns:p="http://schemas.openxmlformats.org/presentationml/2006/main">
+  <p:cSld>
+    <p:spTree>
+      <p:nvGrpSpPr>
+        <p:cNvPr id="1" name=""/>
+        <p:cNvGrpSpPr/>
+        <p:nvPr/>
+      </p:nvGrpSpPr>
+      <p:grpSpPr>
+        <a:xfrm>
+          <a:off x="0" y="0"/>
+          <a:ext cx="0" cy="0"/>
+          <a:chOff x="0" y="0"/>
+          <a:chExt cx="0" cy="0"/>
+        </a:xfrm>
+      </p:grpSpPr>
+      <p:sp>
+        <p:nvSpPr>
+          <p:cNvPr id="2" name="Title 1"/>
+          <p:cNvSpPr>
+            <a:spLocks noGrp="1"/>
+          </p:cNvSpPr>
+          <p:nvPr>
+            <p:ph type="title"/>
+          </p:nvPr>
+        </p:nvSpPr>
+        <p:spPr/>
+        <p:txBody>
+          <a:bodyPr/>
+          <a:lstStyle/>
+          <a:p>
+            <a:r>
+              <a:rPr lang="en-US" dirty="0" smtClean="0"/>
+              <a:t>Attribute Transformations</a:t>
+            </a:r>
+            <a:endParaRPr lang="en-US" dirty="0"/>
+          </a:p>
+        </p:txBody>
+      </p:sp>
+      <p:sp>
+        <p:nvSpPr>
+          <p:cNvPr id="3" name="Content Placeholder 2"/>
+          <p:cNvSpPr>
+            <a:spLocks noGrp="1"/>
+          </p:cNvSpPr>
+          <p:nvPr>
+            <p:ph idx="1"/>
+          </p:nvPr>
+        </p:nvSpPr>
+        <p:spPr>
+          <a:xfrm>
+            <a:off x="457200" y="1775191"/>
+            <a:ext cx="4495800" cy="4625609"/>
+          </a:xfrm>
+        </p:spPr>
+        <p:txBody>
+          <a:bodyPr>
+            <a:normAutofit/>
+          </a:bodyPr>
+          <a:lstStyle/>
+          <a:p>
+            <a:r>
+              <a:rPr lang="en-US" dirty="0" smtClean="0"/>
+              <a:t>Pose</a:t>
+            </a:r>
+          </a:p>
+          <a:p>
+            <a:pPr lvl="1"/>
+            <a:r>
+              <a:rPr lang="en-US" sz="1800" dirty="0" smtClean="0"/>
+              <a:t>PCA based 2D shape model</a:t>
+            </a:r>
+          </a:p>
+          <a:p>
+            <a:pPr lvl="1"/>
+            <a:r>
+              <a:rPr lang="en-US" sz="1800" dirty="0" smtClean="0"/>
+              <a:t>GAN based 3D models</a:t>
+            </a:r>
+          </a:p>
+          <a:p>
+            <a:pPr lvl="2"/>
+            <a:r>
+              <a:rPr lang="en-US" sz="1400" dirty="0" smtClean="0"/>
+              <a:t>UV-GAN</a:t>
+            </a:r>
+          </a:p>
+          <a:p>
+            <a:pPr lvl="2"/>
+            <a:r>
+              <a:rPr lang="en-US" sz="1400" dirty="0" smtClean="0"/>
+              <a:t>CAPG-GAN</a:t>
+            </a:r>
+          </a:p>
+          <a:p>
+            <a:pPr lvl="2"/>
+            <a:r>
+              <a:rPr lang="en-US" sz="1400" dirty="0" smtClean="0"/>
+              <a:t>Others</a:t>
+            </a:r>
+            <a:endParaRPr lang="en-US" dirty="0"/>
+          </a:p>
+          <a:p>
+            <a:r>
+              <a:rPr lang="en-US" dirty="0" smtClean="0"/>
+              <a:t>Expression</a:t>
+            </a:r>
+          </a:p>
+          <a:p>
+            <a:pPr lvl="1"/>
+            <a:r>
+              <a:rPr lang="en-US" sz="1800" dirty="0" smtClean="0"/>
+              <a:t>4 Primary GAN categories</a:t>
+            </a:r>
+            <a:endParaRPr lang="en-US" dirty="0"/>
+          </a:p>
+          <a:p>
+            <a:r>
+              <a:rPr lang="en-US" dirty="0" smtClean="0"/>
+              <a:t>Age</a:t>
+            </a:r>
+          </a:p>
+          <a:p>
+            <a:pPr lvl="1"/>
+            <a:r>
+              <a:rPr lang="en-US" sz="1900" dirty="0" smtClean="0"/>
+              <a:t>Input encoded into latent vectors</a:t>
+            </a:r>
+          </a:p>
+          <a:p>
+            <a:pPr lvl="1"/>
+            <a:r>
+              <a:rPr lang="en-US" sz="1900" dirty="0" smtClean="0"/>
+              <a:t>Reconstructed with different age</a:t>
+            </a:r>
+            <a:endParaRPr lang="en-US" sz="1900" dirty="0"/>
+          </a:p>
+        </p:txBody>
+      </p:sp>
+      <p:pic>
+        <p:nvPicPr>
+          <p:cNvPr id="7170" name="Picture 2"/>
+          <p:cNvPicPr>
+            <a:picLocks noChangeAspect="1" noChangeArrowheads="1"/>
+          </p:cNvPicPr>
+          <p:nvPr/>
+        </p:nvPicPr>
+        <p:blipFill>
+          <a:blip r:embed="rId3">
+            <a:extLst>
+              <a:ext uri="{28A0092B-C50C-407E-A947-70E740481C1C}">
+                <a14:useLocalDpi xmlns:a14="http://schemas.microsoft.com/office/drawing/2010/main" val="0"/>
+              </a:ext>
+            </a:extLst>
+          </a:blip>
+          <a:srcRect/>
+          <a:stretch>
+            <a:fillRect/>
+          </a:stretch>
+        </p:blipFill>
+        <p:spPr bwMode="auto">
+          <a:xfrm>
+            <a:off x="4830602" y="1752601"/>
+            <a:ext cx="3676650" cy="1905000"/>
+          </a:xfrm>
+          <a:prstGeom prst="rect">
+            <a:avLst/>
+          </a:prstGeom>
+          <a:noFill/>
+          <a:ln>
+            <a:noFill/>
+          </a:ln>
+          <a:effectLst/>
+          <a:extLst>
+            <a:ext uri="{909E8E84-426E-40DD-AFC4-6F175D3DCCD1}">
+              <a14:hiddenFill xmlns:a14="http://schemas.microsoft.com/office/drawing/2010/main">
+                <a:solidFill>
+                  <a:schemeClr val="accent1"/>
+                </a:solidFill>
+              </a14:hiddenFill>
+            </a:ext>
+            <a:ext uri="{91240B29-F687-4F45-9708-019B960494DF}">
+              <a14:hiddenLine xmlns:a14="http://schemas.microsoft.com/office/drawing/2010/main" w="9525">
+                <a:solidFill>
+                  <a:schemeClr val="tx1"/>
+                </a:solidFill>
+                <a:miter lim="800000"/>
+                <a:headEnd/>
+                <a:tailEnd/>
+              </a14:hiddenLine>
+            </a:ext>
+            <a:ext uri="{AF507438-7753-43E0-B8FC-AC1667EBCBE1}">
+              <a14:hiddenEffects xmlns:a14="http://schemas.microsoft.com/office/drawing/2010/main">
+                <a:effectLst>
+                  <a:outerShdw dist="35921" dir="2700000" algn="ctr" rotWithShape="0">
+                    <a:schemeClr val="bg2"/>
+                  </a:outerShdw>
+                </a:effectLst>
+              </a14:hiddenEffects>
+            </a:ext>
+          </a:extLst>
+        </p:spPr>
+      </p:pic>
+      <p:pic>
+        <p:nvPicPr>
+          <p:cNvPr id="7171" name="Picture 3"/>
+          <p:cNvPicPr>
+            <a:picLocks noChangeAspect="1" noChangeArrowheads="1"/>
+          </p:cNvPicPr>
+          <p:nvPr/>
+        </p:nvPicPr>
+        <p:blipFill rotWithShape="1">
+          <a:blip r:embed="rId4">
+            <a:extLst>
+              <a:ext uri="{28A0092B-C50C-407E-A947-70E740481C1C}">
+                <a14:useLocalDpi xmlns:a14="http://schemas.microsoft.com/office/drawing/2010/main" val="0"/>
+              </a:ext>
+            </a:extLst>
+          </a:blip>
+          <a:srcRect b="65720"/>
+          <a:stretch/>
+        </p:blipFill>
+        <p:spPr bwMode="auto">
+          <a:xfrm>
+            <a:off x="4830602" y="3962400"/>
+            <a:ext cx="3751423" cy="761999"/>
+          </a:xfrm>
+          <a:prstGeom prst="rect">
+            <a:avLst/>
+          </a:prstGeom>
+          <a:noFill/>
+          <a:ln>
+            <a:noFill/>
+          </a:ln>
+          <a:effectLst/>
+          <a:extLst>
+            <a:ext uri="{909E8E84-426E-40DD-AFC4-6F175D3DCCD1}">
+              <a14:hiddenFill xmlns:a14="http://schemas.microsoft.com/office/drawing/2010/main">
+                <a:solidFill>
+                  <a:schemeClr val="accent1"/>
+                </a:solidFill>
+              </a14:hiddenFill>
+            </a:ext>
+            <a:ext uri="{91240B29-F687-4F45-9708-019B960494DF}">
+              <a14:hiddenLine xmlns:a14="http://schemas.microsoft.com/office/drawing/2010/main" w="9525">
+                <a:solidFill>
+                  <a:schemeClr val="tx1"/>
+                </a:solidFill>
+                <a:miter lim="800000"/>
+                <a:headEnd/>
+                <a:tailEnd/>
+              </a14:hiddenLine>
+            </a:ext>
+            <a:ext uri="{AF507438-7753-43E0-B8FC-AC1667EBCBE1}">
+              <a14:hiddenEffects xmlns:a14="http://schemas.microsoft.com/office/drawing/2010/main">
+                <a:effectLst>
+                  <a:outerShdw dist="35921" dir="2700000" algn="ctr" rotWithShape="0">
+                    <a:schemeClr val="bg2"/>
+                  </a:outerShdw>
+                </a:effectLst>
+              </a14:hiddenEffects>
+            </a:ext>
+          </a:extLst>
+        </p:spPr>
+      </p:pic>
+    </p:spTree>
+    <p:extLst>
+      <p:ext uri="{BB962C8B-B14F-4D97-AF65-F5344CB8AC3E}">
+        <p14:creationId xmlns:p14="http://schemas.microsoft.com/office/powerpoint/2010/main" val="3796106422"/>
+      </p:ext>
+    </p:extLst>
+  </p:cSld>
+  <p:clrMapOvr>
+    <a:masterClrMapping/>
+  </p:clrMapOvr>
+  <p:timing>
+    <p:tnLst>
+      <p:par>
+        <p:cTn id="1" dur="indefinite" restart="never" nodeType="tmRoot"/>
+      </p:par>
+    </p:tnLst>
+  </p:timing>
+</p:sld>
+</file>
+
+<file path=ppt/slides/slide7.xml><?xml version="1.0" encoding="utf-8"?>
+<p:sld xmlns:a="http://schemas.openxmlformats.org/drawingml/2006/main" xmlns:r="http://schemas.openxmlformats.org/officeDocument/2006/relationships" xmlns:p="http://schemas.openxmlformats.org/presentationml/2006/main">
+  <p:cSld>
+    <p:spTree>
+      <p:nvGrpSpPr>
+        <p:cNvPr id="1" name=""/>
+        <p:cNvGrpSpPr/>
+        <p:nvPr/>
+      </p:nvGrpSpPr>
+      <p:grpSpPr>
+        <a:xfrm>
+          <a:off x="0" y="0"/>
+          <a:ext cx="0" cy="0"/>
+          <a:chOff x="0" y="0"/>
+          <a:chExt cx="0" cy="0"/>
+        </a:xfrm>
+      </p:grpSpPr>
+      <p:sp>
+        <p:nvSpPr>
+          <p:cNvPr id="2" name="Title 1"/>
+          <p:cNvSpPr>
+            <a:spLocks noGrp="1"/>
+          </p:cNvSpPr>
+          <p:nvPr>
+            <p:ph type="title"/>
+          </p:nvPr>
+        </p:nvSpPr>
+        <p:spPr/>
+        <p:txBody>
+          <a:bodyPr/>
+          <a:lstStyle/>
+          <a:p>
+            <a:r>
+              <a:rPr lang="en-US" dirty="0" smtClean="0"/>
+              <a:t>Transformation Methods</a:t>
+            </a:r>
+            <a:endParaRPr lang="en-US" dirty="0"/>
+          </a:p>
+        </p:txBody>
+      </p:sp>
+      <p:sp>
+        <p:nvSpPr>
+          <p:cNvPr id="4" name="Content Placeholder 3"/>
+          <p:cNvSpPr>
+            <a:spLocks noGrp="1"/>
+          </p:cNvSpPr>
+          <p:nvPr>
+            <p:ph idx="1"/>
+          </p:nvPr>
+        </p:nvSpPr>
+        <p:spPr>
+          <a:xfrm>
+            <a:off x="457200" y="1775191"/>
+            <a:ext cx="5486400" cy="4625609"/>
+          </a:xfrm>
+        </p:spPr>
+        <p:txBody>
+          <a:bodyPr/>
+          <a:lstStyle/>
+          <a:p>
+            <a:r>
+              <a:rPr lang="en-US" dirty="0" smtClean="0"/>
+              <a:t>Basic Image Processing</a:t>
+            </a:r>
+          </a:p>
+          <a:p>
+            <a:pPr lvl="1"/>
+            <a:r>
+              <a:rPr lang="en-US" sz="1800" dirty="0" smtClean="0"/>
+              <a:t>Transformations and playing with RGB channels</a:t>
+            </a:r>
+          </a:p>
+          <a:p>
+            <a:r>
+              <a:rPr lang="en-US" dirty="0" smtClean="0"/>
+              <a:t>Model-based Transformation</a:t>
+            </a:r>
+          </a:p>
+          <a:p>
+            <a:pPr lvl="1"/>
+            <a:r>
+              <a:rPr lang="en-US" sz="1800" dirty="0" smtClean="0"/>
+              <a:t>Fit existing model to input image</a:t>
+            </a:r>
+          </a:p>
+          <a:p>
+            <a:r>
+              <a:rPr lang="en-US" dirty="0" smtClean="0"/>
+              <a:t>Realism Enhancement</a:t>
+            </a:r>
+          </a:p>
+          <a:p>
+            <a:r>
+              <a:rPr lang="en-US" dirty="0" smtClean="0"/>
+              <a:t>Generative-based Transformation</a:t>
+            </a:r>
+          </a:p>
+          <a:p>
+            <a:r>
+              <a:rPr lang="en-US" dirty="0" smtClean="0"/>
+              <a:t>Augmented Reality</a:t>
+            </a:r>
+          </a:p>
+          <a:p>
+            <a:r>
+              <a:rPr lang="en-US" dirty="0" smtClean="0"/>
+              <a:t>Auto Augmentation</a:t>
+            </a:r>
+            <a:endParaRPr lang="en-US" dirty="0"/>
+          </a:p>
+        </p:txBody>
+      </p:sp>
+      <p:pic>
+        <p:nvPicPr>
+          <p:cNvPr id="4099" name="Picture 3"/>
+          <p:cNvPicPr>
+            <a:picLocks noChangeAspect="1" noChangeArrowheads="1"/>
+          </p:cNvPicPr>
+          <p:nvPr/>
+        </p:nvPicPr>
+        <p:blipFill>
+          <a:blip r:embed="rId3" cstate="print">
+            <a:extLst>
+              <a:ext uri="{28A0092B-C50C-407E-A947-70E740481C1C}">
+                <a14:useLocalDpi xmlns:a14="http://schemas.microsoft.com/office/drawing/2010/main" val="0"/>
+              </a:ext>
+            </a:extLst>
+          </a:blip>
+          <a:srcRect/>
+          <a:stretch>
+            <a:fillRect/>
+          </a:stretch>
+        </p:blipFill>
+        <p:spPr bwMode="auto">
+          <a:xfrm>
+            <a:off x="5867400" y="2410563"/>
+            <a:ext cx="2971800" cy="1323237"/>
+          </a:xfrm>
+          <a:prstGeom prst="rect">
+            <a:avLst/>
+          </a:prstGeom>
+          <a:noFill/>
+          <a:ln>
+            <a:noFill/>
+          </a:ln>
+          <a:effectLst/>
+          <a:extLst>
+            <a:ext uri="{909E8E84-426E-40DD-AFC4-6F175D3DCCD1}">
+              <a14:hiddenFill xmlns:a14="http://schemas.microsoft.com/office/drawing/2010/main">
+                <a:solidFill>
+                  <a:schemeClr val="accent1"/>
+                </a:solidFill>
+              </a14:hiddenFill>
+            </a:ext>
+            <a:ext uri="{91240B29-F687-4F45-9708-019B960494DF}">
+              <a14:hiddenLine xmlns:a14="http://schemas.microsoft.com/office/drawing/2010/main" w="9525">
+                <a:solidFill>
+                  <a:schemeClr val="tx1"/>
+                </a:solidFill>
+                <a:miter lim="800000"/>
+                <a:headEnd/>
+                <a:tailEnd/>
+              </a14:hiddenLine>
+            </a:ext>
+            <a:ext uri="{AF507438-7753-43E0-B8FC-AC1667EBCBE1}">
+              <a14:hiddenEffects xmlns:a14="http://schemas.microsoft.com/office/drawing/2010/main">
+                <a:effectLst>
+                  <a:outerShdw dist="35921" dir="2700000" algn="ctr" rotWithShape="0">
+                    <a:schemeClr val="bg2"/>
+                  </a:outerShdw>
+                </a:effectLst>
+              </a14:hiddenEffects>
+            </a:ext>
+          </a:extLst>
+        </p:spPr>
+      </p:pic>
+      <p:pic>
+        <p:nvPicPr>
+          <p:cNvPr id="8" name="Picture 4"/>
+          <p:cNvPicPr>
+            <a:picLocks noChangeAspect="1" noChangeArrowheads="1"/>
+          </p:cNvPicPr>
+          <p:nvPr/>
+        </p:nvPicPr>
+        <p:blipFill>
+          <a:blip r:embed="rId4" cstate="print">
+            <a:extLst>
+              <a:ext uri="{28A0092B-C50C-407E-A947-70E740481C1C}">
+                <a14:useLocalDpi xmlns:a14="http://schemas.microsoft.com/office/drawing/2010/main" val="0"/>
+              </a:ext>
+            </a:extLst>
+          </a:blip>
+          <a:srcRect/>
+          <a:stretch>
+            <a:fillRect/>
+          </a:stretch>
+        </p:blipFill>
+        <p:spPr bwMode="auto">
+          <a:xfrm>
+            <a:off x="5699976" y="3962400"/>
+            <a:ext cx="3367824" cy="2813172"/>
+          </a:xfrm>
+          <a:prstGeom prst="rect">
+            <a:avLst/>
+          </a:prstGeom>
+          <a:noFill/>
+          <a:ln>
+            <a:noFill/>
+          </a:ln>
+          <a:effectLst/>
+          <a:extLst>
+            <a:ext uri="{909E8E84-426E-40DD-AFC4-6F175D3DCCD1}">
+              <a14:hiddenFill xmlns:a14="http://schemas.microsoft.com/office/drawing/2010/main">
+                <a:solidFill>
+                  <a:schemeClr val="accent1"/>
+                </a:solidFill>
+              </a14:hiddenFill>
+            </a:ext>
+            <a:ext uri="{91240B29-F687-4F45-9708-019B960494DF}">
+              <a14:hiddenLine xmlns:a14="http://schemas.microsoft.com/office/drawing/2010/main" w="9525">
+                <a:solidFill>
+                  <a:schemeClr val="tx1"/>
+                </a:solidFill>
+                <a:miter lim="800000"/>
+                <a:headEnd/>
+                <a:tailEnd/>
+              </a14:hiddenLine>
+            </a:ext>
+            <a:ext uri="{AF507438-7753-43E0-B8FC-AC1667EBCBE1}">
+              <a14:hiddenEffects xmlns:a14="http://schemas.microsoft.com/office/drawing/2010/main">
+                <a:effectLst>
+                  <a:outerShdw dist="35921" dir="2700000" algn="ctr" rotWithShape="0">
+                    <a:schemeClr val="bg2"/>
+                  </a:outerShdw>
+                </a:effectLst>
+              </a14:hiddenEffects>
+            </a:ext>
+          </a:extLst>
+        </p:spPr>
+      </p:pic>
+    </p:spTree>
+    <p:extLst>
+      <p:ext uri="{BB962C8B-B14F-4D97-AF65-F5344CB8AC3E}">
+        <p14:creationId xmlns:p14="http://schemas.microsoft.com/office/powerpoint/2010/main" val="948954183"/>
+      </p:ext>
+    </p:extLst>
+  </p:cSld>
+  <p:clrMapOvr>
+    <a:masterClrMapping/>
+  </p:clrMapOvr>
+  <p:timing>
+    <p:tnLst>
+      <p:par>
+        <p:cTn id="1" dur="indefinite" restart="never" nodeType="tmRoot"/>
+      </p:par>
+    </p:tnLst>
+  </p:timing>
+</p:sld>
+</file>
+
+<file path=ppt/slides/slide8.xml><?xml version="1.0" encoding="utf-8"?>
+<p:sld xmlns:a="http://schemas.openxmlformats.org/drawingml/2006/main" xmlns:r="http://schemas.openxmlformats.org/officeDocument/2006/relationships" xmlns:p="http://schemas.openxmlformats.org/presentationml/2006/main">
+  <p:cSld>
+    <p:spTree>
+      <p:nvGrpSpPr>
+        <p:cNvPr id="1" name=""/>
+        <p:cNvGrpSpPr/>
+        <p:nvPr/>
+      </p:nvGrpSpPr>
+      <p:grpSpPr>
+        <a:xfrm>
+          <a:off x="0" y="0"/>
+          <a:ext cx="0" cy="0"/>
+          <a:chOff x="0" y="0"/>
+          <a:chExt cx="0" cy="0"/>
+        </a:xfrm>
+      </p:grpSpPr>
+      <p:sp>
+        <p:nvSpPr>
+          <p:cNvPr id="2" name="Title 1"/>
+          <p:cNvSpPr>
+            <a:spLocks noGrp="1"/>
+          </p:cNvSpPr>
+          <p:nvPr>
+            <p:ph type="title"/>
+          </p:nvPr>
+        </p:nvSpPr>
+        <p:spPr/>
+        <p:txBody>
+          <a:bodyPr/>
+          <a:lstStyle/>
+          <a:p>
+            <a:r>
+              <a:rPr lang="en-US" dirty="0" smtClean="0"/>
+              <a:t>Generative Transformation</a:t>
+            </a:r>
+            <a:endParaRPr lang="en-US" dirty="0"/>
+          </a:p>
+        </p:txBody>
+      </p:sp>
+      <p:sp>
+        <p:nvSpPr>
+          <p:cNvPr id="3" name="Content Placeholder 2"/>
+          <p:cNvSpPr>
+            <a:spLocks noGrp="1"/>
+          </p:cNvSpPr>
+          <p:nvPr>
+            <p:ph idx="1"/>
+          </p:nvPr>
+        </p:nvSpPr>
+        <p:spPr>
+          <a:xfrm>
+            <a:off x="304800" y="1752600"/>
+            <a:ext cx="4533900" cy="4625609"/>
+          </a:xfrm>
+        </p:spPr>
+        <p:txBody>
+          <a:bodyPr/>
+          <a:lstStyle/>
+          <a:p>
+            <a:r>
+              <a:rPr lang="en-US" dirty="0" smtClean="0"/>
+              <a:t>Autoregressive Generative Models</a:t>
+            </a:r>
+          </a:p>
+          <a:p>
+            <a:r>
+              <a:rPr lang="en-US" dirty="0" err="1" smtClean="0"/>
+              <a:t>Variational</a:t>
+            </a:r>
+            <a:r>
+              <a:rPr lang="en-US" dirty="0" smtClean="0"/>
+              <a:t> </a:t>
+            </a:r>
+            <a:r>
+              <a:rPr lang="en-US" dirty="0" err="1" smtClean="0"/>
+              <a:t>Autoencoders</a:t>
+            </a:r>
+            <a:endParaRPr lang="en-US" dirty="0" smtClean="0"/>
+          </a:p>
+          <a:p>
+            <a:r>
+              <a:rPr lang="en-US" dirty="0" smtClean="0"/>
+              <a:t>GANs</a:t>
+            </a:r>
+          </a:p>
+          <a:p>
+            <a:r>
+              <a:rPr lang="en-US" dirty="0" smtClean="0"/>
+              <a:t>Flow Based Generative Models</a:t>
+            </a:r>
+          </a:p>
+          <a:p>
+            <a:endParaRPr lang="en-US" dirty="0" smtClean="0"/>
+          </a:p>
+        </p:txBody>
+      </p:sp>
+      <p:pic>
+        <p:nvPicPr>
+          <p:cNvPr id="8195" name="Picture 3"/>
+          <p:cNvPicPr>
+            <a:picLocks noChangeAspect="1" noChangeArrowheads="1"/>
+          </p:cNvPicPr>
+          <p:nvPr/>
+        </p:nvPicPr>
+        <p:blipFill>
+          <a:blip r:embed="rId3" cstate="print">
+            <a:extLst>
+              <a:ext uri="{28A0092B-C50C-407E-A947-70E740481C1C}">
+                <a14:useLocalDpi xmlns:a14="http://schemas.microsoft.com/office/drawing/2010/main" val="0"/>
+              </a:ext>
+            </a:extLst>
+          </a:blip>
+          <a:srcRect/>
+          <a:stretch>
+            <a:fillRect/>
+          </a:stretch>
+        </p:blipFill>
+        <p:spPr bwMode="auto">
+          <a:xfrm>
+            <a:off x="4838700" y="1653218"/>
+            <a:ext cx="4114800" cy="1394782"/>
+          </a:xfrm>
+          <a:prstGeom prst="rect">
+            <a:avLst/>
+          </a:prstGeom>
+          <a:noFill/>
+          <a:ln>
+            <a:noFill/>
+          </a:ln>
+          <a:effectLst/>
+          <a:extLst>
+            <a:ext uri="{909E8E84-426E-40DD-AFC4-6F175D3DCCD1}">
+              <a14:hiddenFill xmlns:a14="http://schemas.microsoft.com/office/drawing/2010/main">
+                <a:solidFill>
+                  <a:schemeClr val="accent1"/>
+                </a:solidFill>
+              </a14:hiddenFill>
+            </a:ext>
+            <a:ext uri="{91240B29-F687-4F45-9708-019B960494DF}">
+              <a14:hiddenLine xmlns:a14="http://schemas.microsoft.com/office/drawing/2010/main" w="9525">
+                <a:solidFill>
+                  <a:schemeClr val="tx1"/>
+                </a:solidFill>
+                <a:miter lim="800000"/>
+                <a:headEnd/>
+                <a:tailEnd/>
+              </a14:hiddenLine>
+            </a:ext>
+            <a:ext uri="{AF507438-7753-43E0-B8FC-AC1667EBCBE1}">
+              <a14:hiddenEffects xmlns:a14="http://schemas.microsoft.com/office/drawing/2010/main">
+                <a:effectLst>
+                  <a:outerShdw dist="35921" dir="2700000" algn="ctr" rotWithShape="0">
+                    <a:schemeClr val="bg2"/>
+                  </a:outerShdw>
+                </a:effectLst>
+              </a14:hiddenEffects>
+            </a:ext>
+          </a:extLst>
+        </p:spPr>
+      </p:pic>
+      <p:pic>
+        <p:nvPicPr>
+          <p:cNvPr id="7" name="Picture 4"/>
+          <p:cNvPicPr>
+            <a:picLocks noChangeAspect="1" noChangeArrowheads="1"/>
+          </p:cNvPicPr>
+          <p:nvPr/>
+        </p:nvPicPr>
+        <p:blipFill>
+          <a:blip r:embed="rId4">
+            <a:extLst>
+              <a:ext uri="{28A0092B-C50C-407E-A947-70E740481C1C}">
+                <a14:useLocalDpi xmlns:a14="http://schemas.microsoft.com/office/drawing/2010/main" val="0"/>
+              </a:ext>
+            </a:extLst>
+          </a:blip>
+          <a:srcRect/>
+          <a:stretch>
+            <a:fillRect/>
+          </a:stretch>
+        </p:blipFill>
+        <p:spPr bwMode="auto">
+          <a:xfrm>
+            <a:off x="4695989" y="3394667"/>
+            <a:ext cx="4448011" cy="2929933"/>
+          </a:xfrm>
+          <a:prstGeom prst="rect">
+            <a:avLst/>
+          </a:prstGeom>
+          <a:noFill/>
+          <a:ln>
+            <a:noFill/>
+          </a:ln>
+          <a:effectLst/>
+          <a:extLst>
+            <a:ext uri="{909E8E84-426E-40DD-AFC4-6F175D3DCCD1}">
+              <a14:hiddenFill xmlns:a14="http://schemas.microsoft.com/office/drawing/2010/main">
+                <a:solidFill>
+                  <a:schemeClr val="accent1"/>
+                </a:solidFill>
+              </a14:hiddenFill>
+            </a:ext>
+            <a:ext uri="{91240B29-F687-4F45-9708-019B960494DF}">
+              <a14:hiddenLine xmlns:a14="http://schemas.microsoft.com/office/drawing/2010/main" w="9525">
+                <a:solidFill>
+                  <a:schemeClr val="tx1"/>
+                </a:solidFill>
+                <a:miter lim="800000"/>
+                <a:headEnd/>
+                <a:tailEnd/>
+              </a14:hiddenLine>
+            </a:ext>
+            <a:ext uri="{AF507438-7753-43E0-B8FC-AC1667EBCBE1}">
+              <a14:hiddenEffects xmlns:a14="http://schemas.microsoft.com/office/drawing/2010/main">
+                <a:effectLst>
+                  <a:outerShdw dist="35921" dir="2700000" algn="ctr" rotWithShape="0">
+                    <a:schemeClr val="bg2"/>
+                  </a:outerShdw>
+                </a:effectLst>
+              </a14:hiddenEffects>
+            </a:ext>
+          </a:extLst>
+        </p:spPr>
+      </p:pic>
+    </p:spTree>
+    <p:extLst>
+      <p:ext uri="{BB962C8B-B14F-4D97-AF65-F5344CB8AC3E}">
+        <p14:creationId xmlns:p14="http://schemas.microsoft.com/office/powerpoint/2010/main" val="2972300058"/>
       </p:ext>
     </p:extLst>
   </p:cSld>
@@ -4204,10 +7220,158 @@
 </p:sld>
 </file>
 
+<file path=ppt/slides/slide9.xml><?xml version="1.0" encoding="utf-8"?>
+<p:sld xmlns:a="http://schemas.openxmlformats.org/drawingml/2006/main" xmlns:r="http://schemas.openxmlformats.org/officeDocument/2006/relationships" xmlns:p="http://schemas.openxmlformats.org/presentationml/2006/main">
+  <p:cSld>
+    <p:spTree>
+      <p:nvGrpSpPr>
+        <p:cNvPr id="1" name=""/>
+        <p:cNvGrpSpPr/>
+        <p:nvPr/>
+      </p:nvGrpSpPr>
+      <p:grpSpPr>
+        <a:xfrm>
+          <a:off x="0" y="0"/>
+          <a:ext cx="0" cy="0"/>
+          <a:chOff x="0" y="0"/>
+          <a:chExt cx="0" cy="0"/>
+        </a:xfrm>
+      </p:grpSpPr>
+      <p:sp>
+        <p:nvSpPr>
+          <p:cNvPr id="2" name="Title 1"/>
+          <p:cNvSpPr>
+            <a:spLocks noGrp="1"/>
+          </p:cNvSpPr>
+          <p:nvPr>
+            <p:ph type="title"/>
+          </p:nvPr>
+        </p:nvSpPr>
+        <p:spPr/>
+        <p:txBody>
+          <a:bodyPr/>
+          <a:lstStyle/>
+          <a:p>
+            <a:r>
+              <a:rPr lang="en-US" dirty="0" smtClean="0"/>
+              <a:t>Evaluation Metrics</a:t>
+            </a:r>
+            <a:endParaRPr lang="en-US" dirty="0"/>
+          </a:p>
+        </p:txBody>
+      </p:sp>
+      <p:sp>
+        <p:nvSpPr>
+          <p:cNvPr id="3" name="Content Placeholder 2"/>
+          <p:cNvSpPr>
+            <a:spLocks noGrp="1"/>
+          </p:cNvSpPr>
+          <p:nvPr>
+            <p:ph idx="1"/>
+          </p:nvPr>
+        </p:nvSpPr>
+        <p:spPr/>
+        <p:txBody>
+          <a:bodyPr/>
+          <a:lstStyle/>
+          <a:p>
+            <a:r>
+              <a:rPr lang="en-US" dirty="0" smtClean="0"/>
+              <a:t>Qualitative</a:t>
+            </a:r>
+          </a:p>
+          <a:p>
+            <a:r>
+              <a:rPr lang="en-US" dirty="0" smtClean="0"/>
+              <a:t>Quantitative</a:t>
+            </a:r>
+          </a:p>
+          <a:p>
+            <a:pPr lvl="1"/>
+            <a:r>
+              <a:rPr lang="en-US" dirty="0" smtClean="0"/>
+              <a:t>Distance Measurement</a:t>
+            </a:r>
+          </a:p>
+          <a:p>
+            <a:pPr lvl="2"/>
+            <a:r>
+              <a:rPr lang="en-US" sz="1800" dirty="0" smtClean="0"/>
+              <a:t>L1 and L2 norm for color and spatial distance</a:t>
+            </a:r>
+          </a:p>
+          <a:p>
+            <a:pPr lvl="1"/>
+            <a:r>
+              <a:rPr lang="en-US" dirty="0" smtClean="0"/>
+              <a:t>Accuracy and Error Rate</a:t>
+            </a:r>
+          </a:p>
+          <a:p>
+            <a:pPr lvl="2"/>
+            <a:r>
+              <a:rPr lang="en-US" sz="1800" dirty="0" smtClean="0"/>
+              <a:t>Require balanced dataset</a:t>
+            </a:r>
+          </a:p>
+          <a:p>
+            <a:pPr lvl="1"/>
+            <a:r>
+              <a:rPr lang="en-US" dirty="0" smtClean="0"/>
+              <a:t>Inception Score</a:t>
+            </a:r>
+          </a:p>
+          <a:p>
+            <a:pPr lvl="2"/>
+            <a:r>
+              <a:rPr lang="en-US" sz="1800" dirty="0" smtClean="0"/>
+              <a:t>Relative entropy of two probability distributions</a:t>
+            </a:r>
+          </a:p>
+          <a:p>
+            <a:pPr lvl="1"/>
+            <a:r>
+              <a:rPr lang="en-US" dirty="0" err="1" smtClean="0"/>
+              <a:t>Frechet</a:t>
+            </a:r>
+            <a:r>
+              <a:rPr lang="en-US" dirty="0" smtClean="0"/>
+              <a:t> Inception Distance</a:t>
+            </a:r>
+          </a:p>
+          <a:p>
+            <a:pPr lvl="2"/>
+            <a:r>
+              <a:rPr lang="en-US" sz="1800" dirty="0" smtClean="0"/>
+              <a:t>Between multivariate Gaussian distributions of real and generated</a:t>
+            </a:r>
+          </a:p>
+        </p:txBody>
+      </p:sp>
+    </p:spTree>
+    <p:extLst>
+      <p:ext uri="{BB962C8B-B14F-4D97-AF65-F5344CB8AC3E}">
+        <p14:creationId xmlns:p14="http://schemas.microsoft.com/office/powerpoint/2010/main" val="1221493043"/>
+      </p:ext>
+    </p:extLst>
+  </p:cSld>
+  <p:clrMapOvr>
+    <a:masterClrMapping/>
+  </p:clrMapOvr>
+  <p:timing>
+    <p:tnLst>
+      <p:par>
+        <p:cTn id="1" dur="indefinite" restart="never" nodeType="tmRoot"/>
+      </p:par>
+    </p:tnLst>
+  </p:timing>
+</p:sld>
+</file>
+
 <file path=ppt/theme/theme1.xml><?xml version="1.0" encoding="utf-8"?>
-<a:theme xmlns:a="http://schemas.openxmlformats.org/drawingml/2006/main" name="Office Theme">
+<a:theme xmlns:a="http://schemas.openxmlformats.org/drawingml/2006/main" name="Module">
   <a:themeElements>
-    <a:clrScheme name="Office">
+    <a:clrScheme name="Module">
       <a:dk1>
         <a:sysClr val="windowText" lastClr="000000"/>
       </a:dk1>
@@ -4215,52 +7379,52 @@
         <a:sysClr val="window" lastClr="FFFFFF"/>
       </a:lt1>
       <a:dk2>
-        <a:srgbClr val="1F497D"/>
+        <a:srgbClr val="5A6378"/>
       </a:dk2>
       <a:lt2>
-        <a:srgbClr val="EEECE1"/>
+        <a:srgbClr val="D4D4D6"/>
       </a:lt2>
       <a:accent1>
-        <a:srgbClr val="4F81BD"/>
+        <a:srgbClr val="F0AD00"/>
       </a:accent1>
       <a:accent2>
-        <a:srgbClr val="C0504D"/>
+        <a:srgbClr val="60B5CC"/>
       </a:accent2>
       <a:accent3>
-        <a:srgbClr val="9BBB59"/>
+        <a:srgbClr val="E66C7D"/>
       </a:accent3>
       <a:accent4>
-        <a:srgbClr val="8064A2"/>
+        <a:srgbClr val="6BB76D"/>
       </a:accent4>
       <a:accent5>
-        <a:srgbClr val="4BACC6"/>
+        <a:srgbClr val="E88651"/>
       </a:accent5>
       <a:accent6>
-        <a:srgbClr val="F79646"/>
+        <a:srgbClr val="C64847"/>
       </a:accent6>
       <a:hlink>
-        <a:srgbClr val="0000FF"/>
+        <a:srgbClr val="168BBA"/>
       </a:hlink>
       <a:folHlink>
-        <a:srgbClr val="800080"/>
+        <a:srgbClr val="680000"/>
       </a:folHlink>
     </a:clrScheme>
-    <a:fontScheme name="Office">
+    <a:fontScheme name="Module">
       <a:majorFont>
-        <a:latin typeface="Calibri"/>
+        <a:latin typeface="Corbel"/>
         <a:ea typeface=""/>
         <a:cs typeface=""/>
-        <a:font script="Jpan" typeface="ＭＳ Ｐゴシック"/>
-        <a:font script="Hang" typeface="맑은 고딕"/>
-        <a:font script="Hans" typeface="宋体"/>
+        <a:font script="Jpan" typeface="HGｺﾞｼｯｸM"/>
+        <a:font script="Hang" typeface="HY엽서L"/>
+        <a:font script="Hans" typeface="华文楷体"/>
         <a:font script="Hant" typeface="新細明體"/>
-        <a:font script="Arab" typeface="Times New Roman"/>
-        <a:font script="Hebr" typeface="Times New Roman"/>
-        <a:font script="Thai" typeface="Angsana New"/>
+        <a:font script="Arab" typeface="Tahoma"/>
+        <a:font script="Hebr" typeface="Miriam"/>
+        <a:font script="Thai" typeface="DilleniaUPC"/>
         <a:font script="Ethi" typeface="Nyala"/>
         <a:font script="Beng" typeface="Vrinda"/>
         <a:font script="Gujr" typeface="Shruti"/>
-        <a:font script="Khmr" typeface="MoolBoran"/>
+        <a:font script="Khmr" typeface="DaunPenh"/>
         <a:font script="Knda" typeface="Tunga"/>
         <a:font script="Guru" typeface="Raavi"/>
         <a:font script="Cans" typeface="Euphemia"/>
@@ -4277,21 +7441,21 @@
         <a:font script="Laoo" typeface="DokChampa"/>
         <a:font script="Sinh" typeface="Iskoola Pota"/>
         <a:font script="Mong" typeface="Mongolian Baiti"/>
-        <a:font script="Viet" typeface="Times New Roman"/>
+        <a:font script="Viet" typeface="Arial"/>
         <a:font script="Uigh" typeface="Microsoft Uighur"/>
         <a:font script="Geor" typeface="Sylfaen"/>
       </a:majorFont>
       <a:minorFont>
-        <a:latin typeface="Calibri"/>
+        <a:latin typeface="Corbel"/>
         <a:ea typeface=""/>
         <a:cs typeface=""/>
-        <a:font script="Jpan" typeface="ＭＳ Ｐゴシック"/>
-        <a:font script="Hang" typeface="맑은 고딕"/>
-        <a:font script="Hans" typeface="宋体"/>
+        <a:font script="Jpan" typeface="HGｺﾞｼｯｸM"/>
+        <a:font script="Hang" typeface="HY엽서L"/>
+        <a:font script="Hans" typeface="华文楷体"/>
         <a:font script="Hant" typeface="新細明體"/>
-        <a:font script="Arab" typeface="Arial"/>
-        <a:font script="Hebr" typeface="Arial"/>
-        <a:font script="Thai" typeface="Cordia New"/>
+        <a:font script="Arab" typeface="Tahoma"/>
+        <a:font script="Hebr" typeface="Miriam"/>
+        <a:font script="Thai" typeface="DilleniaUPC"/>
         <a:font script="Ethi" typeface="Nyala"/>
         <a:font script="Beng" typeface="Vrinda"/>
         <a:font script="Gujr" typeface="Shruti"/>
@@ -4317,7 +7481,7 @@
         <a:font script="Geor" typeface="Sylfaen"/>
       </a:minorFont>
     </a:fontScheme>
-    <a:fmtScheme name="Office">
+    <a:fmtScheme name="Module">
       <a:fillStyleLst>
         <a:solidFill>
           <a:schemeClr val="phClr"/>
@@ -4349,20 +7513,20 @@
           <a:gsLst>
             <a:gs pos="0">
               <a:schemeClr val="phClr">
-                <a:shade val="51000"/>
-                <a:satMod val="130000"/>
+                <a:shade val="47500"/>
+                <a:satMod val="137000"/>
               </a:schemeClr>
             </a:gs>
-            <a:gs pos="80000">
+            <a:gs pos="55000">
               <a:schemeClr val="phClr">
-                <a:shade val="93000"/>
-                <a:satMod val="130000"/>
+                <a:shade val="69000"/>
+                <a:satMod val="137000"/>
               </a:schemeClr>
             </a:gs>
             <a:gs pos="100000">
               <a:schemeClr val="phClr">
-                <a:shade val="94000"/>
-                <a:satMod val="135000"/>
+                <a:shade val="98000"/>
+                <a:satMod val="137000"/>
               </a:schemeClr>
             </a:gs>
           </a:gsLst>
@@ -4370,7 +7534,7 @@
         </a:gradFill>
       </a:fillStyleLst>
       <a:lnStyleLst>
-        <a:ln w="9525" cap="flat" cmpd="sng" algn="ctr">
+        <a:ln w="6350" cap="rnd" cmpd="sng" algn="ctr">
           <a:solidFill>
             <a:schemeClr val="phClr">
               <a:shade val="95000"/>
@@ -4379,13 +7543,13 @@
           </a:solidFill>
           <a:prstDash val="solid"/>
         </a:ln>
-        <a:ln w="25400" cap="flat" cmpd="sng" algn="ctr">
+        <a:ln w="48000" cap="flat" cmpd="thickThin" algn="ctr">
           <a:solidFill>
             <a:schemeClr val="phClr"/>
           </a:solidFill>
           <a:prstDash val="solid"/>
         </a:ln>
-        <a:ln w="38100" cap="flat" cmpd="sng" algn="ctr">
+        <a:ln w="48500" cap="flat" cmpd="thickThin" algn="ctr">
           <a:solidFill>
             <a:schemeClr val="phClr"/>
           </a:solidFill>
@@ -4395,7 +7559,7 @@
       <a:effectStyleLst>
         <a:effectStyle>
           <a:effectLst>
-            <a:outerShdw blurRad="40000" dist="20000" dir="5400000" rotWithShape="0">
+            <a:outerShdw blurRad="45000" dist="25000" dir="5400000" rotWithShape="0">
               <a:srgbClr val="000000">
                 <a:alpha val="38000"/>
               </a:srgbClr>
@@ -4404,31 +7568,31 @@
         </a:effectStyle>
         <a:effectStyle>
           <a:effectLst>
-            <a:outerShdw blurRad="40000" dist="23000" dir="5400000" rotWithShape="0">
+            <a:outerShdw blurRad="39000" dist="25400" dir="5400000" rotWithShape="0">
               <a:srgbClr val="000000">
-                <a:alpha val="35000"/>
+                <a:alpha val="38000"/>
               </a:srgbClr>
             </a:outerShdw>
           </a:effectLst>
         </a:effectStyle>
         <a:effectStyle>
           <a:effectLst>
-            <a:outerShdw blurRad="40000" dist="23000" dir="5400000" rotWithShape="0">
+            <a:outerShdw blurRad="39000" dist="25400" dir="5400000" rotWithShape="0">
               <a:srgbClr val="000000">
-                <a:alpha val="35000"/>
+                <a:alpha val="38000"/>
               </a:srgbClr>
             </a:outerShdw>
           </a:effectLst>
           <a:scene3d>
-            <a:camera prst="orthographicFront">
+            <a:camera prst="orthographicFront" fov="0">
               <a:rot lat="0" lon="0" rev="0"/>
             </a:camera>
             <a:lightRig rig="threePt" dir="t">
-              <a:rot lat="0" lon="0" rev="1200000"/>
+              <a:rot lat="0" lon="0" rev="1800000"/>
             </a:lightRig>
           </a:scene3d>
-          <a:sp3d>
-            <a:bevelT w="63500" h="25400"/>
+          <a:sp3d prstMaterial="matte">
+            <a:bevelT h="20000"/>
           </a:sp3d>
         </a:effectStyle>
       </a:effectStyleLst>
@@ -4440,47 +7604,47 @@
           <a:gsLst>
             <a:gs pos="0">
               <a:schemeClr val="phClr">
-                <a:tint val="40000"/>
-                <a:satMod val="350000"/>
+                <a:tint val="48000"/>
+                <a:satMod val="300000"/>
               </a:schemeClr>
             </a:gs>
-            <a:gs pos="40000">
+            <a:gs pos="12000">
               <a:schemeClr val="phClr">
-                <a:tint val="45000"/>
-                <a:shade val="99000"/>
-                <a:satMod val="350000"/>
+                <a:tint val="48000"/>
+                <a:satMod val="300000"/>
               </a:schemeClr>
             </a:gs>
-            <a:gs pos="100000">
+            <a:gs pos="20000">
               <a:schemeClr val="phClr">
-                <a:shade val="20000"/>
-                <a:satMod val="255000"/>
-              </a:schemeClr>
-            </a:gs>
-          </a:gsLst>
-          <a:path path="circle">
-            <a:fillToRect l="50000" t="-80000" r="50000" b="180000"/>
-          </a:path>
-        </a:gradFill>
-        <a:gradFill rotWithShape="1">
-          <a:gsLst>
-            <a:gs pos="0">
-              <a:schemeClr val="phClr">
-                <a:tint val="80000"/>
+                <a:tint val="49000"/>
                 <a:satMod val="300000"/>
               </a:schemeClr>
             </a:gs>
             <a:gs pos="100000">
               <a:schemeClr val="phClr">
                 <a:shade val="30000"/>
-                <a:satMod val="200000"/>
               </a:schemeClr>
             </a:gs>
           </a:gsLst>
           <a:path path="circle">
-            <a:fillToRect l="50000" t="50000" r="50000" b="50000"/>
+            <a:fillToRect l="10000" t="-25000" r="10000" b="125000"/>
           </a:path>
         </a:gradFill>
+        <a:blipFill>
+          <a:blip xmlns:r="http://schemas.openxmlformats.org/officeDocument/2006/relationships" r:embed="rId1">
+            <a:duotone>
+              <a:schemeClr val="phClr">
+                <a:shade val="75000"/>
+                <a:satMod val="105000"/>
+              </a:schemeClr>
+              <a:schemeClr val="phClr">
+                <a:tint val="95000"/>
+                <a:satMod val="105000"/>
+              </a:schemeClr>
+            </a:duotone>
+          </a:blip>
+          <a:tile tx="0" ty="0" sx="38000" sy="38000" flip="none" algn="tl"/>
+        </a:blipFill>
       </a:bgFillStyleLst>
     </a:fmtScheme>
   </a:themeElements>
